--- a/Slides/6_ASPNET Core.pptx
+++ b/Slides/6_ASPNET Core.pptx
@@ -5,37 +5,38 @@
     <p:sldMasterId id="2147483648" r:id="rId1"/>
   </p:sldMasterIdLst>
   <p:notesMasterIdLst>
-    <p:notesMasterId r:id="rId30"/>
+    <p:notesMasterId r:id="rId31"/>
   </p:notesMasterIdLst>
   <p:sldIdLst>
     <p:sldId id="256" r:id="rId2"/>
-    <p:sldId id="259" r:id="rId3"/>
-    <p:sldId id="257" r:id="rId4"/>
-    <p:sldId id="258" r:id="rId5"/>
-    <p:sldId id="262" r:id="rId6"/>
-    <p:sldId id="267" r:id="rId7"/>
-    <p:sldId id="269" r:id="rId8"/>
-    <p:sldId id="271" r:id="rId9"/>
-    <p:sldId id="270" r:id="rId10"/>
-    <p:sldId id="272" r:id="rId11"/>
-    <p:sldId id="274" r:id="rId12"/>
-    <p:sldId id="275" r:id="rId13"/>
-    <p:sldId id="276" r:id="rId14"/>
-    <p:sldId id="268" r:id="rId15"/>
-    <p:sldId id="273" r:id="rId16"/>
-    <p:sldId id="278" r:id="rId17"/>
-    <p:sldId id="279" r:id="rId18"/>
-    <p:sldId id="280" r:id="rId19"/>
-    <p:sldId id="281" r:id="rId20"/>
-    <p:sldId id="264" r:id="rId21"/>
-    <p:sldId id="282" r:id="rId22"/>
-    <p:sldId id="283" r:id="rId23"/>
-    <p:sldId id="284" r:id="rId24"/>
-    <p:sldId id="285" r:id="rId25"/>
-    <p:sldId id="286" r:id="rId26"/>
-    <p:sldId id="287" r:id="rId27"/>
-    <p:sldId id="298" r:id="rId28"/>
-    <p:sldId id="322" r:id="rId29"/>
+    <p:sldId id="324" r:id="rId3"/>
+    <p:sldId id="323" r:id="rId4"/>
+    <p:sldId id="257" r:id="rId5"/>
+    <p:sldId id="258" r:id="rId6"/>
+    <p:sldId id="262" r:id="rId7"/>
+    <p:sldId id="267" r:id="rId8"/>
+    <p:sldId id="269" r:id="rId9"/>
+    <p:sldId id="271" r:id="rId10"/>
+    <p:sldId id="270" r:id="rId11"/>
+    <p:sldId id="272" r:id="rId12"/>
+    <p:sldId id="274" r:id="rId13"/>
+    <p:sldId id="275" r:id="rId14"/>
+    <p:sldId id="276" r:id="rId15"/>
+    <p:sldId id="268" r:id="rId16"/>
+    <p:sldId id="273" r:id="rId17"/>
+    <p:sldId id="278" r:id="rId18"/>
+    <p:sldId id="279" r:id="rId19"/>
+    <p:sldId id="280" r:id="rId20"/>
+    <p:sldId id="281" r:id="rId21"/>
+    <p:sldId id="264" r:id="rId22"/>
+    <p:sldId id="282" r:id="rId23"/>
+    <p:sldId id="283" r:id="rId24"/>
+    <p:sldId id="284" r:id="rId25"/>
+    <p:sldId id="285" r:id="rId26"/>
+    <p:sldId id="286" r:id="rId27"/>
+    <p:sldId id="287" r:id="rId28"/>
+    <p:sldId id="298" r:id="rId29"/>
+    <p:sldId id="322" r:id="rId30"/>
   </p:sldIdLst>
   <p:sldSz cx="12192000" cy="6858000"/>
   <p:notesSz cx="6858000" cy="9144000"/>
@@ -224,7 +225,7 @@
           <a:p>
             <a:fld id="{FE0698A4-8696-4B25-BC16-7D62971AF3FD}" type="datetimeFigureOut">
               <a:rPr lang="en-US" smtClean="0"/>
-              <a:t>8/14/2021</a:t>
+              <a:t>8/16/2021</a:t>
             </a:fld>
             <a:endParaRPr lang="en-US"/>
           </a:p>
@@ -559,7 +560,7 @@
           <a:p>
             <a:fld id="{19E56CA5-A4C7-44F7-B25A-6562DA384307}" type="slidenum">
               <a:rPr lang="en-US" smtClean="0"/>
-              <a:t>5</a:t>
+              <a:t>6</a:t>
             </a:fld>
             <a:endParaRPr lang="en-US"/>
           </a:p>
@@ -646,7 +647,7 @@
           <a:p>
             <a:fld id="{19E56CA5-A4C7-44F7-B25A-6562DA384307}" type="slidenum">
               <a:rPr lang="en-US" smtClean="0"/>
-              <a:t>14</a:t>
+              <a:t>15</a:t>
             </a:fld>
             <a:endParaRPr lang="en-US"/>
           </a:p>
@@ -772,7 +773,7 @@
           <a:p>
             <a:fld id="{19E56CA5-A4C7-44F7-B25A-6562DA384307}" type="slidenum">
               <a:rPr lang="en-US" smtClean="0"/>
-              <a:t>15</a:t>
+              <a:t>16</a:t>
             </a:fld>
             <a:endParaRPr lang="en-US"/>
           </a:p>
@@ -909,7 +910,7 @@
           <a:p>
             <a:fld id="{19E56CA5-A4C7-44F7-B25A-6562DA384307}" type="slidenum">
               <a:rPr lang="en-US" smtClean="0"/>
-              <a:t>16</a:t>
+              <a:t>17</a:t>
             </a:fld>
             <a:endParaRPr lang="en-US"/>
           </a:p>
@@ -1030,7 +1031,7 @@
           <a:p>
             <a:fld id="{19E56CA5-A4C7-44F7-B25A-6562DA384307}" type="slidenum">
               <a:rPr lang="en-US" smtClean="0"/>
-              <a:t>17</a:t>
+              <a:t>18</a:t>
             </a:fld>
             <a:endParaRPr lang="en-US"/>
           </a:p>
@@ -1193,7 +1194,7 @@
           <a:p>
             <a:fld id="{19E56CA5-A4C7-44F7-B25A-6562DA384307}" type="slidenum">
               <a:rPr lang="en-US" smtClean="0"/>
-              <a:t>18</a:t>
+              <a:t>19</a:t>
             </a:fld>
             <a:endParaRPr lang="en-US"/>
           </a:p>
@@ -1280,7 +1281,7 @@
           <a:p>
             <a:fld id="{19E56CA5-A4C7-44F7-B25A-6562DA384307}" type="slidenum">
               <a:rPr lang="en-US" smtClean="0"/>
-              <a:t>19</a:t>
+              <a:t>20</a:t>
             </a:fld>
             <a:endParaRPr lang="en-US"/>
           </a:p>
@@ -1376,7 +1377,7 @@
           <a:p>
             <a:fld id="{19E56CA5-A4C7-44F7-B25A-6562DA384307}" type="slidenum">
               <a:rPr lang="en-US" smtClean="0"/>
-              <a:t>20</a:t>
+              <a:t>21</a:t>
             </a:fld>
             <a:endParaRPr lang="en-US"/>
           </a:p>
@@ -1463,7 +1464,7 @@
           <a:p>
             <a:fld id="{19E56CA5-A4C7-44F7-B25A-6562DA384307}" type="slidenum">
               <a:rPr lang="en-US" smtClean="0"/>
-              <a:t>21</a:t>
+              <a:t>22</a:t>
             </a:fld>
             <a:endParaRPr lang="en-US"/>
           </a:p>
@@ -1579,7 +1580,7 @@
           <a:p>
             <a:fld id="{19E56CA5-A4C7-44F7-B25A-6562DA384307}" type="slidenum">
               <a:rPr lang="en-US" smtClean="0"/>
-              <a:t>22</a:t>
+              <a:t>23</a:t>
             </a:fld>
             <a:endParaRPr lang="en-US"/>
           </a:p>
@@ -1716,7 +1717,7 @@
           <a:p>
             <a:fld id="{19E56CA5-A4C7-44F7-B25A-6562DA384307}" type="slidenum">
               <a:rPr lang="en-US" smtClean="0"/>
-              <a:t>23</a:t>
+              <a:t>24</a:t>
             </a:fld>
             <a:endParaRPr lang="en-US"/>
           </a:p>
@@ -1821,7 +1822,7 @@
           <a:p>
             <a:fld id="{19E56CA5-A4C7-44F7-B25A-6562DA384307}" type="slidenum">
               <a:rPr lang="en-US" smtClean="0"/>
-              <a:t>6</a:t>
+              <a:t>7</a:t>
             </a:fld>
             <a:endParaRPr lang="en-US"/>
           </a:p>
@@ -1959,7 +1960,7 @@
           <a:p>
             <a:fld id="{19E56CA5-A4C7-44F7-B25A-6562DA384307}" type="slidenum">
               <a:rPr lang="en-US" smtClean="0"/>
-              <a:t>24</a:t>
+              <a:t>25</a:t>
             </a:fld>
             <a:endParaRPr lang="en-US"/>
           </a:p>
@@ -2085,7 +2086,7 @@
           <a:p>
             <a:fld id="{19E56CA5-A4C7-44F7-B25A-6562DA384307}" type="slidenum">
               <a:rPr lang="en-US" smtClean="0"/>
-              <a:t>25</a:t>
+              <a:t>26</a:t>
             </a:fld>
             <a:endParaRPr lang="en-US"/>
           </a:p>
@@ -2190,7 +2191,7 @@
           <a:p>
             <a:fld id="{19E56CA5-A4C7-44F7-B25A-6562DA384307}" type="slidenum">
               <a:rPr lang="en-US" smtClean="0"/>
-              <a:t>26</a:t>
+              <a:t>27</a:t>
             </a:fld>
             <a:endParaRPr lang="en-US"/>
           </a:p>
@@ -2283,7 +2284,7 @@
           <a:p>
             <a:fld id="{19E56CA5-A4C7-44F7-B25A-6562DA384307}" type="slidenum">
               <a:rPr lang="en-US" smtClean="0"/>
-              <a:t>7</a:t>
+              <a:t>8</a:t>
             </a:fld>
             <a:endParaRPr lang="en-US"/>
           </a:p>
@@ -2417,7 +2418,7 @@
           <a:p>
             <a:fld id="{19E56CA5-A4C7-44F7-B25A-6562DA384307}" type="slidenum">
               <a:rPr lang="en-US" smtClean="0"/>
-              <a:t>8</a:t>
+              <a:t>9</a:t>
             </a:fld>
             <a:endParaRPr lang="en-US"/>
           </a:p>
@@ -2525,7 +2526,7 @@
           <a:p>
             <a:fld id="{19E56CA5-A4C7-44F7-B25A-6562DA384307}" type="slidenum">
               <a:rPr lang="en-US" smtClean="0"/>
-              <a:t>9</a:t>
+              <a:t>10</a:t>
             </a:fld>
             <a:endParaRPr lang="en-US"/>
           </a:p>
@@ -2621,7 +2622,7 @@
           <a:p>
             <a:fld id="{19E56CA5-A4C7-44F7-B25A-6562DA384307}" type="slidenum">
               <a:rPr lang="en-US" smtClean="0"/>
-              <a:t>10</a:t>
+              <a:t>11</a:t>
             </a:fld>
             <a:endParaRPr lang="en-US"/>
           </a:p>
@@ -2735,7 +2736,7 @@
           <a:p>
             <a:fld id="{19E56CA5-A4C7-44F7-B25A-6562DA384307}" type="slidenum">
               <a:rPr lang="en-US" smtClean="0"/>
-              <a:t>11</a:t>
+              <a:t>12</a:t>
             </a:fld>
             <a:endParaRPr lang="en-US"/>
           </a:p>
@@ -2840,7 +2841,7 @@
           <a:p>
             <a:fld id="{19E56CA5-A4C7-44F7-B25A-6562DA384307}" type="slidenum">
               <a:rPr lang="en-US" smtClean="0"/>
-              <a:t>12</a:t>
+              <a:t>13</a:t>
             </a:fld>
             <a:endParaRPr lang="en-US"/>
           </a:p>
@@ -2951,7 +2952,7 @@
           <a:p>
             <a:fld id="{19E56CA5-A4C7-44F7-B25A-6562DA384307}" type="slidenum">
               <a:rPr lang="en-US" smtClean="0"/>
-              <a:t>13</a:t>
+              <a:t>14</a:t>
             </a:fld>
             <a:endParaRPr lang="en-US"/>
           </a:p>
@@ -3117,7 +3118,7 @@
           <a:p>
             <a:fld id="{52B491D6-D58D-44B5-AD9D-0243D7ABB41E}" type="datetimeFigureOut">
               <a:rPr lang="en-US" smtClean="0"/>
-              <a:t>8/14/2021</a:t>
+              <a:t>8/16/2021</a:t>
             </a:fld>
             <a:endParaRPr lang="en-US"/>
           </a:p>
@@ -3315,7 +3316,7 @@
           <a:p>
             <a:fld id="{52B491D6-D58D-44B5-AD9D-0243D7ABB41E}" type="datetimeFigureOut">
               <a:rPr lang="en-US" smtClean="0"/>
-              <a:t>8/14/2021</a:t>
+              <a:t>8/16/2021</a:t>
             </a:fld>
             <a:endParaRPr lang="en-US"/>
           </a:p>
@@ -3523,7 +3524,7 @@
           <a:p>
             <a:fld id="{52B491D6-D58D-44B5-AD9D-0243D7ABB41E}" type="datetimeFigureOut">
               <a:rPr lang="en-US" smtClean="0"/>
-              <a:t>8/14/2021</a:t>
+              <a:t>8/16/2021</a:t>
             </a:fld>
             <a:endParaRPr lang="en-US"/>
           </a:p>
@@ -4718,7 +4719,7 @@
           <a:p>
             <a:fld id="{52B491D6-D58D-44B5-AD9D-0243D7ABB41E}" type="datetimeFigureOut">
               <a:rPr lang="en-US" smtClean="0"/>
-              <a:t>8/14/2021</a:t>
+              <a:t>8/16/2021</a:t>
             </a:fld>
             <a:endParaRPr lang="en-US"/>
           </a:p>
@@ -4993,7 +4994,7 @@
           <a:p>
             <a:fld id="{52B491D6-D58D-44B5-AD9D-0243D7ABB41E}" type="datetimeFigureOut">
               <a:rPr lang="en-US" smtClean="0"/>
-              <a:t>8/14/2021</a:t>
+              <a:t>8/16/2021</a:t>
             </a:fld>
             <a:endParaRPr lang="en-US"/>
           </a:p>
@@ -5258,7 +5259,7 @@
           <a:p>
             <a:fld id="{52B491D6-D58D-44B5-AD9D-0243D7ABB41E}" type="datetimeFigureOut">
               <a:rPr lang="en-US" smtClean="0"/>
-              <a:t>8/14/2021</a:t>
+              <a:t>8/16/2021</a:t>
             </a:fld>
             <a:endParaRPr lang="en-US"/>
           </a:p>
@@ -5670,7 +5671,7 @@
           <a:p>
             <a:fld id="{52B491D6-D58D-44B5-AD9D-0243D7ABB41E}" type="datetimeFigureOut">
               <a:rPr lang="en-US" smtClean="0"/>
-              <a:t>8/14/2021</a:t>
+              <a:t>8/16/2021</a:t>
             </a:fld>
             <a:endParaRPr lang="en-US"/>
           </a:p>
@@ -5811,7 +5812,7 @@
           <a:p>
             <a:fld id="{52B491D6-D58D-44B5-AD9D-0243D7ABB41E}" type="datetimeFigureOut">
               <a:rPr lang="en-US" smtClean="0"/>
-              <a:t>8/14/2021</a:t>
+              <a:t>8/16/2021</a:t>
             </a:fld>
             <a:endParaRPr lang="en-US"/>
           </a:p>
@@ -5924,7 +5925,7 @@
           <a:p>
             <a:fld id="{52B491D6-D58D-44B5-AD9D-0243D7ABB41E}" type="datetimeFigureOut">
               <a:rPr lang="en-US" smtClean="0"/>
-              <a:t>8/14/2021</a:t>
+              <a:t>8/16/2021</a:t>
             </a:fld>
             <a:endParaRPr lang="en-US"/>
           </a:p>
@@ -6235,7 +6236,7 @@
           <a:p>
             <a:fld id="{52B491D6-D58D-44B5-AD9D-0243D7ABB41E}" type="datetimeFigureOut">
               <a:rPr lang="en-US" smtClean="0"/>
-              <a:t>8/14/2021</a:t>
+              <a:t>8/16/2021</a:t>
             </a:fld>
             <a:endParaRPr lang="en-US"/>
           </a:p>
@@ -6523,7 +6524,7 @@
           <a:p>
             <a:fld id="{52B491D6-D58D-44B5-AD9D-0243D7ABB41E}" type="datetimeFigureOut">
               <a:rPr lang="en-US" smtClean="0"/>
-              <a:t>8/14/2021</a:t>
+              <a:t>8/16/2021</a:t>
             </a:fld>
             <a:endParaRPr lang="en-US"/>
           </a:p>
@@ -6764,7 +6765,7 @@
           <a:p>
             <a:fld id="{52B491D6-D58D-44B5-AD9D-0243D7ABB41E}" type="datetimeFigureOut">
               <a:rPr lang="en-US" smtClean="0"/>
-              <a:t>8/14/2021</a:t>
+              <a:t>8/16/2021</a:t>
             </a:fld>
             <a:endParaRPr lang="en-US"/>
           </a:p>
@@ -7307,10 +7308,10 @@
       </p:sp>
       <p:sp>
         <p:nvSpPr>
-          <p:cNvPr id="7" name="Content Placeholder 6">
-            <a:extLst>
-              <a:ext uri="{FF2B5EF4-FFF2-40B4-BE49-F238E27FC236}">
-                <a16:creationId xmlns:a16="http://schemas.microsoft.com/office/drawing/2014/main" id="{27AE98A0-1E21-4D8C-84AC-AD8A8A93A098}"/>
+          <p:cNvPr id="3" name="Content Placeholder 2">
+            <a:extLst>
+              <a:ext uri="{FF2B5EF4-FFF2-40B4-BE49-F238E27FC236}">
+                <a16:creationId xmlns:a16="http://schemas.microsoft.com/office/drawing/2014/main" id="{14660A37-498E-4BA6-A8B2-4FBB2A6D4338}"/>
               </a:ext>
             </a:extLst>
           </p:cNvPr>
@@ -7383,6 +7384,713 @@
           </a:bodyPr>
           <a:lstStyle/>
           <a:p>
+            <a:pPr defTabSz="932472" fontAlgn="base">
+              <a:spcBef>
+                <a:spcPct val="0"/>
+              </a:spcBef>
+              <a:spcAft>
+                <a:spcPct val="0"/>
+              </a:spcAft>
+            </a:pPr>
+            <a:endParaRPr lang="en-US" sz="2000">
+              <a:gradFill>
+                <a:gsLst>
+                  <a:gs pos="0">
+                    <a:srgbClr val="FFFFFF"/>
+                  </a:gs>
+                  <a:gs pos="100000">
+                    <a:srgbClr val="FFFFFF"/>
+                  </a:gs>
+                </a:gsLst>
+                <a:lin ang="5400000" scaled="0"/>
+              </a:gradFill>
+              <a:ea typeface="Segoe UI" pitchFamily="34" charset="0"/>
+              <a:cs typeface="Segoe UI" pitchFamily="34" charset="0"/>
+            </a:endParaRPr>
+          </a:p>
+          <a:p>
+            <a:pPr defTabSz="932472" fontAlgn="base">
+              <a:spcBef>
+                <a:spcPct val="0"/>
+              </a:spcBef>
+              <a:spcAft>
+                <a:spcPct val="0"/>
+              </a:spcAft>
+            </a:pPr>
+            <a:r>
+              <a:rPr lang="en-US" sz="2000">
+                <a:gradFill>
+                  <a:gsLst>
+                    <a:gs pos="0">
+                      <a:srgbClr val="FFFFFF"/>
+                    </a:gs>
+                    <a:gs pos="100000">
+                      <a:srgbClr val="FFFFFF"/>
+                    </a:gs>
+                  </a:gsLst>
+                  <a:lin ang="5400000" scaled="0"/>
+                </a:gradFill>
+                <a:ea typeface="Segoe UI" pitchFamily="34" charset="0"/>
+                <a:cs typeface="Segoe UI" pitchFamily="34" charset="0"/>
+              </a:rPr>
+              <a:t>GET /api/products</a:t>
+            </a:r>
+            <a:endParaRPr lang="en-US" sz="2000" dirty="0">
+              <a:gradFill>
+                <a:gsLst>
+                  <a:gs pos="0">
+                    <a:srgbClr val="FFFFFF"/>
+                  </a:gs>
+                  <a:gs pos="100000">
+                    <a:srgbClr val="FFFFFF"/>
+                  </a:gs>
+                </a:gsLst>
+                <a:lin ang="5400000" scaled="0"/>
+              </a:gradFill>
+              <a:ea typeface="Segoe UI" pitchFamily="34" charset="0"/>
+              <a:cs typeface="Segoe UI" pitchFamily="34" charset="0"/>
+            </a:endParaRPr>
+          </a:p>
+        </p:txBody>
+      </p:sp>
+      <p:sp>
+        <p:nvSpPr>
+          <p:cNvPr id="5" name="Rectangle 4">
+            <a:extLst>
+              <a:ext uri="{FF2B5EF4-FFF2-40B4-BE49-F238E27FC236}">
+                <a16:creationId xmlns:a16="http://schemas.microsoft.com/office/drawing/2014/main" id="{51D03B68-1F59-46A2-86B7-1A34900C9297}"/>
+              </a:ext>
+            </a:extLst>
+          </p:cNvPr>
+          <p:cNvSpPr/>
+          <p:nvPr/>
+        </p:nvSpPr>
+        <p:spPr bwMode="auto">
+          <a:xfrm>
+            <a:off x="5117432" y="1006641"/>
+            <a:ext cx="6593305" cy="4844715"/>
+          </a:xfrm>
+          <a:prstGeom prst="rect">
+            <a:avLst/>
+          </a:prstGeom>
+          <a:solidFill>
+            <a:srgbClr val="00B294"/>
+          </a:solidFill>
+          <a:ln>
+            <a:headEnd type="none" w="med" len="med"/>
+            <a:tailEnd type="none" w="med" len="med"/>
+          </a:ln>
+        </p:spPr>
+        <p:style>
+          <a:lnRef idx="1">
+            <a:schemeClr val="accent1"/>
+          </a:lnRef>
+          <a:fillRef idx="2">
+            <a:schemeClr val="accent1"/>
+          </a:fillRef>
+          <a:effectRef idx="1">
+            <a:schemeClr val="accent1"/>
+          </a:effectRef>
+          <a:fontRef idx="minor">
+            <a:schemeClr val="dk1"/>
+          </a:fontRef>
+        </p:style>
+        <p:txBody>
+          <a:bodyPr rot="0" spcFirstLastPara="0" vertOverflow="overflow" horzOverflow="overflow" vert="horz" wrap="square" lIns="182880" tIns="146304" rIns="182880" bIns="146304" numCol="1" spcCol="0" rtlCol="0" fromWordArt="0" anchor="t" anchorCtr="0" forceAA="0" compatLnSpc="1">
+            <a:prstTxWarp prst="textNoShape">
+              <a:avLst/>
+            </a:prstTxWarp>
+            <a:noAutofit/>
+          </a:bodyPr>
+          <a:lstStyle/>
+          <a:p>
+            <a:pPr algn="l" defTabSz="932472" fontAlgn="base">
+              <a:spcBef>
+                <a:spcPct val="0"/>
+              </a:spcBef>
+              <a:spcAft>
+                <a:spcPct val="0"/>
+              </a:spcAft>
+            </a:pPr>
+            <a:r>
+              <a:rPr lang="en-US" sz="2000" dirty="0">
+                <a:gradFill>
+                  <a:gsLst>
+                    <a:gs pos="0">
+                      <a:srgbClr val="FFFFFF"/>
+                    </a:gs>
+                    <a:gs pos="100000">
+                      <a:srgbClr val="FFFFFF"/>
+                    </a:gs>
+                  </a:gsLst>
+                  <a:lin ang="5400000" scaled="0"/>
+                </a:gradFill>
+                <a:ea typeface="Segoe UI" pitchFamily="34" charset="0"/>
+                <a:cs typeface="Segoe UI" pitchFamily="34" charset="0"/>
+              </a:rPr>
+              <a:t>ASP.NET Core</a:t>
+            </a:r>
+          </a:p>
+        </p:txBody>
+      </p:sp>
+      <p:sp>
+        <p:nvSpPr>
+          <p:cNvPr id="6" name="Rectangle 5">
+            <a:extLst>
+              <a:ext uri="{FF2B5EF4-FFF2-40B4-BE49-F238E27FC236}">
+                <a16:creationId xmlns:a16="http://schemas.microsoft.com/office/drawing/2014/main" id="{1AC2FCF5-94E5-4E88-B1B2-721645567C91}"/>
+              </a:ext>
+            </a:extLst>
+          </p:cNvPr>
+          <p:cNvSpPr/>
+          <p:nvPr/>
+        </p:nvSpPr>
+        <p:spPr bwMode="auto">
+          <a:xfrm>
+            <a:off x="8021052" y="1672396"/>
+            <a:ext cx="3208421" cy="1203157"/>
+          </a:xfrm>
+          <a:prstGeom prst="rect">
+            <a:avLst/>
+          </a:prstGeom>
+          <a:solidFill>
+            <a:srgbClr val="E81123"/>
+          </a:solidFill>
+          <a:ln>
+            <a:headEnd type="none" w="med" len="med"/>
+            <a:tailEnd type="none" w="med" len="med"/>
+          </a:ln>
+        </p:spPr>
+        <p:style>
+          <a:lnRef idx="2">
+            <a:schemeClr val="accent4">
+              <a:shade val="50000"/>
+            </a:schemeClr>
+          </a:lnRef>
+          <a:fillRef idx="1">
+            <a:schemeClr val="accent4"/>
+          </a:fillRef>
+          <a:effectRef idx="0">
+            <a:schemeClr val="accent4"/>
+          </a:effectRef>
+          <a:fontRef idx="minor">
+            <a:schemeClr val="lt1"/>
+          </a:fontRef>
+        </p:style>
+        <p:txBody>
+          <a:bodyPr rot="0" spcFirstLastPara="0" vertOverflow="overflow" horzOverflow="overflow" vert="horz" wrap="square" lIns="182880" tIns="146304" rIns="182880" bIns="146304" numCol="1" spcCol="0" rtlCol="0" fromWordArt="0" anchor="t" anchorCtr="0" forceAA="0" compatLnSpc="1">
+            <a:prstTxWarp prst="textNoShape">
+              <a:avLst/>
+            </a:prstTxWarp>
+            <a:noAutofit/>
+          </a:bodyPr>
+          <a:lstStyle/>
+          <a:p>
+            <a:pPr algn="l" defTabSz="932472" fontAlgn="base">
+              <a:spcBef>
+                <a:spcPct val="0"/>
+              </a:spcBef>
+              <a:spcAft>
+                <a:spcPct val="0"/>
+              </a:spcAft>
+            </a:pPr>
+            <a:r>
+              <a:rPr lang="en-US" sz="2000" dirty="0" err="1">
+                <a:gradFill>
+                  <a:gsLst>
+                    <a:gs pos="0">
+                      <a:srgbClr val="FFFFFF"/>
+                    </a:gs>
+                    <a:gs pos="100000">
+                      <a:srgbClr val="FFFFFF"/>
+                    </a:gs>
+                  </a:gsLst>
+                  <a:lin ang="5400000" scaled="0"/>
+                </a:gradFill>
+                <a:ea typeface="Segoe UI" pitchFamily="34" charset="0"/>
+                <a:cs typeface="Segoe UI" pitchFamily="34" charset="0"/>
+              </a:rPr>
+              <a:t>ProductsController</a:t>
+            </a:r>
+            <a:endParaRPr lang="en-US" sz="2000" dirty="0">
+              <a:gradFill>
+                <a:gsLst>
+                  <a:gs pos="0">
+                    <a:srgbClr val="FFFFFF"/>
+                  </a:gs>
+                  <a:gs pos="100000">
+                    <a:srgbClr val="FFFFFF"/>
+                  </a:gs>
+                </a:gsLst>
+                <a:lin ang="5400000" scaled="0"/>
+              </a:gradFill>
+              <a:ea typeface="Segoe UI" pitchFamily="34" charset="0"/>
+              <a:cs typeface="Segoe UI" pitchFamily="34" charset="0"/>
+            </a:endParaRPr>
+          </a:p>
+          <a:p>
+            <a:pPr algn="l" defTabSz="932472" fontAlgn="base">
+              <a:spcBef>
+                <a:spcPct val="0"/>
+              </a:spcBef>
+              <a:spcAft>
+                <a:spcPct val="0"/>
+              </a:spcAft>
+            </a:pPr>
+            <a:endParaRPr lang="en-US" sz="2000" dirty="0" err="1">
+              <a:gradFill>
+                <a:gsLst>
+                  <a:gs pos="0">
+                    <a:srgbClr val="FFFFFF"/>
+                  </a:gs>
+                  <a:gs pos="100000">
+                    <a:srgbClr val="FFFFFF"/>
+                  </a:gs>
+                </a:gsLst>
+                <a:lin ang="5400000" scaled="0"/>
+              </a:gradFill>
+              <a:ea typeface="Segoe UI" pitchFamily="34" charset="0"/>
+              <a:cs typeface="Segoe UI" pitchFamily="34" charset="0"/>
+            </a:endParaRPr>
+          </a:p>
+        </p:txBody>
+      </p:sp>
+      <p:sp>
+        <p:nvSpPr>
+          <p:cNvPr id="7" name="Rectangle 6">
+            <a:extLst>
+              <a:ext uri="{FF2B5EF4-FFF2-40B4-BE49-F238E27FC236}">
+                <a16:creationId xmlns:a16="http://schemas.microsoft.com/office/drawing/2014/main" id="{DC1D9588-44FA-46A9-B5A3-D0325FBDAE6A}"/>
+              </a:ext>
+            </a:extLst>
+          </p:cNvPr>
+          <p:cNvSpPr/>
+          <p:nvPr/>
+        </p:nvSpPr>
+        <p:spPr bwMode="auto">
+          <a:xfrm>
+            <a:off x="8021051" y="3060035"/>
+            <a:ext cx="3208421" cy="1203157"/>
+          </a:xfrm>
+          <a:prstGeom prst="rect">
+            <a:avLst/>
+          </a:prstGeom>
+          <a:solidFill>
+            <a:srgbClr val="E81123"/>
+          </a:solidFill>
+          <a:ln>
+            <a:headEnd type="none" w="med" len="med"/>
+            <a:tailEnd type="none" w="med" len="med"/>
+          </a:ln>
+        </p:spPr>
+        <p:style>
+          <a:lnRef idx="2">
+            <a:schemeClr val="accent4">
+              <a:shade val="50000"/>
+            </a:schemeClr>
+          </a:lnRef>
+          <a:fillRef idx="1">
+            <a:schemeClr val="accent4"/>
+          </a:fillRef>
+          <a:effectRef idx="0">
+            <a:schemeClr val="accent4"/>
+          </a:effectRef>
+          <a:fontRef idx="minor">
+            <a:schemeClr val="lt1"/>
+          </a:fontRef>
+        </p:style>
+        <p:txBody>
+          <a:bodyPr rot="0" spcFirstLastPara="0" vertOverflow="overflow" horzOverflow="overflow" vert="horz" wrap="square" lIns="182880" tIns="146304" rIns="182880" bIns="146304" numCol="1" spcCol="0" rtlCol="0" fromWordArt="0" anchor="t" anchorCtr="0" forceAA="0" compatLnSpc="1">
+            <a:prstTxWarp prst="textNoShape">
+              <a:avLst/>
+            </a:prstTxWarp>
+            <a:noAutofit/>
+          </a:bodyPr>
+          <a:lstStyle/>
+          <a:p>
+            <a:pPr algn="l" defTabSz="932472" fontAlgn="base">
+              <a:spcBef>
+                <a:spcPct val="0"/>
+              </a:spcBef>
+              <a:spcAft>
+                <a:spcPct val="0"/>
+              </a:spcAft>
+            </a:pPr>
+            <a:r>
+              <a:rPr lang="en-US" sz="2000" dirty="0" err="1">
+                <a:gradFill>
+                  <a:gsLst>
+                    <a:gs pos="0">
+                      <a:srgbClr val="FFFFFF"/>
+                    </a:gs>
+                    <a:gs pos="100000">
+                      <a:srgbClr val="FFFFFF"/>
+                    </a:gs>
+                  </a:gsLst>
+                  <a:lin ang="5400000" scaled="0"/>
+                </a:gradFill>
+                <a:ea typeface="Segoe UI" pitchFamily="34" charset="0"/>
+                <a:cs typeface="Segoe UI" pitchFamily="34" charset="0"/>
+              </a:rPr>
+              <a:t>OrdersController</a:t>
+            </a:r>
+            <a:endParaRPr lang="en-US" sz="2000" dirty="0">
+              <a:gradFill>
+                <a:gsLst>
+                  <a:gs pos="0">
+                    <a:srgbClr val="FFFFFF"/>
+                  </a:gs>
+                  <a:gs pos="100000">
+                    <a:srgbClr val="FFFFFF"/>
+                  </a:gs>
+                </a:gsLst>
+                <a:lin ang="5400000" scaled="0"/>
+              </a:gradFill>
+              <a:ea typeface="Segoe UI" pitchFamily="34" charset="0"/>
+              <a:cs typeface="Segoe UI" pitchFamily="34" charset="0"/>
+            </a:endParaRPr>
+          </a:p>
+        </p:txBody>
+      </p:sp>
+      <p:sp>
+        <p:nvSpPr>
+          <p:cNvPr id="8" name="Rectangle 7">
+            <a:extLst>
+              <a:ext uri="{FF2B5EF4-FFF2-40B4-BE49-F238E27FC236}">
+                <a16:creationId xmlns:a16="http://schemas.microsoft.com/office/drawing/2014/main" id="{15422FC9-EC99-442F-89B4-1260C2F55569}"/>
+              </a:ext>
+            </a:extLst>
+          </p:cNvPr>
+          <p:cNvSpPr/>
+          <p:nvPr/>
+        </p:nvSpPr>
+        <p:spPr bwMode="auto">
+          <a:xfrm>
+            <a:off x="8021050" y="4455695"/>
+            <a:ext cx="3208421" cy="1203157"/>
+          </a:xfrm>
+          <a:prstGeom prst="rect">
+            <a:avLst/>
+          </a:prstGeom>
+          <a:solidFill>
+            <a:srgbClr val="E81123"/>
+          </a:solidFill>
+          <a:ln>
+            <a:headEnd type="none" w="med" len="med"/>
+            <a:tailEnd type="none" w="med" len="med"/>
+          </a:ln>
+        </p:spPr>
+        <p:style>
+          <a:lnRef idx="2">
+            <a:schemeClr val="accent4">
+              <a:shade val="50000"/>
+            </a:schemeClr>
+          </a:lnRef>
+          <a:fillRef idx="1">
+            <a:schemeClr val="accent4"/>
+          </a:fillRef>
+          <a:effectRef idx="0">
+            <a:schemeClr val="accent4"/>
+          </a:effectRef>
+          <a:fontRef idx="minor">
+            <a:schemeClr val="lt1"/>
+          </a:fontRef>
+        </p:style>
+        <p:txBody>
+          <a:bodyPr rot="0" spcFirstLastPara="0" vertOverflow="overflow" horzOverflow="overflow" vert="horz" wrap="square" lIns="182880" tIns="146304" rIns="182880" bIns="146304" numCol="1" spcCol="0" rtlCol="0" fromWordArt="0" anchor="t" anchorCtr="0" forceAA="0" compatLnSpc="1">
+            <a:prstTxWarp prst="textNoShape">
+              <a:avLst/>
+            </a:prstTxWarp>
+            <a:noAutofit/>
+          </a:bodyPr>
+          <a:lstStyle/>
+          <a:p>
+            <a:pPr algn="l" defTabSz="932472" fontAlgn="base">
+              <a:spcBef>
+                <a:spcPct val="0"/>
+              </a:spcBef>
+              <a:spcAft>
+                <a:spcPct val="0"/>
+              </a:spcAft>
+            </a:pPr>
+            <a:r>
+              <a:rPr lang="en-US" sz="2000" dirty="0" err="1">
+                <a:gradFill>
+                  <a:gsLst>
+                    <a:gs pos="0">
+                      <a:srgbClr val="FFFFFF"/>
+                    </a:gs>
+                    <a:gs pos="100000">
+                      <a:srgbClr val="FFFFFF"/>
+                    </a:gs>
+                  </a:gsLst>
+                  <a:lin ang="5400000" scaled="0"/>
+                </a:gradFill>
+                <a:ea typeface="Segoe UI" pitchFamily="34" charset="0"/>
+                <a:cs typeface="Segoe UI" pitchFamily="34" charset="0"/>
+              </a:rPr>
+              <a:t>InvoiceController</a:t>
+            </a:r>
+            <a:endParaRPr lang="en-US" sz="2000" dirty="0">
+              <a:gradFill>
+                <a:gsLst>
+                  <a:gs pos="0">
+                    <a:srgbClr val="FFFFFF"/>
+                  </a:gs>
+                  <a:gs pos="100000">
+                    <a:srgbClr val="FFFFFF"/>
+                  </a:gs>
+                </a:gsLst>
+                <a:lin ang="5400000" scaled="0"/>
+              </a:gradFill>
+              <a:ea typeface="Segoe UI" pitchFamily="34" charset="0"/>
+              <a:cs typeface="Segoe UI" pitchFamily="34" charset="0"/>
+            </a:endParaRPr>
+          </a:p>
+          <a:p>
+            <a:pPr algn="l" defTabSz="932472" fontAlgn="base">
+              <a:spcBef>
+                <a:spcPct val="0"/>
+              </a:spcBef>
+              <a:spcAft>
+                <a:spcPct val="0"/>
+              </a:spcAft>
+            </a:pPr>
+            <a:endParaRPr lang="en-US" sz="2000" dirty="0" err="1">
+              <a:gradFill>
+                <a:gsLst>
+                  <a:gs pos="0">
+                    <a:srgbClr val="FFFFFF"/>
+                  </a:gs>
+                  <a:gs pos="100000">
+                    <a:srgbClr val="FFFFFF"/>
+                  </a:gs>
+                </a:gsLst>
+                <a:lin ang="5400000" scaled="0"/>
+              </a:gradFill>
+              <a:ea typeface="Segoe UI" pitchFamily="34" charset="0"/>
+              <a:cs typeface="Segoe UI" pitchFamily="34" charset="0"/>
+            </a:endParaRPr>
+          </a:p>
+        </p:txBody>
+      </p:sp>
+      <p:sp>
+        <p:nvSpPr>
+          <p:cNvPr id="9" name="Rectangle: Rounded Corners 8">
+            <a:extLst>
+              <a:ext uri="{FF2B5EF4-FFF2-40B4-BE49-F238E27FC236}">
+                <a16:creationId xmlns:a16="http://schemas.microsoft.com/office/drawing/2014/main" id="{8710F51F-1742-47A2-B4EB-385E84C262AD}"/>
+              </a:ext>
+            </a:extLst>
+          </p:cNvPr>
+          <p:cNvSpPr/>
+          <p:nvPr/>
+        </p:nvSpPr>
+        <p:spPr bwMode="auto">
+          <a:xfrm>
+            <a:off x="5630779" y="1925053"/>
+            <a:ext cx="1925053" cy="3160294"/>
+          </a:xfrm>
+          <a:prstGeom prst="roundRect">
+            <a:avLst/>
+          </a:prstGeom>
+          <a:solidFill>
+            <a:srgbClr val="B4009E"/>
+          </a:solidFill>
+          <a:ln>
+            <a:noFill/>
+          </a:ln>
+        </p:spPr>
+        <p:style>
+          <a:lnRef idx="0">
+            <a:scrgbClr r="0" g="0" b="0"/>
+          </a:lnRef>
+          <a:fillRef idx="0">
+            <a:scrgbClr r="0" g="0" b="0"/>
+          </a:fillRef>
+          <a:effectRef idx="0">
+            <a:scrgbClr r="0" g="0" b="0"/>
+          </a:effectRef>
+          <a:fontRef idx="minor">
+            <a:schemeClr val="lt1"/>
+          </a:fontRef>
+        </p:style>
+        <p:txBody>
+          <a:bodyPr rot="0" spcFirstLastPara="0" vertOverflow="overflow" horzOverflow="overflow" vert="horz" wrap="square" lIns="182880" tIns="146304" rIns="182880" bIns="146304" numCol="1" spcCol="0" rtlCol="0" fromWordArt="0" anchor="t" anchorCtr="0" forceAA="0" compatLnSpc="1">
+            <a:prstTxWarp prst="textNoShape">
+              <a:avLst/>
+            </a:prstTxWarp>
+            <a:noAutofit/>
+          </a:bodyPr>
+          <a:lstStyle/>
+          <a:p>
+            <a:pPr algn="l" defTabSz="932472" fontAlgn="base">
+              <a:spcBef>
+                <a:spcPct val="0"/>
+              </a:spcBef>
+              <a:spcAft>
+                <a:spcPct val="0"/>
+              </a:spcAft>
+            </a:pPr>
+            <a:r>
+              <a:rPr lang="en-US" sz="2000" dirty="0">
+                <a:gradFill>
+                  <a:gsLst>
+                    <a:gs pos="0">
+                      <a:srgbClr val="FFFFFF"/>
+                    </a:gs>
+                    <a:gs pos="100000">
+                      <a:srgbClr val="FFFFFF"/>
+                    </a:gs>
+                  </a:gsLst>
+                  <a:lin ang="5400000" scaled="0"/>
+                </a:gradFill>
+                <a:ea typeface="Segoe UI" pitchFamily="34" charset="0"/>
+                <a:cs typeface="Segoe UI" pitchFamily="34" charset="0"/>
+              </a:rPr>
+              <a:t>Routing Engine</a:t>
+            </a:r>
+          </a:p>
+        </p:txBody>
+      </p:sp>
+    </p:spTree>
+    <p:extLst>
+      <p:ext uri="{BB962C8B-B14F-4D97-AF65-F5344CB8AC3E}">
+        <p14:creationId xmlns:p14="http://schemas.microsoft.com/office/powerpoint/2010/main" val="722622545"/>
+      </p:ext>
+    </p:extLst>
+  </p:cSld>
+  <p:clrMapOvr>
+    <a:masterClrMapping/>
+  </p:clrMapOvr>
+</p:sld>
+</file>
+
+<file path=ppt/slides/slide11.xml><?xml version="1.0" encoding="utf-8"?>
+<p:sld xmlns:a="http://schemas.openxmlformats.org/drawingml/2006/main" xmlns:r="http://schemas.openxmlformats.org/officeDocument/2006/relationships" xmlns:p="http://schemas.openxmlformats.org/presentationml/2006/main">
+  <p:cSld>
+    <p:spTree>
+      <p:nvGrpSpPr>
+        <p:cNvPr id="1" name=""/>
+        <p:cNvGrpSpPr/>
+        <p:nvPr/>
+      </p:nvGrpSpPr>
+      <p:grpSpPr>
+        <a:xfrm>
+          <a:off x="0" y="0"/>
+          <a:ext cx="0" cy="0"/>
+          <a:chOff x="0" y="0"/>
+          <a:chExt cx="0" cy="0"/>
+        </a:xfrm>
+      </p:grpSpPr>
+      <p:sp>
+        <p:nvSpPr>
+          <p:cNvPr id="2" name="Title 1">
+            <a:extLst>
+              <a:ext uri="{FF2B5EF4-FFF2-40B4-BE49-F238E27FC236}">
+                <a16:creationId xmlns:a16="http://schemas.microsoft.com/office/drawing/2014/main" id="{9EAE126D-B44B-43BB-A261-707ECE527F15}"/>
+              </a:ext>
+            </a:extLst>
+          </p:cNvPr>
+          <p:cNvSpPr>
+            <a:spLocks noGrp="1"/>
+          </p:cNvSpPr>
+          <p:nvPr>
+            <p:ph type="title"/>
+          </p:nvPr>
+        </p:nvSpPr>
+        <p:spPr/>
+        <p:txBody>
+          <a:bodyPr>
+            <a:normAutofit/>
+          </a:bodyPr>
+          <a:lstStyle/>
+          <a:p>
+            <a:r>
+              <a:rPr lang="en-US" dirty="0"/>
+              <a:t>Controllers</a:t>
+            </a:r>
+          </a:p>
+        </p:txBody>
+      </p:sp>
+      <p:sp>
+        <p:nvSpPr>
+          <p:cNvPr id="7" name="Content Placeholder 6">
+            <a:extLst>
+              <a:ext uri="{FF2B5EF4-FFF2-40B4-BE49-F238E27FC236}">
+                <a16:creationId xmlns:a16="http://schemas.microsoft.com/office/drawing/2014/main" id="{27AE98A0-1E21-4D8C-84AC-AD8A8A93A098}"/>
+              </a:ext>
+            </a:extLst>
+          </p:cNvPr>
+          <p:cNvSpPr>
+            <a:spLocks noGrp="1"/>
+          </p:cNvSpPr>
+          <p:nvPr>
+            <p:ph idx="1"/>
+          </p:nvPr>
+        </p:nvSpPr>
+        <p:spPr/>
+        <p:txBody>
+          <a:bodyPr/>
+          <a:lstStyle/>
+          <a:p>
+            <a:endParaRPr lang="en-US"/>
+          </a:p>
+        </p:txBody>
+      </p:sp>
+      <p:sp>
+        <p:nvSpPr>
+          <p:cNvPr id="4" name="Cloud 3">
+            <a:extLst>
+              <a:ext uri="{FF2B5EF4-FFF2-40B4-BE49-F238E27FC236}">
+                <a16:creationId xmlns:a16="http://schemas.microsoft.com/office/drawing/2014/main" id="{9FD93D3D-FA8A-4C79-B14A-589A1137F723}"/>
+              </a:ext>
+            </a:extLst>
+          </p:cNvPr>
+          <p:cNvSpPr/>
+          <p:nvPr/>
+        </p:nvSpPr>
+        <p:spPr bwMode="auto">
+          <a:xfrm>
+            <a:off x="962527" y="2257924"/>
+            <a:ext cx="3336758" cy="2342147"/>
+          </a:xfrm>
+          <a:prstGeom prst="cloud">
+            <a:avLst/>
+          </a:prstGeom>
+          <a:solidFill>
+            <a:srgbClr val="00BCF2"/>
+          </a:solidFill>
+          <a:ln>
+            <a:noFill/>
+            <a:headEnd type="none" w="med" len="med"/>
+            <a:tailEnd type="none" w="med" len="med"/>
+          </a:ln>
+          <a:effectLst/>
+        </p:spPr>
+        <p:style>
+          <a:lnRef idx="1">
+            <a:schemeClr val="accent2"/>
+          </a:lnRef>
+          <a:fillRef idx="3">
+            <a:schemeClr val="accent2"/>
+          </a:fillRef>
+          <a:effectRef idx="2">
+            <a:schemeClr val="accent2"/>
+          </a:effectRef>
+          <a:fontRef idx="minor">
+            <a:schemeClr val="lt1"/>
+          </a:fontRef>
+        </p:style>
+        <p:txBody>
+          <a:bodyPr rot="0" spcFirstLastPara="0" vertOverflow="overflow" horzOverflow="overflow" vert="horz" wrap="square" lIns="182880" tIns="146304" rIns="182880" bIns="146304" numCol="1" spcCol="0" rtlCol="0" fromWordArt="0" anchor="t" anchorCtr="0" forceAA="0" compatLnSpc="1">
+            <a:prstTxWarp prst="textNoShape">
+              <a:avLst/>
+            </a:prstTxWarp>
+            <a:noAutofit/>
+          </a:bodyPr>
+          <a:lstStyle/>
+          <a:p>
             <a:pPr algn="l" defTabSz="932472" fontAlgn="base">
               <a:spcBef>
                 <a:spcPct val="0"/>
@@ -8302,94 +9010,6 @@
 </p:sld>
 </file>
 
-<file path=ppt/slides/slide11.xml><?xml version="1.0" encoding="utf-8"?>
-<p:sld xmlns:a="http://schemas.openxmlformats.org/drawingml/2006/main" xmlns:r="http://schemas.openxmlformats.org/officeDocument/2006/relationships" xmlns:p="http://schemas.openxmlformats.org/presentationml/2006/main">
-  <p:cSld>
-    <p:spTree>
-      <p:nvGrpSpPr>
-        <p:cNvPr id="1" name=""/>
-        <p:cNvGrpSpPr/>
-        <p:nvPr/>
-      </p:nvGrpSpPr>
-      <p:grpSpPr>
-        <a:xfrm>
-          <a:off x="0" y="0"/>
-          <a:ext cx="0" cy="0"/>
-          <a:chOff x="0" y="0"/>
-          <a:chExt cx="0" cy="0"/>
-        </a:xfrm>
-      </p:grpSpPr>
-      <p:sp>
-        <p:nvSpPr>
-          <p:cNvPr id="2" name="Title 1">
-            <a:extLst>
-              <a:ext uri="{FF2B5EF4-FFF2-40B4-BE49-F238E27FC236}">
-                <a16:creationId xmlns:a16="http://schemas.microsoft.com/office/drawing/2014/main" id="{BDD829F1-6718-410F-8461-AF2FF4D71BF5}"/>
-              </a:ext>
-            </a:extLst>
-          </p:cNvPr>
-          <p:cNvSpPr>
-            <a:spLocks noGrp="1"/>
-          </p:cNvSpPr>
-          <p:nvPr>
-            <p:ph type="title"/>
-          </p:nvPr>
-        </p:nvSpPr>
-        <p:spPr/>
-        <p:txBody>
-          <a:bodyPr>
-            <a:normAutofit/>
-          </a:bodyPr>
-          <a:lstStyle/>
-          <a:p>
-            <a:r>
-              <a:rPr lang="en-US" dirty="0"/>
-              <a:t>Simple Rules for Controllers</a:t>
-            </a:r>
-          </a:p>
-        </p:txBody>
-      </p:sp>
-      <p:sp>
-        <p:nvSpPr>
-          <p:cNvPr id="6" name="Text Placeholder 5">
-            <a:extLst>
-              <a:ext uri="{FF2B5EF4-FFF2-40B4-BE49-F238E27FC236}">
-                <a16:creationId xmlns:a16="http://schemas.microsoft.com/office/drawing/2014/main" id="{7D443984-18C1-48F7-9CE1-810FB76DAC75}"/>
-              </a:ext>
-            </a:extLst>
-          </p:cNvPr>
-          <p:cNvSpPr>
-            <a:spLocks noGrp="1"/>
-          </p:cNvSpPr>
-          <p:nvPr>
-            <p:ph idx="1"/>
-          </p:nvPr>
-        </p:nvSpPr>
-        <p:spPr/>
-        <p:txBody>
-          <a:bodyPr/>
-          <a:lstStyle/>
-          <a:p>
-            <a:r>
-              <a:rPr lang="en-US" dirty="0"/>
-              <a:t>Controllers should be dumb</a:t>
-            </a:r>
-          </a:p>
-        </p:txBody>
-      </p:sp>
-    </p:spTree>
-    <p:extLst>
-      <p:ext uri="{BB962C8B-B14F-4D97-AF65-F5344CB8AC3E}">
-        <p14:creationId xmlns:p14="http://schemas.microsoft.com/office/powerpoint/2010/main" val="3208252429"/>
-      </p:ext>
-    </p:extLst>
-  </p:cSld>
-  <p:clrMapOvr>
-    <a:masterClrMapping/>
-  </p:clrMapOvr>
-</p:sld>
-</file>
-
 <file path=ppt/slides/slide12.xml><?xml version="1.0" encoding="utf-8"?>
 <p:sld xmlns:a="http://schemas.openxmlformats.org/drawingml/2006/main" xmlns:r="http://schemas.openxmlformats.org/officeDocument/2006/relationships" xmlns:p="http://schemas.openxmlformats.org/presentationml/2006/main">
   <p:cSld>
@@ -8463,18 +9083,12 @@
               <a:t>Controllers should be dumb</a:t>
             </a:r>
           </a:p>
-          <a:p>
-            <a:r>
-              <a:rPr lang="en-US" dirty="0"/>
-              <a:t>Controllers should validate inputs</a:t>
-            </a:r>
-          </a:p>
         </p:txBody>
       </p:sp>
     </p:spTree>
     <p:extLst>
       <p:ext uri="{BB962C8B-B14F-4D97-AF65-F5344CB8AC3E}">
-        <p14:creationId xmlns:p14="http://schemas.microsoft.com/office/powerpoint/2010/main" val="2964943869"/>
+        <p14:creationId xmlns:p14="http://schemas.microsoft.com/office/powerpoint/2010/main" val="3208252429"/>
       </p:ext>
     </p:extLst>
   </p:cSld>
@@ -8563,18 +9177,12 @@
               <a:t>Controllers should validate inputs</a:t>
             </a:r>
           </a:p>
-          <a:p>
-            <a:r>
-              <a:rPr lang="en-US" dirty="0"/>
-              <a:t>Controllers should validate access</a:t>
-            </a:r>
-          </a:p>
         </p:txBody>
       </p:sp>
     </p:spTree>
     <p:extLst>
       <p:ext uri="{BB962C8B-B14F-4D97-AF65-F5344CB8AC3E}">
-        <p14:creationId xmlns:p14="http://schemas.microsoft.com/office/powerpoint/2010/main" val="1731518143"/>
+        <p14:creationId xmlns:p14="http://schemas.microsoft.com/office/powerpoint/2010/main" val="2964943869"/>
       </p:ext>
     </p:extLst>
   </p:cSld>
@@ -8603,6 +9211,106 @@
       </p:grpSpPr>
       <p:sp>
         <p:nvSpPr>
+          <p:cNvPr id="2" name="Title 1">
+            <a:extLst>
+              <a:ext uri="{FF2B5EF4-FFF2-40B4-BE49-F238E27FC236}">
+                <a16:creationId xmlns:a16="http://schemas.microsoft.com/office/drawing/2014/main" id="{BDD829F1-6718-410F-8461-AF2FF4D71BF5}"/>
+              </a:ext>
+            </a:extLst>
+          </p:cNvPr>
+          <p:cNvSpPr>
+            <a:spLocks noGrp="1"/>
+          </p:cNvSpPr>
+          <p:nvPr>
+            <p:ph type="title"/>
+          </p:nvPr>
+        </p:nvSpPr>
+        <p:spPr/>
+        <p:txBody>
+          <a:bodyPr>
+            <a:normAutofit/>
+          </a:bodyPr>
+          <a:lstStyle/>
+          <a:p>
+            <a:r>
+              <a:rPr lang="en-US" dirty="0"/>
+              <a:t>Simple Rules for Controllers</a:t>
+            </a:r>
+          </a:p>
+        </p:txBody>
+      </p:sp>
+      <p:sp>
+        <p:nvSpPr>
+          <p:cNvPr id="6" name="Text Placeholder 5">
+            <a:extLst>
+              <a:ext uri="{FF2B5EF4-FFF2-40B4-BE49-F238E27FC236}">
+                <a16:creationId xmlns:a16="http://schemas.microsoft.com/office/drawing/2014/main" id="{7D443984-18C1-48F7-9CE1-810FB76DAC75}"/>
+              </a:ext>
+            </a:extLst>
+          </p:cNvPr>
+          <p:cNvSpPr>
+            <a:spLocks noGrp="1"/>
+          </p:cNvSpPr>
+          <p:nvPr>
+            <p:ph idx="1"/>
+          </p:nvPr>
+        </p:nvSpPr>
+        <p:spPr/>
+        <p:txBody>
+          <a:bodyPr/>
+          <a:lstStyle/>
+          <a:p>
+            <a:r>
+              <a:rPr lang="en-US" dirty="0"/>
+              <a:t>Controllers should be dumb</a:t>
+            </a:r>
+          </a:p>
+          <a:p>
+            <a:r>
+              <a:rPr lang="en-US" dirty="0"/>
+              <a:t>Controllers should validate inputs</a:t>
+            </a:r>
+          </a:p>
+          <a:p>
+            <a:r>
+              <a:rPr lang="en-US" dirty="0"/>
+              <a:t>Controllers should validate access</a:t>
+            </a:r>
+          </a:p>
+        </p:txBody>
+      </p:sp>
+    </p:spTree>
+    <p:extLst>
+      <p:ext uri="{BB962C8B-B14F-4D97-AF65-F5344CB8AC3E}">
+        <p14:creationId xmlns:p14="http://schemas.microsoft.com/office/powerpoint/2010/main" val="1731518143"/>
+      </p:ext>
+    </p:extLst>
+  </p:cSld>
+  <p:clrMapOvr>
+    <a:masterClrMapping/>
+  </p:clrMapOvr>
+</p:sld>
+</file>
+
+<file path=ppt/slides/slide15.xml><?xml version="1.0" encoding="utf-8"?>
+<p:sld xmlns:a="http://schemas.openxmlformats.org/drawingml/2006/main" xmlns:r="http://schemas.openxmlformats.org/officeDocument/2006/relationships" xmlns:p="http://schemas.openxmlformats.org/presentationml/2006/main">
+  <p:cSld>
+    <p:spTree>
+      <p:nvGrpSpPr>
+        <p:cNvPr id="1" name=""/>
+        <p:cNvGrpSpPr/>
+        <p:nvPr/>
+      </p:nvGrpSpPr>
+      <p:grpSpPr>
+        <a:xfrm>
+          <a:off x="0" y="0"/>
+          <a:ext cx="0" cy="0"/>
+          <a:chOff x="0" y="0"/>
+          <a:chExt cx="0" cy="0"/>
+        </a:xfrm>
+      </p:grpSpPr>
+      <p:sp>
+        <p:nvSpPr>
           <p:cNvPr id="6" name="Title 5">
             <a:extLst>
               <a:ext uri="{FF2B5EF4-FFF2-40B4-BE49-F238E27FC236}">
@@ -8667,7 +9375,7 @@
 </p:sld>
 </file>
 
-<file path=ppt/slides/slide15.xml><?xml version="1.0" encoding="utf-8"?>
+<file path=ppt/slides/slide16.xml><?xml version="1.0" encoding="utf-8"?>
 <p:sld xmlns:a="http://schemas.openxmlformats.org/drawingml/2006/main" xmlns:r="http://schemas.openxmlformats.org/officeDocument/2006/relationships" xmlns:p="http://schemas.openxmlformats.org/presentationml/2006/main">
   <p:cSld>
     <p:spTree>
@@ -8782,7 +9490,7 @@
 </p:sld>
 </file>
 
-<file path=ppt/slides/slide16.xml><?xml version="1.0" encoding="utf-8"?>
+<file path=ppt/slides/slide17.xml><?xml version="1.0" encoding="utf-8"?>
 <p:sld xmlns:a="http://schemas.openxmlformats.org/drawingml/2006/main" xmlns:r="http://schemas.openxmlformats.org/officeDocument/2006/relationships" xmlns:p="http://schemas.openxmlformats.org/presentationml/2006/main">
   <p:cSld>
     <p:spTree>
@@ -8976,7 +9684,7 @@
 </p:sld>
 </file>
 
-<file path=ppt/slides/slide17.xml><?xml version="1.0" encoding="utf-8"?>
+<file path=ppt/slides/slide18.xml><?xml version="1.0" encoding="utf-8"?>
 <p:sld xmlns:a="http://schemas.openxmlformats.org/drawingml/2006/main" xmlns:r="http://schemas.openxmlformats.org/officeDocument/2006/relationships" xmlns:p="http://schemas.openxmlformats.org/presentationml/2006/main">
   <p:cSld>
     <p:spTree>
@@ -9121,7 +9829,7 @@
 </p:sld>
 </file>
 
-<file path=ppt/slides/slide18.xml><?xml version="1.0" encoding="utf-8"?>
+<file path=ppt/slides/slide19.xml><?xml version="1.0" encoding="utf-8"?>
 <p:sld xmlns:a="http://schemas.openxmlformats.org/drawingml/2006/main" xmlns:r="http://schemas.openxmlformats.org/officeDocument/2006/relationships" xmlns:p="http://schemas.openxmlformats.org/presentationml/2006/main">
   <p:cSld>
     <p:spTree>
@@ -9399,89 +10107,6 @@
 </p:sld>
 </file>
 
-<file path=ppt/slides/slide19.xml><?xml version="1.0" encoding="utf-8"?>
-<p:sld xmlns:a="http://schemas.openxmlformats.org/drawingml/2006/main" xmlns:r="http://schemas.openxmlformats.org/officeDocument/2006/relationships" xmlns:p="http://schemas.openxmlformats.org/presentationml/2006/main">
-  <p:cSld>
-    <p:spTree>
-      <p:nvGrpSpPr>
-        <p:cNvPr id="1" name=""/>
-        <p:cNvGrpSpPr/>
-        <p:nvPr/>
-      </p:nvGrpSpPr>
-      <p:grpSpPr>
-        <a:xfrm>
-          <a:off x="0" y="0"/>
-          <a:ext cx="0" cy="0"/>
-          <a:chOff x="0" y="0"/>
-          <a:chExt cx="0" cy="0"/>
-        </a:xfrm>
-      </p:grpSpPr>
-      <p:sp>
-        <p:nvSpPr>
-          <p:cNvPr id="2" name="Title 1">
-            <a:extLst>
-              <a:ext uri="{FF2B5EF4-FFF2-40B4-BE49-F238E27FC236}">
-                <a16:creationId xmlns:a16="http://schemas.microsoft.com/office/drawing/2014/main" id="{73A1CA7C-947B-4E2B-9B85-23D3E4252C3B}"/>
-              </a:ext>
-            </a:extLst>
-          </p:cNvPr>
-          <p:cNvSpPr>
-            <a:spLocks noGrp="1"/>
-          </p:cNvSpPr>
-          <p:nvPr>
-            <p:ph type="title"/>
-          </p:nvPr>
-        </p:nvSpPr>
-        <p:spPr/>
-        <p:txBody>
-          <a:bodyPr/>
-          <a:lstStyle/>
-          <a:p>
-            <a:r>
-              <a:rPr lang="en-US" dirty="0"/>
-              <a:t>Building a Simple GET Request</a:t>
-            </a:r>
-          </a:p>
-        </p:txBody>
-      </p:sp>
-      <p:sp>
-        <p:nvSpPr>
-          <p:cNvPr id="3" name="Text Placeholder 2">
-            <a:extLst>
-              <a:ext uri="{FF2B5EF4-FFF2-40B4-BE49-F238E27FC236}">
-                <a16:creationId xmlns:a16="http://schemas.microsoft.com/office/drawing/2014/main" id="{7092F064-BF47-4DE4-BBD9-8116B2ECB93F}"/>
-              </a:ext>
-            </a:extLst>
-          </p:cNvPr>
-          <p:cNvSpPr>
-            <a:spLocks noGrp="1"/>
-          </p:cNvSpPr>
-          <p:nvPr>
-            <p:ph type="body" idx="1"/>
-          </p:nvPr>
-        </p:nvSpPr>
-        <p:spPr/>
-        <p:txBody>
-          <a:bodyPr/>
-          <a:lstStyle/>
-          <a:p>
-            <a:endParaRPr lang="en-US"/>
-          </a:p>
-        </p:txBody>
-      </p:sp>
-    </p:spTree>
-    <p:extLst>
-      <p:ext uri="{BB962C8B-B14F-4D97-AF65-F5344CB8AC3E}">
-        <p14:creationId xmlns:p14="http://schemas.microsoft.com/office/powerpoint/2010/main" val="2742601104"/>
-      </p:ext>
-    </p:extLst>
-  </p:cSld>
-  <p:clrMapOvr>
-    <a:masterClrMapping/>
-  </p:clrMapOvr>
-</p:sld>
-</file>
-
 <file path=ppt/slides/slide2.xml><?xml version="1.0" encoding="utf-8"?>
 <p:sld xmlns:a="http://schemas.openxmlformats.org/drawingml/2006/main" xmlns:r="http://schemas.openxmlformats.org/officeDocument/2006/relationships" xmlns:p="http://schemas.openxmlformats.org/presentationml/2006/main">
   <p:cSld>
@@ -9499,64 +10124,40 @@
           <a:chExt cx="0" cy="0"/>
         </a:xfrm>
       </p:grpSpPr>
-      <p:sp>
-        <p:nvSpPr>
-          <p:cNvPr id="2" name="Title 1">
-            <a:extLst>
-              <a:ext uri="{FF2B5EF4-FFF2-40B4-BE49-F238E27FC236}">
-                <a16:creationId xmlns:a16="http://schemas.microsoft.com/office/drawing/2014/main" id="{B6951448-EA21-491E-A787-1F12BAE5F5C3}"/>
-              </a:ext>
-            </a:extLst>
-          </p:cNvPr>
-          <p:cNvSpPr>
-            <a:spLocks noGrp="1"/>
-          </p:cNvSpPr>
-          <p:nvPr>
-            <p:ph type="title"/>
-          </p:nvPr>
-        </p:nvSpPr>
-        <p:spPr/>
-        <p:txBody>
-          <a:bodyPr/>
-          <a:lstStyle/>
-          <a:p>
-            <a:r>
-              <a:rPr lang="en-US" dirty="0" err="1"/>
-              <a:t>Startup.cs</a:t>
-            </a:r>
-            <a:endParaRPr lang="en-US" dirty="0"/>
-          </a:p>
-        </p:txBody>
-      </p:sp>
-      <p:sp>
-        <p:nvSpPr>
-          <p:cNvPr id="3" name="Content Placeholder 2">
-            <a:extLst>
-              <a:ext uri="{FF2B5EF4-FFF2-40B4-BE49-F238E27FC236}">
-                <a16:creationId xmlns:a16="http://schemas.microsoft.com/office/drawing/2014/main" id="{663ADEED-6122-45C7-9E7B-7632679A1A01}"/>
-              </a:ext>
-            </a:extLst>
-          </p:cNvPr>
-          <p:cNvSpPr>
-            <a:spLocks noGrp="1"/>
-          </p:cNvSpPr>
-          <p:nvPr>
-            <p:ph idx="1"/>
-          </p:nvPr>
-        </p:nvSpPr>
-        <p:spPr/>
-        <p:txBody>
-          <a:bodyPr/>
-          <a:lstStyle/>
-          <a:p>
-            <a:endParaRPr lang="en-US"/>
-          </a:p>
-        </p:txBody>
-      </p:sp>
+      <p:pic>
+        <p:nvPicPr>
+          <p:cNvPr id="7" name="Picture 6">
+            <a:extLst>
+              <a:ext uri="{FF2B5EF4-FFF2-40B4-BE49-F238E27FC236}">
+                <a16:creationId xmlns:a16="http://schemas.microsoft.com/office/drawing/2014/main" id="{BAC54234-625E-4022-B828-50E28F9F5C4C}"/>
+              </a:ext>
+            </a:extLst>
+          </p:cNvPr>
+          <p:cNvPicPr>
+            <a:picLocks noChangeAspect="1"/>
+          </p:cNvPicPr>
+          <p:nvPr/>
+        </p:nvPicPr>
+        <p:blipFill>
+          <a:blip r:embed="rId2"/>
+          <a:stretch>
+            <a:fillRect/>
+          </a:stretch>
+        </p:blipFill>
+        <p:spPr>
+          <a:xfrm>
+            <a:off x="992448" y="1753436"/>
+            <a:ext cx="10207104" cy="3351128"/>
+          </a:xfrm>
+          <a:prstGeom prst="rect">
+            <a:avLst/>
+          </a:prstGeom>
+        </p:spPr>
+      </p:pic>
     </p:spTree>
     <p:extLst>
       <p:ext uri="{BB962C8B-B14F-4D97-AF65-F5344CB8AC3E}">
-        <p14:creationId xmlns:p14="http://schemas.microsoft.com/office/powerpoint/2010/main" val="3207462521"/>
+        <p14:creationId xmlns:p14="http://schemas.microsoft.com/office/powerpoint/2010/main" val="2480641401"/>
       </p:ext>
     </p:extLst>
   </p:cSld>
@@ -9567,6 +10168,89 @@
 </file>
 
 <file path=ppt/slides/slide20.xml><?xml version="1.0" encoding="utf-8"?>
+<p:sld xmlns:a="http://schemas.openxmlformats.org/drawingml/2006/main" xmlns:r="http://schemas.openxmlformats.org/officeDocument/2006/relationships" xmlns:p="http://schemas.openxmlformats.org/presentationml/2006/main">
+  <p:cSld>
+    <p:spTree>
+      <p:nvGrpSpPr>
+        <p:cNvPr id="1" name=""/>
+        <p:cNvGrpSpPr/>
+        <p:nvPr/>
+      </p:nvGrpSpPr>
+      <p:grpSpPr>
+        <a:xfrm>
+          <a:off x="0" y="0"/>
+          <a:ext cx="0" cy="0"/>
+          <a:chOff x="0" y="0"/>
+          <a:chExt cx="0" cy="0"/>
+        </a:xfrm>
+      </p:grpSpPr>
+      <p:sp>
+        <p:nvSpPr>
+          <p:cNvPr id="2" name="Title 1">
+            <a:extLst>
+              <a:ext uri="{FF2B5EF4-FFF2-40B4-BE49-F238E27FC236}">
+                <a16:creationId xmlns:a16="http://schemas.microsoft.com/office/drawing/2014/main" id="{73A1CA7C-947B-4E2B-9B85-23D3E4252C3B}"/>
+              </a:ext>
+            </a:extLst>
+          </p:cNvPr>
+          <p:cNvSpPr>
+            <a:spLocks noGrp="1"/>
+          </p:cNvSpPr>
+          <p:nvPr>
+            <p:ph type="title"/>
+          </p:nvPr>
+        </p:nvSpPr>
+        <p:spPr/>
+        <p:txBody>
+          <a:bodyPr/>
+          <a:lstStyle/>
+          <a:p>
+            <a:r>
+              <a:rPr lang="en-US" dirty="0"/>
+              <a:t>Building a Simple GET Request</a:t>
+            </a:r>
+          </a:p>
+        </p:txBody>
+      </p:sp>
+      <p:sp>
+        <p:nvSpPr>
+          <p:cNvPr id="3" name="Text Placeholder 2">
+            <a:extLst>
+              <a:ext uri="{FF2B5EF4-FFF2-40B4-BE49-F238E27FC236}">
+                <a16:creationId xmlns:a16="http://schemas.microsoft.com/office/drawing/2014/main" id="{7092F064-BF47-4DE4-BBD9-8116B2ECB93F}"/>
+              </a:ext>
+            </a:extLst>
+          </p:cNvPr>
+          <p:cNvSpPr>
+            <a:spLocks noGrp="1"/>
+          </p:cNvSpPr>
+          <p:nvPr>
+            <p:ph type="body" idx="1"/>
+          </p:nvPr>
+        </p:nvSpPr>
+        <p:spPr/>
+        <p:txBody>
+          <a:bodyPr/>
+          <a:lstStyle/>
+          <a:p>
+            <a:endParaRPr lang="en-US"/>
+          </a:p>
+        </p:txBody>
+      </p:sp>
+    </p:spTree>
+    <p:extLst>
+      <p:ext uri="{BB962C8B-B14F-4D97-AF65-F5344CB8AC3E}">
+        <p14:creationId xmlns:p14="http://schemas.microsoft.com/office/powerpoint/2010/main" val="2742601104"/>
+      </p:ext>
+    </p:extLst>
+  </p:cSld>
+  <p:clrMapOvr>
+    <a:masterClrMapping/>
+  </p:clrMapOvr>
+</p:sld>
+</file>
+
+<file path=ppt/slides/slide21.xml><?xml version="1.0" encoding="utf-8"?>
 <p:sld xmlns:a="http://schemas.openxmlformats.org/drawingml/2006/main" xmlns:r="http://schemas.openxmlformats.org/officeDocument/2006/relationships" xmlns:p="http://schemas.openxmlformats.org/presentationml/2006/main">
   <p:cSld>
     <p:spTree>
@@ -9681,7 +10365,7 @@
 </p:sld>
 </file>
 
-<file path=ppt/slides/slide21.xml><?xml version="1.0" encoding="utf-8"?>
+<file path=ppt/slides/slide22.xml><?xml version="1.0" encoding="utf-8"?>
 <p:sld xmlns:a="http://schemas.openxmlformats.org/drawingml/2006/main" xmlns:r="http://schemas.openxmlformats.org/officeDocument/2006/relationships" xmlns:p="http://schemas.openxmlformats.org/presentationml/2006/main">
   <p:cSld>
     <p:spTree>
@@ -9841,7 +10525,7 @@
 </p:sld>
 </file>
 
-<file path=ppt/slides/slide22.xml><?xml version="1.0" encoding="utf-8"?>
+<file path=ppt/slides/slide23.xml><?xml version="1.0" encoding="utf-8"?>
 <p:sld xmlns:a="http://schemas.openxmlformats.org/drawingml/2006/main" xmlns:r="http://schemas.openxmlformats.org/officeDocument/2006/relationships" xmlns:p="http://schemas.openxmlformats.org/presentationml/2006/main">
   <p:cSld>
     <p:spTree>
@@ -10005,7 +10689,7 @@
 </p:sld>
 </file>
 
-<file path=ppt/slides/slide23.xml><?xml version="1.0" encoding="utf-8"?>
+<file path=ppt/slides/slide24.xml><?xml version="1.0" encoding="utf-8"?>
 <p:sld xmlns:a="http://schemas.openxmlformats.org/drawingml/2006/main" xmlns:r="http://schemas.openxmlformats.org/officeDocument/2006/relationships" xmlns:p="http://schemas.openxmlformats.org/presentationml/2006/main">
   <p:cSld>
     <p:spTree>
@@ -10411,7 +11095,7 @@
 </p:sld>
 </file>
 
-<file path=ppt/slides/slide24.xml><?xml version="1.0" encoding="utf-8"?>
+<file path=ppt/slides/slide25.xml><?xml version="1.0" encoding="utf-8"?>
 <p:sld xmlns:a="http://schemas.openxmlformats.org/drawingml/2006/main" xmlns:r="http://schemas.openxmlformats.org/officeDocument/2006/relationships" xmlns:p="http://schemas.openxmlformats.org/presentationml/2006/main">
   <p:cSld>
     <p:spTree>
@@ -10684,7 +11368,7 @@
 </p:sld>
 </file>
 
-<file path=ppt/slides/slide25.xml><?xml version="1.0" encoding="utf-8"?>
+<file path=ppt/slides/slide26.xml><?xml version="1.0" encoding="utf-8"?>
 <p:sld xmlns:a="http://schemas.openxmlformats.org/drawingml/2006/main" xmlns:r="http://schemas.openxmlformats.org/officeDocument/2006/relationships" xmlns:p="http://schemas.openxmlformats.org/presentationml/2006/main">
   <p:cSld>
     <p:spTree>
@@ -10879,7 +11563,7 @@
 </p:sld>
 </file>
 
-<file path=ppt/slides/slide26.xml><?xml version="1.0" encoding="utf-8"?>
+<file path=ppt/slides/slide27.xml><?xml version="1.0" encoding="utf-8"?>
 <p:sld xmlns:a="http://schemas.openxmlformats.org/drawingml/2006/main" xmlns:r="http://schemas.openxmlformats.org/officeDocument/2006/relationships" xmlns:p="http://schemas.openxmlformats.org/presentationml/2006/main">
   <p:cSld>
     <p:spTree>
@@ -11153,7 +11837,7 @@
 </p:sld>
 </file>
 
-<file path=ppt/slides/slide27.xml><?xml version="1.0" encoding="utf-8"?>
+<file path=ppt/slides/slide28.xml><?xml version="1.0" encoding="utf-8"?>
 <p:sld xmlns:a="http://schemas.openxmlformats.org/drawingml/2006/main" xmlns:r="http://schemas.openxmlformats.org/officeDocument/2006/relationships" xmlns:p="http://schemas.openxmlformats.org/presentationml/2006/main">
   <p:cSld>
     <p:spTree>
@@ -11221,7 +11905,7 @@
           <a:p>
             <a:r>
               <a:rPr lang="en-US" dirty="0"/>
-              <a:t>Ore </a:t>
+              <a:t>Simple Requests </a:t>
             </a:r>
           </a:p>
         </p:txBody>
@@ -11239,7 +11923,7 @@
 </p:sld>
 </file>
 
-<file path=ppt/slides/slide28.xml><?xml version="1.0" encoding="utf-8"?>
+<file path=ppt/slides/slide29.xml><?xml version="1.0" encoding="utf-8"?>
 <p:sld xmlns:a="http://schemas.openxmlformats.org/drawingml/2006/main" xmlns:r="http://schemas.openxmlformats.org/officeDocument/2006/relationships" xmlns:p="http://schemas.openxmlformats.org/presentationml/2006/main">
   <p:cSld>
     <p:spTree>
@@ -11385,76 +12069,1014 @@
       </p:grpSpPr>
       <p:sp>
         <p:nvSpPr>
-          <p:cNvPr id="2" name="Title 1">
-            <a:extLst>
-              <a:ext uri="{FF2B5EF4-FFF2-40B4-BE49-F238E27FC236}">
-                <a16:creationId xmlns:a16="http://schemas.microsoft.com/office/drawing/2014/main" id="{D9317941-3764-4D70-BD3A-95C4E134C7ED}"/>
-              </a:ext>
-            </a:extLst>
-          </p:cNvPr>
-          <p:cNvSpPr>
-            <a:spLocks noGrp="1"/>
-          </p:cNvSpPr>
-          <p:nvPr>
-            <p:ph type="title"/>
-          </p:nvPr>
-        </p:nvSpPr>
-        <p:spPr/>
-        <p:txBody>
-          <a:bodyPr/>
-          <a:lstStyle/>
-          <a:p>
-            <a:r>
-              <a:rPr lang="en-US" dirty="0" err="1"/>
-              <a:t>Startup.cs</a:t>
-            </a:r>
+          <p:cNvPr id="4" name="Cloud 3">
+            <a:extLst>
+              <a:ext uri="{FF2B5EF4-FFF2-40B4-BE49-F238E27FC236}">
+                <a16:creationId xmlns:a16="http://schemas.microsoft.com/office/drawing/2014/main" id="{0EF09742-92CB-487F-A59B-CD779883A36E}"/>
+              </a:ext>
+            </a:extLst>
+          </p:cNvPr>
+          <p:cNvSpPr/>
+          <p:nvPr/>
+        </p:nvSpPr>
+        <p:spPr bwMode="auto">
+          <a:xfrm>
+            <a:off x="481263" y="2257924"/>
+            <a:ext cx="3336758" cy="2342147"/>
+          </a:xfrm>
+          <a:prstGeom prst="cloud">
+            <a:avLst/>
+          </a:prstGeom>
+          <a:solidFill>
+            <a:srgbClr val="00BCF2"/>
+          </a:solidFill>
+          <a:ln>
+            <a:noFill/>
+            <a:headEnd type="none" w="med" len="med"/>
+            <a:tailEnd type="none" w="med" len="med"/>
+          </a:ln>
+          <a:effectLst/>
+        </p:spPr>
+        <p:style>
+          <a:lnRef idx="1">
+            <a:schemeClr val="accent2"/>
+          </a:lnRef>
+          <a:fillRef idx="3">
+            <a:schemeClr val="accent2"/>
+          </a:fillRef>
+          <a:effectRef idx="2">
+            <a:schemeClr val="accent2"/>
+          </a:effectRef>
+          <a:fontRef idx="minor">
+            <a:schemeClr val="lt1"/>
+          </a:fontRef>
+        </p:style>
+        <p:txBody>
+          <a:bodyPr rot="0" spcFirstLastPara="0" vertOverflow="overflow" horzOverflow="overflow" vert="horz" wrap="square" lIns="182880" tIns="146304" rIns="182880" bIns="146304" numCol="1" spcCol="0" rtlCol="0" fromWordArt="0" anchor="t" anchorCtr="0" forceAA="0" compatLnSpc="1">
+            <a:prstTxWarp prst="textNoShape">
+              <a:avLst/>
+            </a:prstTxWarp>
+            <a:noAutofit/>
+          </a:bodyPr>
+          <a:lstStyle/>
+          <a:p>
+            <a:pPr algn="l" defTabSz="932472" fontAlgn="base">
+              <a:spcBef>
+                <a:spcPct val="0"/>
+              </a:spcBef>
+              <a:spcAft>
+                <a:spcPct val="0"/>
+              </a:spcAft>
+            </a:pPr>
+            <a:endParaRPr lang="en-US" sz="2000" dirty="0">
+              <a:gradFill>
+                <a:gsLst>
+                  <a:gs pos="0">
+                    <a:srgbClr val="FFFFFF"/>
+                  </a:gs>
+                  <a:gs pos="100000">
+                    <a:srgbClr val="FFFFFF"/>
+                  </a:gs>
+                </a:gsLst>
+                <a:lin ang="5400000" scaled="0"/>
+              </a:gradFill>
+              <a:ea typeface="Segoe UI" pitchFamily="34" charset="0"/>
+              <a:cs typeface="Segoe UI" pitchFamily="34" charset="0"/>
+            </a:endParaRPr>
+          </a:p>
+          <a:p>
+            <a:pPr algn="l" defTabSz="932472" fontAlgn="base">
+              <a:spcBef>
+                <a:spcPct val="0"/>
+              </a:spcBef>
+              <a:spcAft>
+                <a:spcPct val="0"/>
+              </a:spcAft>
+            </a:pPr>
+            <a:endParaRPr lang="en-US" sz="2000" dirty="0">
+              <a:gradFill>
+                <a:gsLst>
+                  <a:gs pos="0">
+                    <a:srgbClr val="FFFFFF"/>
+                  </a:gs>
+                  <a:gs pos="100000">
+                    <a:srgbClr val="FFFFFF"/>
+                  </a:gs>
+                </a:gsLst>
+                <a:lin ang="5400000" scaled="0"/>
+              </a:gradFill>
+              <a:ea typeface="Segoe UI" pitchFamily="34" charset="0"/>
+              <a:cs typeface="Segoe UI" pitchFamily="34" charset="0"/>
+            </a:endParaRPr>
+          </a:p>
+          <a:p>
+            <a:pPr algn="l" defTabSz="932472" fontAlgn="base">
+              <a:spcBef>
+                <a:spcPct val="0"/>
+              </a:spcBef>
+              <a:spcAft>
+                <a:spcPct val="0"/>
+              </a:spcAft>
+            </a:pPr>
+            <a:r>
+              <a:rPr lang="en-US" sz="2000" dirty="0">
+                <a:gradFill>
+                  <a:gsLst>
+                    <a:gs pos="0">
+                      <a:srgbClr val="FFFFFF"/>
+                    </a:gs>
+                    <a:gs pos="100000">
+                      <a:srgbClr val="FFFFFF"/>
+                    </a:gs>
+                  </a:gsLst>
+                  <a:lin ang="5400000" scaled="0"/>
+                </a:gradFill>
+                <a:ea typeface="Segoe UI" pitchFamily="34" charset="0"/>
+                <a:cs typeface="Segoe UI" pitchFamily="34" charset="0"/>
+              </a:rPr>
+              <a:t>Internet</a:t>
+            </a:r>
+          </a:p>
+        </p:txBody>
+      </p:sp>
+      <p:sp>
+        <p:nvSpPr>
+          <p:cNvPr id="5" name="Rectangle 4">
+            <a:extLst>
+              <a:ext uri="{FF2B5EF4-FFF2-40B4-BE49-F238E27FC236}">
+                <a16:creationId xmlns:a16="http://schemas.microsoft.com/office/drawing/2014/main" id="{DA90A2F7-5318-41D9-9CE9-EF3227A7AC67}"/>
+              </a:ext>
+            </a:extLst>
+          </p:cNvPr>
+          <p:cNvSpPr/>
+          <p:nvPr/>
+        </p:nvSpPr>
+        <p:spPr bwMode="auto">
+          <a:xfrm>
+            <a:off x="5416062" y="1006641"/>
+            <a:ext cx="6294675" cy="4844715"/>
+          </a:xfrm>
+          <a:prstGeom prst="rect">
+            <a:avLst/>
+          </a:prstGeom>
+          <a:solidFill>
+            <a:srgbClr val="00B294"/>
+          </a:solidFill>
+          <a:ln>
+            <a:headEnd type="none" w="med" len="med"/>
+            <a:tailEnd type="none" w="med" len="med"/>
+          </a:ln>
+        </p:spPr>
+        <p:style>
+          <a:lnRef idx="1">
+            <a:schemeClr val="accent1"/>
+          </a:lnRef>
+          <a:fillRef idx="2">
+            <a:schemeClr val="accent1"/>
+          </a:fillRef>
+          <a:effectRef idx="1">
+            <a:schemeClr val="accent1"/>
+          </a:effectRef>
+          <a:fontRef idx="minor">
+            <a:schemeClr val="dk1"/>
+          </a:fontRef>
+        </p:style>
+        <p:txBody>
+          <a:bodyPr rot="0" spcFirstLastPara="0" vertOverflow="overflow" horzOverflow="overflow" vert="horz" wrap="square" lIns="182880" tIns="146304" rIns="182880" bIns="146304" numCol="1" spcCol="0" rtlCol="0" fromWordArt="0" anchor="t" anchorCtr="0" forceAA="0" compatLnSpc="1">
+            <a:prstTxWarp prst="textNoShape">
+              <a:avLst/>
+            </a:prstTxWarp>
+            <a:noAutofit/>
+          </a:bodyPr>
+          <a:lstStyle/>
+          <a:p>
+            <a:pPr algn="l" defTabSz="932472" fontAlgn="base">
+              <a:spcBef>
+                <a:spcPct val="0"/>
+              </a:spcBef>
+              <a:spcAft>
+                <a:spcPct val="0"/>
+              </a:spcAft>
+            </a:pPr>
+            <a:r>
+              <a:rPr lang="en-US" sz="2000">
+                <a:gradFill>
+                  <a:gsLst>
+                    <a:gs pos="0">
+                      <a:srgbClr val="FFFFFF"/>
+                    </a:gs>
+                    <a:gs pos="100000">
+                      <a:srgbClr val="FFFFFF"/>
+                    </a:gs>
+                  </a:gsLst>
+                  <a:lin ang="5400000" scaled="0"/>
+                </a:gradFill>
+                <a:ea typeface="Segoe UI" pitchFamily="34" charset="0"/>
+                <a:cs typeface="Segoe UI" pitchFamily="34" charset="0"/>
+              </a:rPr>
+              <a:t>ASP.NET Core</a:t>
+            </a:r>
+            <a:endParaRPr lang="en-US" sz="2000" dirty="0">
+              <a:gradFill>
+                <a:gsLst>
+                  <a:gs pos="0">
+                    <a:srgbClr val="FFFFFF"/>
+                  </a:gs>
+                  <a:gs pos="100000">
+                    <a:srgbClr val="FFFFFF"/>
+                  </a:gs>
+                </a:gsLst>
+                <a:lin ang="5400000" scaled="0"/>
+              </a:gradFill>
+              <a:ea typeface="Segoe UI" pitchFamily="34" charset="0"/>
+              <a:cs typeface="Segoe UI" pitchFamily="34" charset="0"/>
+            </a:endParaRPr>
+          </a:p>
+        </p:txBody>
+      </p:sp>
+      <p:cxnSp>
+        <p:nvCxnSpPr>
+          <p:cNvPr id="7" name="Straight Arrow Connector 6">
+            <a:extLst>
+              <a:ext uri="{FF2B5EF4-FFF2-40B4-BE49-F238E27FC236}">
+                <a16:creationId xmlns:a16="http://schemas.microsoft.com/office/drawing/2014/main" id="{9AE35189-AF99-4C62-9664-1DF2B59FE1A3}"/>
+              </a:ext>
+            </a:extLst>
+          </p:cNvPr>
+          <p:cNvCxnSpPr>
+            <a:cxnSpLocks/>
+          </p:cNvCxnSpPr>
+          <p:nvPr/>
+        </p:nvCxnSpPr>
+        <p:spPr>
+          <a:xfrm>
+            <a:off x="3617407" y="2713055"/>
+            <a:ext cx="2437430" cy="0"/>
+          </a:xfrm>
+          <a:prstGeom prst="straightConnector1">
+            <a:avLst/>
+          </a:prstGeom>
+          <a:ln w="76200">
+            <a:solidFill>
+              <a:schemeClr val="tx1"/>
+            </a:solidFill>
+            <a:tailEnd type="triangle"/>
+          </a:ln>
+        </p:spPr>
+        <p:style>
+          <a:lnRef idx="1">
+            <a:schemeClr val="accent1"/>
+          </a:lnRef>
+          <a:fillRef idx="0">
+            <a:schemeClr val="accent1"/>
+          </a:fillRef>
+          <a:effectRef idx="0">
+            <a:schemeClr val="accent1"/>
+          </a:effectRef>
+          <a:fontRef idx="minor">
+            <a:schemeClr val="tx1"/>
+          </a:fontRef>
+        </p:style>
+      </p:cxnSp>
+      <p:cxnSp>
+        <p:nvCxnSpPr>
+          <p:cNvPr id="8" name="Straight Arrow Connector 7">
+            <a:extLst>
+              <a:ext uri="{FF2B5EF4-FFF2-40B4-BE49-F238E27FC236}">
+                <a16:creationId xmlns:a16="http://schemas.microsoft.com/office/drawing/2014/main" id="{4C646ABA-8B22-40C1-8A08-BA8D8DE6AB15}"/>
+              </a:ext>
+            </a:extLst>
+          </p:cNvPr>
+          <p:cNvCxnSpPr>
+            <a:cxnSpLocks/>
+          </p:cNvCxnSpPr>
+          <p:nvPr/>
+        </p:nvCxnSpPr>
+        <p:spPr>
+          <a:xfrm flipH="1">
+            <a:off x="3336054" y="4093865"/>
+            <a:ext cx="5085293" cy="0"/>
+          </a:xfrm>
+          <a:prstGeom prst="straightConnector1">
+            <a:avLst/>
+          </a:prstGeom>
+          <a:ln w="76200">
+            <a:solidFill>
+              <a:schemeClr val="tx1"/>
+            </a:solidFill>
+            <a:tailEnd type="triangle"/>
+          </a:ln>
+        </p:spPr>
+        <p:style>
+          <a:lnRef idx="1">
+            <a:schemeClr val="accent1"/>
+          </a:lnRef>
+          <a:fillRef idx="0">
+            <a:schemeClr val="accent1"/>
+          </a:fillRef>
+          <a:effectRef idx="0">
+            <a:schemeClr val="accent1"/>
+          </a:effectRef>
+          <a:fontRef idx="minor">
+            <a:schemeClr val="tx1"/>
+          </a:fontRef>
+        </p:style>
+      </p:cxnSp>
+      <p:sp>
+        <p:nvSpPr>
+          <p:cNvPr id="16" name="TextBox 15">
+            <a:extLst>
+              <a:ext uri="{FF2B5EF4-FFF2-40B4-BE49-F238E27FC236}">
+                <a16:creationId xmlns:a16="http://schemas.microsoft.com/office/drawing/2014/main" id="{45E0EEA2-5222-47DB-A85E-B57B404F030B}"/>
+              </a:ext>
+            </a:extLst>
+          </p:cNvPr>
+          <p:cNvSpPr txBox="1"/>
+          <p:nvPr/>
+        </p:nvSpPr>
+        <p:spPr>
+          <a:xfrm>
+            <a:off x="3903910" y="2257924"/>
+            <a:ext cx="944297" cy="369332"/>
+          </a:xfrm>
+          <a:prstGeom prst="rect">
+            <a:avLst/>
+          </a:prstGeom>
+          <a:noFill/>
+        </p:spPr>
+        <p:txBody>
+          <a:bodyPr wrap="none" rtlCol="0">
+            <a:spAutoFit/>
+          </a:bodyPr>
+          <a:lstStyle/>
+          <a:p>
             <a:r>
               <a:rPr lang="en-US" dirty="0"/>
-              <a:t> | </a:t>
-            </a:r>
-            <a:r>
-              <a:rPr lang="en-US" dirty="0" err="1"/>
-              <a:t>ConfigureServices</a:t>
-            </a:r>
+              <a:t>Request</a:t>
+            </a:r>
+          </a:p>
+        </p:txBody>
+      </p:sp>
+      <p:sp>
+        <p:nvSpPr>
+          <p:cNvPr id="17" name="TextBox 16">
+            <a:extLst>
+              <a:ext uri="{FF2B5EF4-FFF2-40B4-BE49-F238E27FC236}">
+                <a16:creationId xmlns:a16="http://schemas.microsoft.com/office/drawing/2014/main" id="{63B8BC55-9DA2-45F2-BDC9-89F797F7D88F}"/>
+              </a:ext>
+            </a:extLst>
+          </p:cNvPr>
+          <p:cNvSpPr txBox="1"/>
+          <p:nvPr/>
+        </p:nvSpPr>
+        <p:spPr>
+          <a:xfrm>
+            <a:off x="3833094" y="4159396"/>
+            <a:ext cx="1081515" cy="369332"/>
+          </a:xfrm>
+          <a:prstGeom prst="rect">
+            <a:avLst/>
+          </a:prstGeom>
+          <a:noFill/>
+        </p:spPr>
+        <p:txBody>
+          <a:bodyPr wrap="none" rtlCol="0">
+            <a:spAutoFit/>
+          </a:bodyPr>
+          <a:lstStyle/>
+          <a:p>
+            <a:r>
+              <a:rPr lang="en-US" dirty="0"/>
+              <a:t>Response</a:t>
+            </a:r>
+          </a:p>
+        </p:txBody>
+      </p:sp>
+      <p:sp>
+        <p:nvSpPr>
+          <p:cNvPr id="18" name="Rectangle 17">
+            <a:extLst>
+              <a:ext uri="{FF2B5EF4-FFF2-40B4-BE49-F238E27FC236}">
+                <a16:creationId xmlns:a16="http://schemas.microsoft.com/office/drawing/2014/main" id="{1BBC470D-E43F-4CF2-9EE1-2D5254CD6397}"/>
+              </a:ext>
+            </a:extLst>
+          </p:cNvPr>
+          <p:cNvSpPr/>
+          <p:nvPr/>
+        </p:nvSpPr>
+        <p:spPr>
+          <a:xfrm>
+            <a:off x="6054837" y="2257924"/>
+            <a:ext cx="1798655" cy="873614"/>
+          </a:xfrm>
+          <a:prstGeom prst="rect">
+            <a:avLst/>
+          </a:prstGeom>
+        </p:spPr>
+        <p:style>
+          <a:lnRef idx="2">
+            <a:schemeClr val="accent1">
+              <a:shade val="50000"/>
+            </a:schemeClr>
+          </a:lnRef>
+          <a:fillRef idx="1">
+            <a:schemeClr val="accent1"/>
+          </a:fillRef>
+          <a:effectRef idx="0">
+            <a:schemeClr val="accent1"/>
+          </a:effectRef>
+          <a:fontRef idx="minor">
+            <a:schemeClr val="lt1"/>
+          </a:fontRef>
+        </p:style>
+        <p:txBody>
+          <a:bodyPr rtlCol="0" anchor="ctr"/>
+          <a:lstStyle/>
+          <a:p>
+            <a:pPr algn="ctr"/>
+            <a:r>
+              <a:rPr lang="en-US" dirty="0"/>
+              <a:t>Routing Engine</a:t>
+            </a:r>
+          </a:p>
+        </p:txBody>
+      </p:sp>
+      <p:sp>
+        <p:nvSpPr>
+          <p:cNvPr id="19" name="Rectangle 18">
+            <a:extLst>
+              <a:ext uri="{FF2B5EF4-FFF2-40B4-BE49-F238E27FC236}">
+                <a16:creationId xmlns:a16="http://schemas.microsoft.com/office/drawing/2014/main" id="{572ECDAD-19DB-4329-B5C6-513362AD2294}"/>
+              </a:ext>
+            </a:extLst>
+          </p:cNvPr>
+          <p:cNvSpPr/>
+          <p:nvPr/>
+        </p:nvSpPr>
+        <p:spPr>
+          <a:xfrm>
+            <a:off x="8421347" y="2276247"/>
+            <a:ext cx="1798655" cy="2647443"/>
+          </a:xfrm>
+          <a:prstGeom prst="rect">
+            <a:avLst/>
+          </a:prstGeom>
+        </p:spPr>
+        <p:style>
+          <a:lnRef idx="2">
+            <a:schemeClr val="accent1">
+              <a:shade val="50000"/>
+            </a:schemeClr>
+          </a:lnRef>
+          <a:fillRef idx="1">
+            <a:schemeClr val="accent1"/>
+          </a:fillRef>
+          <a:effectRef idx="0">
+            <a:schemeClr val="accent1"/>
+          </a:effectRef>
+          <a:fontRef idx="minor">
+            <a:schemeClr val="lt1"/>
+          </a:fontRef>
+        </p:style>
+        <p:txBody>
+          <a:bodyPr rtlCol="0" anchor="ctr"/>
+          <a:lstStyle/>
+          <a:p>
+            <a:pPr algn="ctr"/>
             <a:endParaRPr lang="en-US" dirty="0"/>
           </a:p>
-        </p:txBody>
-      </p:sp>
-      <p:sp>
-        <p:nvSpPr>
-          <p:cNvPr id="3" name="Content Placeholder 2">
-            <a:extLst>
-              <a:ext uri="{FF2B5EF4-FFF2-40B4-BE49-F238E27FC236}">
-                <a16:creationId xmlns:a16="http://schemas.microsoft.com/office/drawing/2014/main" id="{EA62A734-4064-44B5-A56F-5234B377F21C}"/>
-              </a:ext>
-            </a:extLst>
-          </p:cNvPr>
-          <p:cNvSpPr>
-            <a:spLocks noGrp="1"/>
-          </p:cNvSpPr>
-          <p:nvPr>
-            <p:ph idx="1"/>
-          </p:nvPr>
-        </p:nvSpPr>
-        <p:spPr/>
-        <p:txBody>
-          <a:bodyPr/>
-          <a:lstStyle/>
-          <a:p>
-            <a:endParaRPr lang="en-US"/>
+          <a:p>
+            <a:pPr algn="ctr"/>
+            <a:endParaRPr lang="en-US" dirty="0"/>
+          </a:p>
+          <a:p>
+            <a:pPr algn="ctr"/>
+            <a:endParaRPr lang="en-US" dirty="0"/>
+          </a:p>
+          <a:p>
+            <a:pPr algn="ctr"/>
+            <a:endParaRPr lang="en-US" dirty="0"/>
+          </a:p>
+          <a:p>
+            <a:pPr algn="ctr"/>
+            <a:endParaRPr lang="en-US" dirty="0"/>
+          </a:p>
+          <a:p>
+            <a:pPr algn="ctr"/>
+            <a:endParaRPr lang="en-US" dirty="0"/>
+          </a:p>
+          <a:p>
+            <a:pPr algn="ctr"/>
+            <a:endParaRPr lang="en-US" dirty="0"/>
+          </a:p>
+          <a:p>
+            <a:pPr algn="ctr"/>
+            <a:endParaRPr lang="en-US" dirty="0"/>
+          </a:p>
+          <a:p>
+            <a:pPr algn="ctr"/>
+            <a:r>
+              <a:rPr lang="en-US" dirty="0"/>
+              <a:t>Controllers</a:t>
+            </a:r>
+          </a:p>
+        </p:txBody>
+      </p:sp>
+      <p:cxnSp>
+        <p:nvCxnSpPr>
+          <p:cNvPr id="22" name="Straight Arrow Connector 21">
+            <a:extLst>
+              <a:ext uri="{FF2B5EF4-FFF2-40B4-BE49-F238E27FC236}">
+                <a16:creationId xmlns:a16="http://schemas.microsoft.com/office/drawing/2014/main" id="{1DD5EEE9-0CDA-4800-93BF-8D3226A94E13}"/>
+              </a:ext>
+            </a:extLst>
+          </p:cNvPr>
+          <p:cNvCxnSpPr>
+            <a:cxnSpLocks/>
+            <a:stCxn id="18" idx="3"/>
+          </p:cNvCxnSpPr>
+          <p:nvPr/>
+        </p:nvCxnSpPr>
+        <p:spPr>
+          <a:xfrm>
+            <a:off x="7853492" y="2694731"/>
+            <a:ext cx="638775" cy="0"/>
+          </a:xfrm>
+          <a:prstGeom prst="straightConnector1">
+            <a:avLst/>
+          </a:prstGeom>
+          <a:ln w="76200">
+            <a:solidFill>
+              <a:schemeClr val="tx1"/>
+            </a:solidFill>
+            <a:tailEnd type="triangle"/>
+          </a:ln>
+        </p:spPr>
+        <p:style>
+          <a:lnRef idx="1">
+            <a:schemeClr val="accent1"/>
+          </a:lnRef>
+          <a:fillRef idx="0">
+            <a:schemeClr val="accent1"/>
+          </a:fillRef>
+          <a:effectRef idx="0">
+            <a:schemeClr val="accent1"/>
+          </a:effectRef>
+          <a:fontRef idx="minor">
+            <a:schemeClr val="tx1"/>
+          </a:fontRef>
+        </p:style>
+      </p:cxnSp>
+      <p:sp>
+        <p:nvSpPr>
+          <p:cNvPr id="25" name="Rectangle: Rounded Corners 24">
+            <a:extLst>
+              <a:ext uri="{FF2B5EF4-FFF2-40B4-BE49-F238E27FC236}">
+                <a16:creationId xmlns:a16="http://schemas.microsoft.com/office/drawing/2014/main" id="{389DAF33-AC92-48EE-9378-DFEA001C6560}"/>
+              </a:ext>
+            </a:extLst>
+          </p:cNvPr>
+          <p:cNvSpPr/>
+          <p:nvPr/>
+        </p:nvSpPr>
+        <p:spPr>
+          <a:xfrm>
+            <a:off x="8813523" y="2442590"/>
+            <a:ext cx="1085222" cy="1633244"/>
+          </a:xfrm>
+          <a:prstGeom prst="roundRect">
+            <a:avLst/>
+          </a:prstGeom>
+        </p:spPr>
+        <p:style>
+          <a:lnRef idx="2">
+            <a:schemeClr val="accent2">
+              <a:shade val="50000"/>
+            </a:schemeClr>
+          </a:lnRef>
+          <a:fillRef idx="1">
+            <a:schemeClr val="accent2"/>
+          </a:fillRef>
+          <a:effectRef idx="0">
+            <a:schemeClr val="accent2"/>
+          </a:effectRef>
+          <a:fontRef idx="minor">
+            <a:schemeClr val="lt1"/>
+          </a:fontRef>
+        </p:style>
+        <p:txBody>
+          <a:bodyPr rtlCol="0" anchor="ctr"/>
+          <a:lstStyle/>
+          <a:p>
+            <a:pPr algn="ctr"/>
+            <a:r>
+              <a:rPr lang="en-US" dirty="0"/>
+              <a:t>Actions</a:t>
+            </a:r>
           </a:p>
         </p:txBody>
       </p:sp>
     </p:spTree>
     <p:extLst>
       <p:ext uri="{BB962C8B-B14F-4D97-AF65-F5344CB8AC3E}">
-        <p14:creationId xmlns:p14="http://schemas.microsoft.com/office/powerpoint/2010/main" val="338391700"/>
+        <p14:creationId xmlns:p14="http://schemas.microsoft.com/office/powerpoint/2010/main" val="2804106264"/>
       </p:ext>
     </p:extLst>
   </p:cSld>
   <p:clrMapOvr>
     <a:masterClrMapping/>
   </p:clrMapOvr>
+  <p:timing>
+    <p:tnLst>
+      <p:par>
+        <p:cTn id="1" dur="indefinite" restart="never" nodeType="tmRoot">
+          <p:childTnLst>
+            <p:seq concurrent="1" nextAc="seek">
+              <p:cTn id="2" dur="indefinite" nodeType="mainSeq">
+                <p:childTnLst>
+                  <p:par>
+                    <p:cTn id="3" fill="hold">
+                      <p:stCondLst>
+                        <p:cond delay="indefinite"/>
+                      </p:stCondLst>
+                      <p:childTnLst>
+                        <p:par>
+                          <p:cTn id="4" fill="hold">
+                            <p:stCondLst>
+                              <p:cond delay="0"/>
+                            </p:stCondLst>
+                            <p:childTnLst>
+                              <p:par>
+                                <p:cTn id="5" presetID="10" presetClass="entr" presetSubtype="0" fill="hold" nodeType="clickEffect">
+                                  <p:stCondLst>
+                                    <p:cond delay="0"/>
+                                  </p:stCondLst>
+                                  <p:childTnLst>
+                                    <p:set>
+                                      <p:cBhvr>
+                                        <p:cTn id="6" dur="1" fill="hold">
+                                          <p:stCondLst>
+                                            <p:cond delay="0"/>
+                                          </p:stCondLst>
+                                        </p:cTn>
+                                        <p:tgtEl>
+                                          <p:spTgt spid="7"/>
+                                        </p:tgtEl>
+                                        <p:attrNameLst>
+                                          <p:attrName>style.visibility</p:attrName>
+                                        </p:attrNameLst>
+                                      </p:cBhvr>
+                                      <p:to>
+                                        <p:strVal val="visible"/>
+                                      </p:to>
+                                    </p:set>
+                                    <p:animEffect transition="in" filter="fade">
+                                      <p:cBhvr>
+                                        <p:cTn id="7" dur="500"/>
+                                        <p:tgtEl>
+                                          <p:spTgt spid="7"/>
+                                        </p:tgtEl>
+                                      </p:cBhvr>
+                                    </p:animEffect>
+                                  </p:childTnLst>
+                                </p:cTn>
+                              </p:par>
+                              <p:par>
+                                <p:cTn id="8" presetID="10" presetClass="entr" presetSubtype="0" fill="hold" grpId="0" nodeType="withEffect">
+                                  <p:stCondLst>
+                                    <p:cond delay="0"/>
+                                  </p:stCondLst>
+                                  <p:childTnLst>
+                                    <p:set>
+                                      <p:cBhvr>
+                                        <p:cTn id="9" dur="1" fill="hold">
+                                          <p:stCondLst>
+                                            <p:cond delay="0"/>
+                                          </p:stCondLst>
+                                        </p:cTn>
+                                        <p:tgtEl>
+                                          <p:spTgt spid="16"/>
+                                        </p:tgtEl>
+                                        <p:attrNameLst>
+                                          <p:attrName>style.visibility</p:attrName>
+                                        </p:attrNameLst>
+                                      </p:cBhvr>
+                                      <p:to>
+                                        <p:strVal val="visible"/>
+                                      </p:to>
+                                    </p:set>
+                                    <p:animEffect transition="in" filter="fade">
+                                      <p:cBhvr>
+                                        <p:cTn id="10" dur="500"/>
+                                        <p:tgtEl>
+                                          <p:spTgt spid="16"/>
+                                        </p:tgtEl>
+                                      </p:cBhvr>
+                                    </p:animEffect>
+                                  </p:childTnLst>
+                                </p:cTn>
+                              </p:par>
+                            </p:childTnLst>
+                          </p:cTn>
+                        </p:par>
+                      </p:childTnLst>
+                    </p:cTn>
+                  </p:par>
+                  <p:par>
+                    <p:cTn id="11" fill="hold">
+                      <p:stCondLst>
+                        <p:cond delay="indefinite"/>
+                      </p:stCondLst>
+                      <p:childTnLst>
+                        <p:par>
+                          <p:cTn id="12" fill="hold">
+                            <p:stCondLst>
+                              <p:cond delay="0"/>
+                            </p:stCondLst>
+                            <p:childTnLst>
+                              <p:par>
+                                <p:cTn id="13" presetID="10" presetClass="entr" presetSubtype="0" fill="hold" grpId="0" nodeType="clickEffect">
+                                  <p:stCondLst>
+                                    <p:cond delay="0"/>
+                                  </p:stCondLst>
+                                  <p:childTnLst>
+                                    <p:set>
+                                      <p:cBhvr>
+                                        <p:cTn id="14" dur="1" fill="hold">
+                                          <p:stCondLst>
+                                            <p:cond delay="0"/>
+                                          </p:stCondLst>
+                                        </p:cTn>
+                                        <p:tgtEl>
+                                          <p:spTgt spid="18"/>
+                                        </p:tgtEl>
+                                        <p:attrNameLst>
+                                          <p:attrName>style.visibility</p:attrName>
+                                        </p:attrNameLst>
+                                      </p:cBhvr>
+                                      <p:to>
+                                        <p:strVal val="visible"/>
+                                      </p:to>
+                                    </p:set>
+                                    <p:animEffect transition="in" filter="fade">
+                                      <p:cBhvr>
+                                        <p:cTn id="15" dur="500"/>
+                                        <p:tgtEl>
+                                          <p:spTgt spid="18"/>
+                                        </p:tgtEl>
+                                      </p:cBhvr>
+                                    </p:animEffect>
+                                  </p:childTnLst>
+                                </p:cTn>
+                              </p:par>
+                            </p:childTnLst>
+                          </p:cTn>
+                        </p:par>
+                      </p:childTnLst>
+                    </p:cTn>
+                  </p:par>
+                  <p:par>
+                    <p:cTn id="16" fill="hold">
+                      <p:stCondLst>
+                        <p:cond delay="indefinite"/>
+                      </p:stCondLst>
+                      <p:childTnLst>
+                        <p:par>
+                          <p:cTn id="17" fill="hold">
+                            <p:stCondLst>
+                              <p:cond delay="0"/>
+                            </p:stCondLst>
+                            <p:childTnLst>
+                              <p:par>
+                                <p:cTn id="18" presetID="1" presetClass="entr" presetSubtype="0" fill="hold" nodeType="clickEffect">
+                                  <p:stCondLst>
+                                    <p:cond delay="0"/>
+                                  </p:stCondLst>
+                                  <p:childTnLst>
+                                    <p:set>
+                                      <p:cBhvr>
+                                        <p:cTn id="19" dur="1" fill="hold">
+                                          <p:stCondLst>
+                                            <p:cond delay="0"/>
+                                          </p:stCondLst>
+                                        </p:cTn>
+                                        <p:tgtEl>
+                                          <p:spTgt spid="22"/>
+                                        </p:tgtEl>
+                                        <p:attrNameLst>
+                                          <p:attrName>style.visibility</p:attrName>
+                                        </p:attrNameLst>
+                                      </p:cBhvr>
+                                      <p:to>
+                                        <p:strVal val="visible"/>
+                                      </p:to>
+                                    </p:set>
+                                  </p:childTnLst>
+                                </p:cTn>
+                              </p:par>
+                              <p:par>
+                                <p:cTn id="20" presetID="1" presetClass="entr" presetSubtype="0" fill="hold" grpId="0" nodeType="withEffect">
+                                  <p:stCondLst>
+                                    <p:cond delay="0"/>
+                                  </p:stCondLst>
+                                  <p:childTnLst>
+                                    <p:set>
+                                      <p:cBhvr>
+                                        <p:cTn id="21" dur="1" fill="hold">
+                                          <p:stCondLst>
+                                            <p:cond delay="0"/>
+                                          </p:stCondLst>
+                                        </p:cTn>
+                                        <p:tgtEl>
+                                          <p:spTgt spid="19"/>
+                                        </p:tgtEl>
+                                        <p:attrNameLst>
+                                          <p:attrName>style.visibility</p:attrName>
+                                        </p:attrNameLst>
+                                      </p:cBhvr>
+                                      <p:to>
+                                        <p:strVal val="visible"/>
+                                      </p:to>
+                                    </p:set>
+                                  </p:childTnLst>
+                                </p:cTn>
+                              </p:par>
+                            </p:childTnLst>
+                          </p:cTn>
+                        </p:par>
+                      </p:childTnLst>
+                    </p:cTn>
+                  </p:par>
+                  <p:par>
+                    <p:cTn id="22" fill="hold">
+                      <p:stCondLst>
+                        <p:cond delay="indefinite"/>
+                      </p:stCondLst>
+                      <p:childTnLst>
+                        <p:par>
+                          <p:cTn id="23" fill="hold">
+                            <p:stCondLst>
+                              <p:cond delay="0"/>
+                            </p:stCondLst>
+                            <p:childTnLst>
+                              <p:par>
+                                <p:cTn id="24" presetID="10" presetClass="entr" presetSubtype="0" fill="hold" grpId="0" nodeType="clickEffect">
+                                  <p:stCondLst>
+                                    <p:cond delay="0"/>
+                                  </p:stCondLst>
+                                  <p:childTnLst>
+                                    <p:set>
+                                      <p:cBhvr>
+                                        <p:cTn id="25" dur="1" fill="hold">
+                                          <p:stCondLst>
+                                            <p:cond delay="0"/>
+                                          </p:stCondLst>
+                                        </p:cTn>
+                                        <p:tgtEl>
+                                          <p:spTgt spid="25"/>
+                                        </p:tgtEl>
+                                        <p:attrNameLst>
+                                          <p:attrName>style.visibility</p:attrName>
+                                        </p:attrNameLst>
+                                      </p:cBhvr>
+                                      <p:to>
+                                        <p:strVal val="visible"/>
+                                      </p:to>
+                                    </p:set>
+                                    <p:animEffect transition="in" filter="fade">
+                                      <p:cBhvr>
+                                        <p:cTn id="26" dur="500"/>
+                                        <p:tgtEl>
+                                          <p:spTgt spid="25"/>
+                                        </p:tgtEl>
+                                      </p:cBhvr>
+                                    </p:animEffect>
+                                  </p:childTnLst>
+                                </p:cTn>
+                              </p:par>
+                            </p:childTnLst>
+                          </p:cTn>
+                        </p:par>
+                      </p:childTnLst>
+                    </p:cTn>
+                  </p:par>
+                  <p:par>
+                    <p:cTn id="27" fill="hold">
+                      <p:stCondLst>
+                        <p:cond delay="indefinite"/>
+                      </p:stCondLst>
+                      <p:childTnLst>
+                        <p:par>
+                          <p:cTn id="28" fill="hold">
+                            <p:stCondLst>
+                              <p:cond delay="0"/>
+                            </p:stCondLst>
+                            <p:childTnLst>
+                              <p:par>
+                                <p:cTn id="29" presetID="10" presetClass="entr" presetSubtype="0" fill="hold" nodeType="clickEffect">
+                                  <p:stCondLst>
+                                    <p:cond delay="0"/>
+                                  </p:stCondLst>
+                                  <p:childTnLst>
+                                    <p:set>
+                                      <p:cBhvr>
+                                        <p:cTn id="30" dur="1" fill="hold">
+                                          <p:stCondLst>
+                                            <p:cond delay="0"/>
+                                          </p:stCondLst>
+                                        </p:cTn>
+                                        <p:tgtEl>
+                                          <p:spTgt spid="8"/>
+                                        </p:tgtEl>
+                                        <p:attrNameLst>
+                                          <p:attrName>style.visibility</p:attrName>
+                                        </p:attrNameLst>
+                                      </p:cBhvr>
+                                      <p:to>
+                                        <p:strVal val="visible"/>
+                                      </p:to>
+                                    </p:set>
+                                    <p:animEffect transition="in" filter="fade">
+                                      <p:cBhvr>
+                                        <p:cTn id="31" dur="500"/>
+                                        <p:tgtEl>
+                                          <p:spTgt spid="8"/>
+                                        </p:tgtEl>
+                                      </p:cBhvr>
+                                    </p:animEffect>
+                                  </p:childTnLst>
+                                </p:cTn>
+                              </p:par>
+                              <p:par>
+                                <p:cTn id="32" presetID="10" presetClass="entr" presetSubtype="0" fill="hold" grpId="0" nodeType="withEffect">
+                                  <p:stCondLst>
+                                    <p:cond delay="0"/>
+                                  </p:stCondLst>
+                                  <p:childTnLst>
+                                    <p:set>
+                                      <p:cBhvr>
+                                        <p:cTn id="33" dur="1" fill="hold">
+                                          <p:stCondLst>
+                                            <p:cond delay="0"/>
+                                          </p:stCondLst>
+                                        </p:cTn>
+                                        <p:tgtEl>
+                                          <p:spTgt spid="17"/>
+                                        </p:tgtEl>
+                                        <p:attrNameLst>
+                                          <p:attrName>style.visibility</p:attrName>
+                                        </p:attrNameLst>
+                                      </p:cBhvr>
+                                      <p:to>
+                                        <p:strVal val="visible"/>
+                                      </p:to>
+                                    </p:set>
+                                    <p:animEffect transition="in" filter="fade">
+                                      <p:cBhvr>
+                                        <p:cTn id="34" dur="500"/>
+                                        <p:tgtEl>
+                                          <p:spTgt spid="17"/>
+                                        </p:tgtEl>
+                                      </p:cBhvr>
+                                    </p:animEffect>
+                                  </p:childTnLst>
+                                </p:cTn>
+                              </p:par>
+                            </p:childTnLst>
+                          </p:cTn>
+                        </p:par>
+                      </p:childTnLst>
+                    </p:cTn>
+                  </p:par>
+                </p:childTnLst>
+              </p:cTn>
+              <p:prevCondLst>
+                <p:cond evt="onPrev" delay="0">
+                  <p:tgtEl>
+                    <p:sldTgt/>
+                  </p:tgtEl>
+                </p:cond>
+              </p:prevCondLst>
+              <p:nextCondLst>
+                <p:cond evt="onNext" delay="0">
+                  <p:tgtEl>
+                    <p:sldTgt/>
+                  </p:tgtEl>
+                </p:cond>
+              </p:nextCondLst>
+            </p:seq>
+          </p:childTnLst>
+        </p:cTn>
+      </p:par>
+    </p:tnLst>
+    <p:bldLst>
+      <p:bldP spid="16" grpId="0"/>
+      <p:bldP spid="17" grpId="0"/>
+      <p:bldP spid="18" grpId="0" animBg="1"/>
+      <p:bldP spid="19" grpId="0" animBg="1"/>
+      <p:bldP spid="25" grpId="0" animBg="1"/>
+    </p:bldLst>
+  </p:timing>
 </p:sld>
 </file>
 
@@ -11502,40 +13124,49 @@
             </a:r>
             <a:r>
               <a:rPr lang="en-US" dirty="0"/>
-              <a:t> | Configure</a:t>
-            </a:r>
-          </a:p>
-        </p:txBody>
-      </p:sp>
-      <p:sp>
-        <p:nvSpPr>
-          <p:cNvPr id="3" name="Content Placeholder 2">
-            <a:extLst>
-              <a:ext uri="{FF2B5EF4-FFF2-40B4-BE49-F238E27FC236}">
-                <a16:creationId xmlns:a16="http://schemas.microsoft.com/office/drawing/2014/main" id="{EA62A734-4064-44B5-A56F-5234B377F21C}"/>
-              </a:ext>
-            </a:extLst>
-          </p:cNvPr>
-          <p:cNvSpPr>
-            <a:spLocks noGrp="1"/>
-          </p:cNvSpPr>
+              <a:t> | </a:t>
+            </a:r>
+            <a:r>
+              <a:rPr lang="en-US" dirty="0" err="1"/>
+              <a:t>ConfigureServices</a:t>
+            </a:r>
+            <a:endParaRPr lang="en-US" dirty="0"/>
+          </a:p>
+        </p:txBody>
+      </p:sp>
+      <p:pic>
+        <p:nvPicPr>
+          <p:cNvPr id="5" name="Content Placeholder 4">
+            <a:extLst>
+              <a:ext uri="{FF2B5EF4-FFF2-40B4-BE49-F238E27FC236}">
+                <a16:creationId xmlns:a16="http://schemas.microsoft.com/office/drawing/2014/main" id="{C858D88A-AF78-40FF-B400-A73800850A84}"/>
+              </a:ext>
+            </a:extLst>
+          </p:cNvPr>
+          <p:cNvPicPr>
+            <a:picLocks noGrp="1" noChangeAspect="1"/>
+          </p:cNvPicPr>
           <p:nvPr>
             <p:ph idx="1"/>
           </p:nvPr>
-        </p:nvSpPr>
-        <p:spPr/>
-        <p:txBody>
-          <a:bodyPr/>
-          <a:lstStyle/>
-          <a:p>
-            <a:endParaRPr lang="en-US"/>
-          </a:p>
-        </p:txBody>
-      </p:sp>
+        </p:nvPicPr>
+        <p:blipFill>
+          <a:blip r:embed="rId2"/>
+          <a:stretch>
+            <a:fillRect/>
+          </a:stretch>
+        </p:blipFill>
+        <p:spPr>
+          <a:xfrm>
+            <a:off x="838200" y="2275089"/>
+            <a:ext cx="10515600" cy="3452410"/>
+          </a:xfrm>
+        </p:spPr>
+      </p:pic>
     </p:spTree>
     <p:extLst>
       <p:ext uri="{BB962C8B-B14F-4D97-AF65-F5344CB8AC3E}">
-        <p14:creationId xmlns:p14="http://schemas.microsoft.com/office/powerpoint/2010/main" val="3110605762"/>
+        <p14:creationId xmlns:p14="http://schemas.microsoft.com/office/powerpoint/2010/main" val="338391700"/>
       </p:ext>
     </p:extLst>
   </p:cSld>
@@ -11564,6 +13195,97 @@
       </p:grpSpPr>
       <p:sp>
         <p:nvSpPr>
+          <p:cNvPr id="2" name="Title 1">
+            <a:extLst>
+              <a:ext uri="{FF2B5EF4-FFF2-40B4-BE49-F238E27FC236}">
+                <a16:creationId xmlns:a16="http://schemas.microsoft.com/office/drawing/2014/main" id="{D9317941-3764-4D70-BD3A-95C4E134C7ED}"/>
+              </a:ext>
+            </a:extLst>
+          </p:cNvPr>
+          <p:cNvSpPr>
+            <a:spLocks noGrp="1"/>
+          </p:cNvSpPr>
+          <p:nvPr>
+            <p:ph type="title"/>
+          </p:nvPr>
+        </p:nvSpPr>
+        <p:spPr/>
+        <p:txBody>
+          <a:bodyPr/>
+          <a:lstStyle/>
+          <a:p>
+            <a:r>
+              <a:rPr lang="en-US" dirty="0" err="1"/>
+              <a:t>Startup.cs</a:t>
+            </a:r>
+            <a:r>
+              <a:rPr lang="en-US" dirty="0"/>
+              <a:t> | Configure</a:t>
+            </a:r>
+          </a:p>
+        </p:txBody>
+      </p:sp>
+      <p:pic>
+        <p:nvPicPr>
+          <p:cNvPr id="5" name="Content Placeholder 4">
+            <a:extLst>
+              <a:ext uri="{FF2B5EF4-FFF2-40B4-BE49-F238E27FC236}">
+                <a16:creationId xmlns:a16="http://schemas.microsoft.com/office/drawing/2014/main" id="{AA98B556-CF58-48B3-82DA-FBAA96EA4535}"/>
+              </a:ext>
+            </a:extLst>
+          </p:cNvPr>
+          <p:cNvPicPr>
+            <a:picLocks noGrp="1" noChangeAspect="1"/>
+          </p:cNvPicPr>
+          <p:nvPr>
+            <p:ph idx="1"/>
+          </p:nvPr>
+        </p:nvPicPr>
+        <p:blipFill>
+          <a:blip r:embed="rId2"/>
+          <a:stretch>
+            <a:fillRect/>
+          </a:stretch>
+        </p:blipFill>
+        <p:spPr>
+          <a:xfrm>
+            <a:off x="1664576" y="1825625"/>
+            <a:ext cx="8862847" cy="4351338"/>
+          </a:xfrm>
+        </p:spPr>
+      </p:pic>
+    </p:spTree>
+    <p:extLst>
+      <p:ext uri="{BB962C8B-B14F-4D97-AF65-F5344CB8AC3E}">
+        <p14:creationId xmlns:p14="http://schemas.microsoft.com/office/powerpoint/2010/main" val="3110605762"/>
+      </p:ext>
+    </p:extLst>
+  </p:cSld>
+  <p:clrMapOvr>
+    <a:masterClrMapping/>
+  </p:clrMapOvr>
+</p:sld>
+</file>
+
+<file path=ppt/slides/slide6.xml><?xml version="1.0" encoding="utf-8"?>
+<p:sld xmlns:a="http://schemas.openxmlformats.org/drawingml/2006/main" xmlns:r="http://schemas.openxmlformats.org/officeDocument/2006/relationships" xmlns:p="http://schemas.openxmlformats.org/presentationml/2006/main">
+  <p:cSld>
+    <p:spTree>
+      <p:nvGrpSpPr>
+        <p:cNvPr id="1" name=""/>
+        <p:cNvGrpSpPr/>
+        <p:nvPr/>
+      </p:nvGrpSpPr>
+      <p:grpSpPr>
+        <a:xfrm>
+          <a:off x="0" y="0"/>
+          <a:ext cx="0" cy="0"/>
+          <a:chOff x="0" y="0"/>
+          <a:chExt cx="0" cy="0"/>
+        </a:xfrm>
+      </p:grpSpPr>
+      <p:sp>
+        <p:nvSpPr>
           <p:cNvPr id="6" name="Title 5">
             <a:extLst>
               <a:ext uri="{FF2B5EF4-FFF2-40B4-BE49-F238E27FC236}">
@@ -11628,7 +13350,7 @@
 </p:sld>
 </file>
 
-<file path=ppt/slides/slide6.xml><?xml version="1.0" encoding="utf-8"?>
+<file path=ppt/slides/slide7.xml><?xml version="1.0" encoding="utf-8"?>
 <p:sld xmlns:a="http://schemas.openxmlformats.org/drawingml/2006/main" xmlns:r="http://schemas.openxmlformats.org/officeDocument/2006/relationships" xmlns:p="http://schemas.openxmlformats.org/presentationml/2006/main">
   <p:cSld>
     <p:spTree>
@@ -12304,7 +14026,7 @@
 </p:sld>
 </file>
 
-<file path=ppt/slides/slide7.xml><?xml version="1.0" encoding="utf-8"?>
+<file path=ppt/slides/slide8.xml><?xml version="1.0" encoding="utf-8"?>
 <p:sld xmlns:a="http://schemas.openxmlformats.org/drawingml/2006/main" xmlns:r="http://schemas.openxmlformats.org/officeDocument/2006/relationships" xmlns:p="http://schemas.openxmlformats.org/presentationml/2006/main">
   <p:cSld>
     <p:spTree>
@@ -13064,7 +14786,7 @@
 </p:sld>
 </file>
 
-<file path=ppt/slides/slide8.xml><?xml version="1.0" encoding="utf-8"?>
+<file path=ppt/slides/slide9.xml><?xml version="1.0" encoding="utf-8"?>
 <p:sld xmlns:a="http://schemas.openxmlformats.org/drawingml/2006/main" xmlns:r="http://schemas.openxmlformats.org/officeDocument/2006/relationships" xmlns:p="http://schemas.openxmlformats.org/presentationml/2006/main">
   <p:cSld>
     <p:spTree>
@@ -13815,713 +15537,6 @@
     <p:extLst>
       <p:ext uri="{BB962C8B-B14F-4D97-AF65-F5344CB8AC3E}">
         <p14:creationId xmlns:p14="http://schemas.microsoft.com/office/powerpoint/2010/main" val="970331283"/>
-      </p:ext>
-    </p:extLst>
-  </p:cSld>
-  <p:clrMapOvr>
-    <a:masterClrMapping/>
-  </p:clrMapOvr>
-</p:sld>
-</file>
-
-<file path=ppt/slides/slide9.xml><?xml version="1.0" encoding="utf-8"?>
-<p:sld xmlns:a="http://schemas.openxmlformats.org/drawingml/2006/main" xmlns:r="http://schemas.openxmlformats.org/officeDocument/2006/relationships" xmlns:p="http://schemas.openxmlformats.org/presentationml/2006/main">
-  <p:cSld>
-    <p:spTree>
-      <p:nvGrpSpPr>
-        <p:cNvPr id="1" name=""/>
-        <p:cNvGrpSpPr/>
-        <p:nvPr/>
-      </p:nvGrpSpPr>
-      <p:grpSpPr>
-        <a:xfrm>
-          <a:off x="0" y="0"/>
-          <a:ext cx="0" cy="0"/>
-          <a:chOff x="0" y="0"/>
-          <a:chExt cx="0" cy="0"/>
-        </a:xfrm>
-      </p:grpSpPr>
-      <p:sp>
-        <p:nvSpPr>
-          <p:cNvPr id="2" name="Title 1">
-            <a:extLst>
-              <a:ext uri="{FF2B5EF4-FFF2-40B4-BE49-F238E27FC236}">
-                <a16:creationId xmlns:a16="http://schemas.microsoft.com/office/drawing/2014/main" id="{9EAE126D-B44B-43BB-A261-707ECE527F15}"/>
-              </a:ext>
-            </a:extLst>
-          </p:cNvPr>
-          <p:cNvSpPr>
-            <a:spLocks noGrp="1"/>
-          </p:cNvSpPr>
-          <p:nvPr>
-            <p:ph type="title"/>
-          </p:nvPr>
-        </p:nvSpPr>
-        <p:spPr/>
-        <p:txBody>
-          <a:bodyPr>
-            <a:normAutofit/>
-          </a:bodyPr>
-          <a:lstStyle/>
-          <a:p>
-            <a:r>
-              <a:rPr lang="en-US" dirty="0"/>
-              <a:t>Controllers</a:t>
-            </a:r>
-          </a:p>
-        </p:txBody>
-      </p:sp>
-      <p:sp>
-        <p:nvSpPr>
-          <p:cNvPr id="3" name="Content Placeholder 2">
-            <a:extLst>
-              <a:ext uri="{FF2B5EF4-FFF2-40B4-BE49-F238E27FC236}">
-                <a16:creationId xmlns:a16="http://schemas.microsoft.com/office/drawing/2014/main" id="{14660A37-498E-4BA6-A8B2-4FBB2A6D4338}"/>
-              </a:ext>
-            </a:extLst>
-          </p:cNvPr>
-          <p:cNvSpPr>
-            <a:spLocks noGrp="1"/>
-          </p:cNvSpPr>
-          <p:nvPr>
-            <p:ph idx="1"/>
-          </p:nvPr>
-        </p:nvSpPr>
-        <p:spPr/>
-        <p:txBody>
-          <a:bodyPr/>
-          <a:lstStyle/>
-          <a:p>
-            <a:endParaRPr lang="en-US"/>
-          </a:p>
-        </p:txBody>
-      </p:sp>
-      <p:sp>
-        <p:nvSpPr>
-          <p:cNvPr id="4" name="Cloud 3">
-            <a:extLst>
-              <a:ext uri="{FF2B5EF4-FFF2-40B4-BE49-F238E27FC236}">
-                <a16:creationId xmlns:a16="http://schemas.microsoft.com/office/drawing/2014/main" id="{9FD93D3D-FA8A-4C79-B14A-589A1137F723}"/>
-              </a:ext>
-            </a:extLst>
-          </p:cNvPr>
-          <p:cNvSpPr/>
-          <p:nvPr/>
-        </p:nvSpPr>
-        <p:spPr bwMode="auto">
-          <a:xfrm>
-            <a:off x="962527" y="2257924"/>
-            <a:ext cx="3336758" cy="2342147"/>
-          </a:xfrm>
-          <a:prstGeom prst="cloud">
-            <a:avLst/>
-          </a:prstGeom>
-          <a:solidFill>
-            <a:srgbClr val="00BCF2"/>
-          </a:solidFill>
-          <a:ln>
-            <a:noFill/>
-            <a:headEnd type="none" w="med" len="med"/>
-            <a:tailEnd type="none" w="med" len="med"/>
-          </a:ln>
-          <a:effectLst/>
-        </p:spPr>
-        <p:style>
-          <a:lnRef idx="1">
-            <a:schemeClr val="accent2"/>
-          </a:lnRef>
-          <a:fillRef idx="3">
-            <a:schemeClr val="accent2"/>
-          </a:fillRef>
-          <a:effectRef idx="2">
-            <a:schemeClr val="accent2"/>
-          </a:effectRef>
-          <a:fontRef idx="minor">
-            <a:schemeClr val="lt1"/>
-          </a:fontRef>
-        </p:style>
-        <p:txBody>
-          <a:bodyPr rot="0" spcFirstLastPara="0" vertOverflow="overflow" horzOverflow="overflow" vert="horz" wrap="square" lIns="182880" tIns="146304" rIns="182880" bIns="146304" numCol="1" spcCol="0" rtlCol="0" fromWordArt="0" anchor="t" anchorCtr="0" forceAA="0" compatLnSpc="1">
-            <a:prstTxWarp prst="textNoShape">
-              <a:avLst/>
-            </a:prstTxWarp>
-            <a:noAutofit/>
-          </a:bodyPr>
-          <a:lstStyle/>
-          <a:p>
-            <a:pPr defTabSz="932472" fontAlgn="base">
-              <a:spcBef>
-                <a:spcPct val="0"/>
-              </a:spcBef>
-              <a:spcAft>
-                <a:spcPct val="0"/>
-              </a:spcAft>
-            </a:pPr>
-            <a:endParaRPr lang="en-US" sz="2000">
-              <a:gradFill>
-                <a:gsLst>
-                  <a:gs pos="0">
-                    <a:srgbClr val="FFFFFF"/>
-                  </a:gs>
-                  <a:gs pos="100000">
-                    <a:srgbClr val="FFFFFF"/>
-                  </a:gs>
-                </a:gsLst>
-                <a:lin ang="5400000" scaled="0"/>
-              </a:gradFill>
-              <a:ea typeface="Segoe UI" pitchFamily="34" charset="0"/>
-              <a:cs typeface="Segoe UI" pitchFamily="34" charset="0"/>
-            </a:endParaRPr>
-          </a:p>
-          <a:p>
-            <a:pPr defTabSz="932472" fontAlgn="base">
-              <a:spcBef>
-                <a:spcPct val="0"/>
-              </a:spcBef>
-              <a:spcAft>
-                <a:spcPct val="0"/>
-              </a:spcAft>
-            </a:pPr>
-            <a:r>
-              <a:rPr lang="en-US" sz="2000">
-                <a:gradFill>
-                  <a:gsLst>
-                    <a:gs pos="0">
-                      <a:srgbClr val="FFFFFF"/>
-                    </a:gs>
-                    <a:gs pos="100000">
-                      <a:srgbClr val="FFFFFF"/>
-                    </a:gs>
-                  </a:gsLst>
-                  <a:lin ang="5400000" scaled="0"/>
-                </a:gradFill>
-                <a:ea typeface="Segoe UI" pitchFamily="34" charset="0"/>
-                <a:cs typeface="Segoe UI" pitchFamily="34" charset="0"/>
-              </a:rPr>
-              <a:t>GET /api/products</a:t>
-            </a:r>
-            <a:endParaRPr lang="en-US" sz="2000" dirty="0">
-              <a:gradFill>
-                <a:gsLst>
-                  <a:gs pos="0">
-                    <a:srgbClr val="FFFFFF"/>
-                  </a:gs>
-                  <a:gs pos="100000">
-                    <a:srgbClr val="FFFFFF"/>
-                  </a:gs>
-                </a:gsLst>
-                <a:lin ang="5400000" scaled="0"/>
-              </a:gradFill>
-              <a:ea typeface="Segoe UI" pitchFamily="34" charset="0"/>
-              <a:cs typeface="Segoe UI" pitchFamily="34" charset="0"/>
-            </a:endParaRPr>
-          </a:p>
-        </p:txBody>
-      </p:sp>
-      <p:sp>
-        <p:nvSpPr>
-          <p:cNvPr id="5" name="Rectangle 4">
-            <a:extLst>
-              <a:ext uri="{FF2B5EF4-FFF2-40B4-BE49-F238E27FC236}">
-                <a16:creationId xmlns:a16="http://schemas.microsoft.com/office/drawing/2014/main" id="{51D03B68-1F59-46A2-86B7-1A34900C9297}"/>
-              </a:ext>
-            </a:extLst>
-          </p:cNvPr>
-          <p:cNvSpPr/>
-          <p:nvPr/>
-        </p:nvSpPr>
-        <p:spPr bwMode="auto">
-          <a:xfrm>
-            <a:off x="5117432" y="1006641"/>
-            <a:ext cx="6593305" cy="4844715"/>
-          </a:xfrm>
-          <a:prstGeom prst="rect">
-            <a:avLst/>
-          </a:prstGeom>
-          <a:solidFill>
-            <a:srgbClr val="00B294"/>
-          </a:solidFill>
-          <a:ln>
-            <a:headEnd type="none" w="med" len="med"/>
-            <a:tailEnd type="none" w="med" len="med"/>
-          </a:ln>
-        </p:spPr>
-        <p:style>
-          <a:lnRef idx="1">
-            <a:schemeClr val="accent1"/>
-          </a:lnRef>
-          <a:fillRef idx="2">
-            <a:schemeClr val="accent1"/>
-          </a:fillRef>
-          <a:effectRef idx="1">
-            <a:schemeClr val="accent1"/>
-          </a:effectRef>
-          <a:fontRef idx="minor">
-            <a:schemeClr val="dk1"/>
-          </a:fontRef>
-        </p:style>
-        <p:txBody>
-          <a:bodyPr rot="0" spcFirstLastPara="0" vertOverflow="overflow" horzOverflow="overflow" vert="horz" wrap="square" lIns="182880" tIns="146304" rIns="182880" bIns="146304" numCol="1" spcCol="0" rtlCol="0" fromWordArt="0" anchor="t" anchorCtr="0" forceAA="0" compatLnSpc="1">
-            <a:prstTxWarp prst="textNoShape">
-              <a:avLst/>
-            </a:prstTxWarp>
-            <a:noAutofit/>
-          </a:bodyPr>
-          <a:lstStyle/>
-          <a:p>
-            <a:pPr algn="l" defTabSz="932472" fontAlgn="base">
-              <a:spcBef>
-                <a:spcPct val="0"/>
-              </a:spcBef>
-              <a:spcAft>
-                <a:spcPct val="0"/>
-              </a:spcAft>
-            </a:pPr>
-            <a:r>
-              <a:rPr lang="en-US" sz="2000" dirty="0">
-                <a:gradFill>
-                  <a:gsLst>
-                    <a:gs pos="0">
-                      <a:srgbClr val="FFFFFF"/>
-                    </a:gs>
-                    <a:gs pos="100000">
-                      <a:srgbClr val="FFFFFF"/>
-                    </a:gs>
-                  </a:gsLst>
-                  <a:lin ang="5400000" scaled="0"/>
-                </a:gradFill>
-                <a:ea typeface="Segoe UI" pitchFamily="34" charset="0"/>
-                <a:cs typeface="Segoe UI" pitchFamily="34" charset="0"/>
-              </a:rPr>
-              <a:t>ASP.NET Core</a:t>
-            </a:r>
-          </a:p>
-        </p:txBody>
-      </p:sp>
-      <p:sp>
-        <p:nvSpPr>
-          <p:cNvPr id="6" name="Rectangle 5">
-            <a:extLst>
-              <a:ext uri="{FF2B5EF4-FFF2-40B4-BE49-F238E27FC236}">
-                <a16:creationId xmlns:a16="http://schemas.microsoft.com/office/drawing/2014/main" id="{1AC2FCF5-94E5-4E88-B1B2-721645567C91}"/>
-              </a:ext>
-            </a:extLst>
-          </p:cNvPr>
-          <p:cNvSpPr/>
-          <p:nvPr/>
-        </p:nvSpPr>
-        <p:spPr bwMode="auto">
-          <a:xfrm>
-            <a:off x="8021052" y="1672396"/>
-            <a:ext cx="3208421" cy="1203157"/>
-          </a:xfrm>
-          <a:prstGeom prst="rect">
-            <a:avLst/>
-          </a:prstGeom>
-          <a:solidFill>
-            <a:srgbClr val="E81123"/>
-          </a:solidFill>
-          <a:ln>
-            <a:headEnd type="none" w="med" len="med"/>
-            <a:tailEnd type="none" w="med" len="med"/>
-          </a:ln>
-        </p:spPr>
-        <p:style>
-          <a:lnRef idx="2">
-            <a:schemeClr val="accent4">
-              <a:shade val="50000"/>
-            </a:schemeClr>
-          </a:lnRef>
-          <a:fillRef idx="1">
-            <a:schemeClr val="accent4"/>
-          </a:fillRef>
-          <a:effectRef idx="0">
-            <a:schemeClr val="accent4"/>
-          </a:effectRef>
-          <a:fontRef idx="minor">
-            <a:schemeClr val="lt1"/>
-          </a:fontRef>
-        </p:style>
-        <p:txBody>
-          <a:bodyPr rot="0" spcFirstLastPara="0" vertOverflow="overflow" horzOverflow="overflow" vert="horz" wrap="square" lIns="182880" tIns="146304" rIns="182880" bIns="146304" numCol="1" spcCol="0" rtlCol="0" fromWordArt="0" anchor="t" anchorCtr="0" forceAA="0" compatLnSpc="1">
-            <a:prstTxWarp prst="textNoShape">
-              <a:avLst/>
-            </a:prstTxWarp>
-            <a:noAutofit/>
-          </a:bodyPr>
-          <a:lstStyle/>
-          <a:p>
-            <a:pPr algn="l" defTabSz="932472" fontAlgn="base">
-              <a:spcBef>
-                <a:spcPct val="0"/>
-              </a:spcBef>
-              <a:spcAft>
-                <a:spcPct val="0"/>
-              </a:spcAft>
-            </a:pPr>
-            <a:r>
-              <a:rPr lang="en-US" sz="2000" dirty="0" err="1">
-                <a:gradFill>
-                  <a:gsLst>
-                    <a:gs pos="0">
-                      <a:srgbClr val="FFFFFF"/>
-                    </a:gs>
-                    <a:gs pos="100000">
-                      <a:srgbClr val="FFFFFF"/>
-                    </a:gs>
-                  </a:gsLst>
-                  <a:lin ang="5400000" scaled="0"/>
-                </a:gradFill>
-                <a:ea typeface="Segoe UI" pitchFamily="34" charset="0"/>
-                <a:cs typeface="Segoe UI" pitchFamily="34" charset="0"/>
-              </a:rPr>
-              <a:t>ProductsController</a:t>
-            </a:r>
-            <a:endParaRPr lang="en-US" sz="2000" dirty="0">
-              <a:gradFill>
-                <a:gsLst>
-                  <a:gs pos="0">
-                    <a:srgbClr val="FFFFFF"/>
-                  </a:gs>
-                  <a:gs pos="100000">
-                    <a:srgbClr val="FFFFFF"/>
-                  </a:gs>
-                </a:gsLst>
-                <a:lin ang="5400000" scaled="0"/>
-              </a:gradFill>
-              <a:ea typeface="Segoe UI" pitchFamily="34" charset="0"/>
-              <a:cs typeface="Segoe UI" pitchFamily="34" charset="0"/>
-            </a:endParaRPr>
-          </a:p>
-          <a:p>
-            <a:pPr algn="l" defTabSz="932472" fontAlgn="base">
-              <a:spcBef>
-                <a:spcPct val="0"/>
-              </a:spcBef>
-              <a:spcAft>
-                <a:spcPct val="0"/>
-              </a:spcAft>
-            </a:pPr>
-            <a:endParaRPr lang="en-US" sz="2000" dirty="0" err="1">
-              <a:gradFill>
-                <a:gsLst>
-                  <a:gs pos="0">
-                    <a:srgbClr val="FFFFFF"/>
-                  </a:gs>
-                  <a:gs pos="100000">
-                    <a:srgbClr val="FFFFFF"/>
-                  </a:gs>
-                </a:gsLst>
-                <a:lin ang="5400000" scaled="0"/>
-              </a:gradFill>
-              <a:ea typeface="Segoe UI" pitchFamily="34" charset="0"/>
-              <a:cs typeface="Segoe UI" pitchFamily="34" charset="0"/>
-            </a:endParaRPr>
-          </a:p>
-        </p:txBody>
-      </p:sp>
-      <p:sp>
-        <p:nvSpPr>
-          <p:cNvPr id="7" name="Rectangle 6">
-            <a:extLst>
-              <a:ext uri="{FF2B5EF4-FFF2-40B4-BE49-F238E27FC236}">
-                <a16:creationId xmlns:a16="http://schemas.microsoft.com/office/drawing/2014/main" id="{DC1D9588-44FA-46A9-B5A3-D0325FBDAE6A}"/>
-              </a:ext>
-            </a:extLst>
-          </p:cNvPr>
-          <p:cNvSpPr/>
-          <p:nvPr/>
-        </p:nvSpPr>
-        <p:spPr bwMode="auto">
-          <a:xfrm>
-            <a:off x="8021051" y="3060035"/>
-            <a:ext cx="3208421" cy="1203157"/>
-          </a:xfrm>
-          <a:prstGeom prst="rect">
-            <a:avLst/>
-          </a:prstGeom>
-          <a:solidFill>
-            <a:srgbClr val="E81123"/>
-          </a:solidFill>
-          <a:ln>
-            <a:headEnd type="none" w="med" len="med"/>
-            <a:tailEnd type="none" w="med" len="med"/>
-          </a:ln>
-        </p:spPr>
-        <p:style>
-          <a:lnRef idx="2">
-            <a:schemeClr val="accent4">
-              <a:shade val="50000"/>
-            </a:schemeClr>
-          </a:lnRef>
-          <a:fillRef idx="1">
-            <a:schemeClr val="accent4"/>
-          </a:fillRef>
-          <a:effectRef idx="0">
-            <a:schemeClr val="accent4"/>
-          </a:effectRef>
-          <a:fontRef idx="minor">
-            <a:schemeClr val="lt1"/>
-          </a:fontRef>
-        </p:style>
-        <p:txBody>
-          <a:bodyPr rot="0" spcFirstLastPara="0" vertOverflow="overflow" horzOverflow="overflow" vert="horz" wrap="square" lIns="182880" tIns="146304" rIns="182880" bIns="146304" numCol="1" spcCol="0" rtlCol="0" fromWordArt="0" anchor="t" anchorCtr="0" forceAA="0" compatLnSpc="1">
-            <a:prstTxWarp prst="textNoShape">
-              <a:avLst/>
-            </a:prstTxWarp>
-            <a:noAutofit/>
-          </a:bodyPr>
-          <a:lstStyle/>
-          <a:p>
-            <a:pPr algn="l" defTabSz="932472" fontAlgn="base">
-              <a:spcBef>
-                <a:spcPct val="0"/>
-              </a:spcBef>
-              <a:spcAft>
-                <a:spcPct val="0"/>
-              </a:spcAft>
-            </a:pPr>
-            <a:r>
-              <a:rPr lang="en-US" sz="2000" dirty="0" err="1">
-                <a:gradFill>
-                  <a:gsLst>
-                    <a:gs pos="0">
-                      <a:srgbClr val="FFFFFF"/>
-                    </a:gs>
-                    <a:gs pos="100000">
-                      <a:srgbClr val="FFFFFF"/>
-                    </a:gs>
-                  </a:gsLst>
-                  <a:lin ang="5400000" scaled="0"/>
-                </a:gradFill>
-                <a:ea typeface="Segoe UI" pitchFamily="34" charset="0"/>
-                <a:cs typeface="Segoe UI" pitchFamily="34" charset="0"/>
-              </a:rPr>
-              <a:t>OrdersController</a:t>
-            </a:r>
-            <a:endParaRPr lang="en-US" sz="2000" dirty="0">
-              <a:gradFill>
-                <a:gsLst>
-                  <a:gs pos="0">
-                    <a:srgbClr val="FFFFFF"/>
-                  </a:gs>
-                  <a:gs pos="100000">
-                    <a:srgbClr val="FFFFFF"/>
-                  </a:gs>
-                </a:gsLst>
-                <a:lin ang="5400000" scaled="0"/>
-              </a:gradFill>
-              <a:ea typeface="Segoe UI" pitchFamily="34" charset="0"/>
-              <a:cs typeface="Segoe UI" pitchFamily="34" charset="0"/>
-            </a:endParaRPr>
-          </a:p>
-        </p:txBody>
-      </p:sp>
-      <p:sp>
-        <p:nvSpPr>
-          <p:cNvPr id="8" name="Rectangle 7">
-            <a:extLst>
-              <a:ext uri="{FF2B5EF4-FFF2-40B4-BE49-F238E27FC236}">
-                <a16:creationId xmlns:a16="http://schemas.microsoft.com/office/drawing/2014/main" id="{15422FC9-EC99-442F-89B4-1260C2F55569}"/>
-              </a:ext>
-            </a:extLst>
-          </p:cNvPr>
-          <p:cNvSpPr/>
-          <p:nvPr/>
-        </p:nvSpPr>
-        <p:spPr bwMode="auto">
-          <a:xfrm>
-            <a:off x="8021050" y="4455695"/>
-            <a:ext cx="3208421" cy="1203157"/>
-          </a:xfrm>
-          <a:prstGeom prst="rect">
-            <a:avLst/>
-          </a:prstGeom>
-          <a:solidFill>
-            <a:srgbClr val="E81123"/>
-          </a:solidFill>
-          <a:ln>
-            <a:headEnd type="none" w="med" len="med"/>
-            <a:tailEnd type="none" w="med" len="med"/>
-          </a:ln>
-        </p:spPr>
-        <p:style>
-          <a:lnRef idx="2">
-            <a:schemeClr val="accent4">
-              <a:shade val="50000"/>
-            </a:schemeClr>
-          </a:lnRef>
-          <a:fillRef idx="1">
-            <a:schemeClr val="accent4"/>
-          </a:fillRef>
-          <a:effectRef idx="0">
-            <a:schemeClr val="accent4"/>
-          </a:effectRef>
-          <a:fontRef idx="minor">
-            <a:schemeClr val="lt1"/>
-          </a:fontRef>
-        </p:style>
-        <p:txBody>
-          <a:bodyPr rot="0" spcFirstLastPara="0" vertOverflow="overflow" horzOverflow="overflow" vert="horz" wrap="square" lIns="182880" tIns="146304" rIns="182880" bIns="146304" numCol="1" spcCol="0" rtlCol="0" fromWordArt="0" anchor="t" anchorCtr="0" forceAA="0" compatLnSpc="1">
-            <a:prstTxWarp prst="textNoShape">
-              <a:avLst/>
-            </a:prstTxWarp>
-            <a:noAutofit/>
-          </a:bodyPr>
-          <a:lstStyle/>
-          <a:p>
-            <a:pPr algn="l" defTabSz="932472" fontAlgn="base">
-              <a:spcBef>
-                <a:spcPct val="0"/>
-              </a:spcBef>
-              <a:spcAft>
-                <a:spcPct val="0"/>
-              </a:spcAft>
-            </a:pPr>
-            <a:r>
-              <a:rPr lang="en-US" sz="2000" dirty="0" err="1">
-                <a:gradFill>
-                  <a:gsLst>
-                    <a:gs pos="0">
-                      <a:srgbClr val="FFFFFF"/>
-                    </a:gs>
-                    <a:gs pos="100000">
-                      <a:srgbClr val="FFFFFF"/>
-                    </a:gs>
-                  </a:gsLst>
-                  <a:lin ang="5400000" scaled="0"/>
-                </a:gradFill>
-                <a:ea typeface="Segoe UI" pitchFamily="34" charset="0"/>
-                <a:cs typeface="Segoe UI" pitchFamily="34" charset="0"/>
-              </a:rPr>
-              <a:t>InvoiceController</a:t>
-            </a:r>
-            <a:endParaRPr lang="en-US" sz="2000" dirty="0">
-              <a:gradFill>
-                <a:gsLst>
-                  <a:gs pos="0">
-                    <a:srgbClr val="FFFFFF"/>
-                  </a:gs>
-                  <a:gs pos="100000">
-                    <a:srgbClr val="FFFFFF"/>
-                  </a:gs>
-                </a:gsLst>
-                <a:lin ang="5400000" scaled="0"/>
-              </a:gradFill>
-              <a:ea typeface="Segoe UI" pitchFamily="34" charset="0"/>
-              <a:cs typeface="Segoe UI" pitchFamily="34" charset="0"/>
-            </a:endParaRPr>
-          </a:p>
-          <a:p>
-            <a:pPr algn="l" defTabSz="932472" fontAlgn="base">
-              <a:spcBef>
-                <a:spcPct val="0"/>
-              </a:spcBef>
-              <a:spcAft>
-                <a:spcPct val="0"/>
-              </a:spcAft>
-            </a:pPr>
-            <a:endParaRPr lang="en-US" sz="2000" dirty="0" err="1">
-              <a:gradFill>
-                <a:gsLst>
-                  <a:gs pos="0">
-                    <a:srgbClr val="FFFFFF"/>
-                  </a:gs>
-                  <a:gs pos="100000">
-                    <a:srgbClr val="FFFFFF"/>
-                  </a:gs>
-                </a:gsLst>
-                <a:lin ang="5400000" scaled="0"/>
-              </a:gradFill>
-              <a:ea typeface="Segoe UI" pitchFamily="34" charset="0"/>
-              <a:cs typeface="Segoe UI" pitchFamily="34" charset="0"/>
-            </a:endParaRPr>
-          </a:p>
-        </p:txBody>
-      </p:sp>
-      <p:sp>
-        <p:nvSpPr>
-          <p:cNvPr id="9" name="Rectangle: Rounded Corners 8">
-            <a:extLst>
-              <a:ext uri="{FF2B5EF4-FFF2-40B4-BE49-F238E27FC236}">
-                <a16:creationId xmlns:a16="http://schemas.microsoft.com/office/drawing/2014/main" id="{8710F51F-1742-47A2-B4EB-385E84C262AD}"/>
-              </a:ext>
-            </a:extLst>
-          </p:cNvPr>
-          <p:cNvSpPr/>
-          <p:nvPr/>
-        </p:nvSpPr>
-        <p:spPr bwMode="auto">
-          <a:xfrm>
-            <a:off x="5630779" y="1925053"/>
-            <a:ext cx="1925053" cy="3160294"/>
-          </a:xfrm>
-          <a:prstGeom prst="roundRect">
-            <a:avLst/>
-          </a:prstGeom>
-          <a:solidFill>
-            <a:srgbClr val="B4009E"/>
-          </a:solidFill>
-          <a:ln>
-            <a:noFill/>
-          </a:ln>
-        </p:spPr>
-        <p:style>
-          <a:lnRef idx="0">
-            <a:scrgbClr r="0" g="0" b="0"/>
-          </a:lnRef>
-          <a:fillRef idx="0">
-            <a:scrgbClr r="0" g="0" b="0"/>
-          </a:fillRef>
-          <a:effectRef idx="0">
-            <a:scrgbClr r="0" g="0" b="0"/>
-          </a:effectRef>
-          <a:fontRef idx="minor">
-            <a:schemeClr val="lt1"/>
-          </a:fontRef>
-        </p:style>
-        <p:txBody>
-          <a:bodyPr rot="0" spcFirstLastPara="0" vertOverflow="overflow" horzOverflow="overflow" vert="horz" wrap="square" lIns="182880" tIns="146304" rIns="182880" bIns="146304" numCol="1" spcCol="0" rtlCol="0" fromWordArt="0" anchor="t" anchorCtr="0" forceAA="0" compatLnSpc="1">
-            <a:prstTxWarp prst="textNoShape">
-              <a:avLst/>
-            </a:prstTxWarp>
-            <a:noAutofit/>
-          </a:bodyPr>
-          <a:lstStyle/>
-          <a:p>
-            <a:pPr algn="l" defTabSz="932472" fontAlgn="base">
-              <a:spcBef>
-                <a:spcPct val="0"/>
-              </a:spcBef>
-              <a:spcAft>
-                <a:spcPct val="0"/>
-              </a:spcAft>
-            </a:pPr>
-            <a:r>
-              <a:rPr lang="en-US" sz="2000" dirty="0">
-                <a:gradFill>
-                  <a:gsLst>
-                    <a:gs pos="0">
-                      <a:srgbClr val="FFFFFF"/>
-                    </a:gs>
-                    <a:gs pos="100000">
-                      <a:srgbClr val="FFFFFF"/>
-                    </a:gs>
-                  </a:gsLst>
-                  <a:lin ang="5400000" scaled="0"/>
-                </a:gradFill>
-                <a:ea typeface="Segoe UI" pitchFamily="34" charset="0"/>
-                <a:cs typeface="Segoe UI" pitchFamily="34" charset="0"/>
-              </a:rPr>
-              <a:t>Routing Engine</a:t>
-            </a:r>
-          </a:p>
-        </p:txBody>
-      </p:sp>
-    </p:spTree>
-    <p:extLst>
-      <p:ext uri="{BB962C8B-B14F-4D97-AF65-F5344CB8AC3E}">
-        <p14:creationId xmlns:p14="http://schemas.microsoft.com/office/powerpoint/2010/main" val="722622545"/>
       </p:ext>
     </p:extLst>
   </p:cSld>

--- a/Slides/6_ASPNET Core.pptx
+++ b/Slides/6_ASPNET Core.pptx
@@ -5,7 +5,7 @@
     <p:sldMasterId id="2147483648" r:id="rId1"/>
   </p:sldMasterIdLst>
   <p:notesMasterIdLst>
-    <p:notesMasterId r:id="rId31"/>
+    <p:notesMasterId r:id="rId29"/>
   </p:notesMasterIdLst>
   <p:sldIdLst>
     <p:sldId id="256" r:id="rId2"/>
@@ -19,24 +19,22 @@
     <p:sldId id="271" r:id="rId10"/>
     <p:sldId id="270" r:id="rId11"/>
     <p:sldId id="272" r:id="rId12"/>
-    <p:sldId id="274" r:id="rId13"/>
-    <p:sldId id="275" r:id="rId14"/>
-    <p:sldId id="276" r:id="rId15"/>
-    <p:sldId id="268" r:id="rId16"/>
-    <p:sldId id="273" r:id="rId17"/>
-    <p:sldId id="278" r:id="rId18"/>
-    <p:sldId id="279" r:id="rId19"/>
-    <p:sldId id="280" r:id="rId20"/>
-    <p:sldId id="281" r:id="rId21"/>
-    <p:sldId id="264" r:id="rId22"/>
-    <p:sldId id="282" r:id="rId23"/>
-    <p:sldId id="283" r:id="rId24"/>
-    <p:sldId id="284" r:id="rId25"/>
-    <p:sldId id="285" r:id="rId26"/>
-    <p:sldId id="286" r:id="rId27"/>
-    <p:sldId id="287" r:id="rId28"/>
-    <p:sldId id="298" r:id="rId29"/>
-    <p:sldId id="322" r:id="rId30"/>
+    <p:sldId id="276" r:id="rId13"/>
+    <p:sldId id="268" r:id="rId14"/>
+    <p:sldId id="273" r:id="rId15"/>
+    <p:sldId id="278" r:id="rId16"/>
+    <p:sldId id="279" r:id="rId17"/>
+    <p:sldId id="280" r:id="rId18"/>
+    <p:sldId id="281" r:id="rId19"/>
+    <p:sldId id="264" r:id="rId20"/>
+    <p:sldId id="282" r:id="rId21"/>
+    <p:sldId id="283" r:id="rId22"/>
+    <p:sldId id="284" r:id="rId23"/>
+    <p:sldId id="285" r:id="rId24"/>
+    <p:sldId id="286" r:id="rId25"/>
+    <p:sldId id="287" r:id="rId26"/>
+    <p:sldId id="298" r:id="rId27"/>
+    <p:sldId id="322" r:id="rId28"/>
   </p:sldIdLst>
   <p:sldSz cx="12192000" cy="6858000"/>
   <p:notesSz cx="6858000" cy="9144000"/>
@@ -225,7 +223,7 @@
           <a:p>
             <a:fld id="{FE0698A4-8696-4B25-BC16-7D62971AF3FD}" type="datetimeFigureOut">
               <a:rPr lang="en-US" smtClean="0"/>
-              <a:t>8/16/2021</a:t>
+              <a:t>8/17/2021</a:t>
             </a:fld>
             <a:endParaRPr lang="en-US"/>
           </a:p>
@@ -625,7 +623,57 @@
           <a:p>
             <a:r>
               <a:rPr lang="en-US" dirty="0"/>
-              <a:t>In this section, we’re going to cover dependency injection.  What is it, why you should use it, and how to take advantage of it in your APIs.</a:t>
+              <a:t>In the constructor of this sample Controller, we’re passing in a parameter of the type </a:t>
+            </a:r>
+            <a:r>
+              <a:rPr lang="en-US" dirty="0" err="1"/>
+              <a:t>IProductRepository</a:t>
+            </a:r>
+            <a:r>
+              <a:rPr lang="en-US" dirty="0"/>
+              <a:t>.  Since it’s “I” </a:t>
+            </a:r>
+            <a:r>
+              <a:rPr lang="en-US" dirty="0" err="1"/>
+              <a:t>ProductRepository</a:t>
+            </a:r>
+            <a:r>
+              <a:rPr lang="en-US" dirty="0"/>
+              <a:t>, we don’t necessarily care what type of object we get.  All it has to do is implement </a:t>
+            </a:r>
+            <a:r>
+              <a:rPr lang="en-US" dirty="0" err="1"/>
+              <a:t>IProductRepository</a:t>
+            </a:r>
+            <a:r>
+              <a:rPr lang="en-US" dirty="0"/>
+              <a:t> and we’ll be happy.</a:t>
+            </a:r>
+          </a:p>
+          <a:p>
+            <a:endParaRPr lang="en-US" dirty="0"/>
+          </a:p>
+          <a:p>
+            <a:r>
+              <a:rPr lang="en-US" dirty="0"/>
+              <a:t>From this code, can you tell me where the content of our “</a:t>
+            </a:r>
+            <a:r>
+              <a:rPr lang="en-US" dirty="0" err="1"/>
+              <a:t>GetProducts</a:t>
+            </a:r>
+            <a:r>
+              <a:rPr lang="en-US" dirty="0"/>
+              <a:t>” call comes from?  SQL Server?  Flat file?  Or is it randomly generated?</a:t>
+            </a:r>
+          </a:p>
+          <a:p>
+            <a:endParaRPr lang="en-US" dirty="0"/>
+          </a:p>
+          <a:p>
+            <a:r>
+              <a:rPr lang="en-US" dirty="0"/>
+              <a:t>You don’t know!  And neither does the controller.  </a:t>
             </a:r>
           </a:p>
         </p:txBody>
@@ -656,7 +704,7 @@
     </p:spTree>
     <p:extLst>
       <p:ext uri="{BB962C8B-B14F-4D97-AF65-F5344CB8AC3E}">
-        <p14:creationId xmlns:p14="http://schemas.microsoft.com/office/powerpoint/2010/main" val="2157760823"/>
+        <p14:creationId xmlns:p14="http://schemas.microsoft.com/office/powerpoint/2010/main" val="3034945984"/>
       </p:ext>
     </p:extLst>
   </p:cSld>
@@ -712,7 +760,15 @@
           <a:p>
             <a:r>
               <a:rPr lang="en-US" dirty="0"/>
-              <a:t>I know what you’re probably thinking.  Why is dependency injection a topic in a course on building APIs?</a:t>
+              <a:t>One important aspect of Controllers is that you will never be responsible for new-</a:t>
+            </a:r>
+            <a:r>
+              <a:rPr lang="en-US" dirty="0" err="1"/>
+              <a:t>ing</a:t>
+            </a:r>
+            <a:r>
+              <a:rPr lang="en-US" dirty="0"/>
+              <a:t> up a controller instance.  ASP.NET does that for you.</a:t>
             </a:r>
           </a:p>
           <a:p>
@@ -721,7 +777,15 @@
           <a:p>
             <a:r>
               <a:rPr lang="en-US" dirty="0"/>
-              <a:t>And that’s a great question.  The quick answer is because you’re going to use it EVERYWHERE.  </a:t>
+              <a:t>But how does ASP.NET know what type object to put in as our </a:t>
+            </a:r>
+            <a:r>
+              <a:rPr lang="en-US" dirty="0" err="1"/>
+              <a:t>IProductRepository</a:t>
+            </a:r>
+            <a:r>
+              <a:rPr lang="en-US" dirty="0"/>
+              <a:t>?</a:t>
             </a:r>
           </a:p>
           <a:p>
@@ -730,29 +794,8 @@
           <a:p>
             <a:r>
               <a:rPr lang="en-US" dirty="0"/>
-              <a:t>If you’re new to dependency injection, let’s discuss a little bit of what it is?</a:t>
-            </a:r>
-          </a:p>
-          <a:p>
-            <a:endParaRPr lang="en-US" dirty="0"/>
-          </a:p>
-          <a:p>
-            <a:r>
-              <a:rPr lang="en-US" dirty="0"/>
-              <a:t>We’ve previously talked about that Controllers in ASP.NET should be dumb – or not have much business logic in them.  But how do you go about telling your controllers where they can go to perform these actions?  </a:t>
-            </a:r>
-          </a:p>
-          <a:p>
-            <a:endParaRPr lang="en-US" dirty="0"/>
-          </a:p>
-          <a:p>
-            <a:r>
-              <a:rPr lang="en-US" dirty="0"/>
-              <a:t>It’s best practice for this to be done via dependency injection.</a:t>
-            </a:r>
-          </a:p>
-          <a:p>
-            <a:endParaRPr lang="en-US" dirty="0"/>
+              <a:t>That’s because we tell it when the application starts up.  </a:t>
+            </a:r>
           </a:p>
         </p:txBody>
       </p:sp>
@@ -782,7 +825,7 @@
     </p:spTree>
     <p:extLst>
       <p:ext uri="{BB962C8B-B14F-4D97-AF65-F5344CB8AC3E}">
-        <p14:creationId xmlns:p14="http://schemas.microsoft.com/office/powerpoint/2010/main" val="1343018909"/>
+        <p14:creationId xmlns:p14="http://schemas.microsoft.com/office/powerpoint/2010/main" val="2563405237"/>
       </p:ext>
     </p:extLst>
   </p:cSld>
@@ -838,7 +881,24 @@
           <a:p>
             <a:r>
               <a:rPr lang="en-US" dirty="0"/>
-              <a:t>In the constructor of this sample Controller, we’re passing in a parameter of the type </a:t>
+              <a:t>There is a special method in ASP.NET called </a:t>
+            </a:r>
+            <a:r>
+              <a:rPr lang="en-US" dirty="0" err="1"/>
+              <a:t>ConfigureServices</a:t>
+            </a:r>
+            <a:r>
+              <a:rPr lang="en-US" dirty="0"/>
+              <a:t>, and it’s job is to set up dependency injection throughout ASP.NET.</a:t>
+            </a:r>
+          </a:p>
+          <a:p>
+            <a:endParaRPr lang="en-US" dirty="0"/>
+          </a:p>
+          <a:p>
+            <a:r>
+              <a:rPr lang="en-US" dirty="0"/>
+              <a:t>In this method, we can tell ASP.NET that whenever one of our controllers or other services ask for an </a:t>
             </a:r>
             <a:r>
               <a:rPr lang="en-US" dirty="0" err="1"/>
@@ -846,15 +906,24 @@
             </a:r>
             <a:r>
               <a:rPr lang="en-US" dirty="0"/>
-              <a:t>.  Since it’s “I” </a:t>
+              <a:t>, it should create a new instance of a </a:t>
             </a:r>
             <a:r>
               <a:rPr lang="en-US" dirty="0" err="1"/>
-              <a:t>ProductRepository</a:t>
+              <a:t>SqlProductRepository</a:t>
             </a:r>
             <a:r>
               <a:rPr lang="en-US" dirty="0"/>
-              <a:t>, we don’t necessarily care what type of object we get.  All it has to do is implement </a:t>
+              <a:t> and “inject” it into the constructor.</a:t>
+            </a:r>
+          </a:p>
+          <a:p>
+            <a:endParaRPr lang="en-US" dirty="0"/>
+          </a:p>
+          <a:p>
+            <a:r>
+              <a:rPr lang="en-US" dirty="0"/>
+              <a:t>A huge positive of this approach is that if you need to change the implementation of an </a:t>
             </a:r>
             <a:r>
               <a:rPr lang="en-US" dirty="0" err="1"/>
@@ -862,7 +931,15 @@
             </a:r>
             <a:r>
               <a:rPr lang="en-US" dirty="0"/>
-              <a:t> and we’ll be happy.</a:t>
+              <a:t>, say you’ve moved to MongoDB from SQL Server, you just need to write a new implementation and change one line of code in your </a:t>
+            </a:r>
+            <a:r>
+              <a:rPr lang="en-US" dirty="0" err="1"/>
+              <a:t>ConfigureServices</a:t>
+            </a:r>
+            <a:r>
+              <a:rPr lang="en-US" dirty="0"/>
+              <a:t> method.  All your other code should still work without issue!</a:t>
             </a:r>
           </a:p>
           <a:p>
@@ -871,25 +948,17 @@
           <a:p>
             <a:r>
               <a:rPr lang="en-US" dirty="0"/>
-              <a:t>From this code, can you tell me where the content of our “</a:t>
-            </a:r>
-            <a:r>
-              <a:rPr lang="en-US" dirty="0" err="1"/>
-              <a:t>GetProducts</a:t>
-            </a:r>
-            <a:r>
-              <a:rPr lang="en-US" dirty="0"/>
-              <a:t>” call comes from?  SQL Server?  Flat file?  Or is it randomly generated?</a:t>
+              <a:t>Let’s walk through a demo to explain this concept a bit deeper.</a:t>
             </a:r>
           </a:p>
           <a:p>
             <a:endParaRPr lang="en-US" dirty="0"/>
           </a:p>
           <a:p>
-            <a:r>
-              <a:rPr lang="en-US" dirty="0"/>
-              <a:t>You don’t know!  And neither does the controller.  </a:t>
-            </a:r>
+            <a:endParaRPr lang="en-US" dirty="0"/>
+          </a:p>
+          <a:p>
+            <a:endParaRPr lang="en-US" dirty="0"/>
           </a:p>
         </p:txBody>
       </p:sp>
@@ -919,7 +988,7 @@
     </p:spTree>
     <p:extLst>
       <p:ext uri="{BB962C8B-B14F-4D97-AF65-F5344CB8AC3E}">
-        <p14:creationId xmlns:p14="http://schemas.microsoft.com/office/powerpoint/2010/main" val="3034945984"/>
+        <p14:creationId xmlns:p14="http://schemas.microsoft.com/office/powerpoint/2010/main" val="2282552267"/>
       </p:ext>
     </p:extLst>
   </p:cSld>
@@ -975,41 +1044,7 @@
           <a:p>
             <a:r>
               <a:rPr lang="en-US" dirty="0"/>
-              <a:t>One important aspect of Controllers is that you will never be responsible for new-</a:t>
-            </a:r>
-            <a:r>
-              <a:rPr lang="en-US" dirty="0" err="1"/>
-              <a:t>ing</a:t>
-            </a:r>
-            <a:r>
-              <a:rPr lang="en-US" dirty="0"/>
-              <a:t> up a controller instance.  ASP.NET does that for you.</a:t>
-            </a:r>
-          </a:p>
-          <a:p>
-            <a:endParaRPr lang="en-US" dirty="0"/>
-          </a:p>
-          <a:p>
-            <a:r>
-              <a:rPr lang="en-US" dirty="0"/>
-              <a:t>But how does ASP.NET know what type object to put in as our </a:t>
-            </a:r>
-            <a:r>
-              <a:rPr lang="en-US" dirty="0" err="1"/>
-              <a:t>IProductRepository</a:t>
-            </a:r>
-            <a:r>
-              <a:rPr lang="en-US" dirty="0"/>
-              <a:t>?</a:t>
-            </a:r>
-          </a:p>
-          <a:p>
-            <a:endParaRPr lang="en-US" dirty="0"/>
-          </a:p>
-          <a:p>
-            <a:r>
-              <a:rPr lang="en-US" dirty="0"/>
-              <a:t>That’s because we tell it when the application starts up.  </a:t>
+              <a:t>In this section, we’ll build out a simple GET request with ASP.NET and walkthrough a couple of the moving parts.</a:t>
             </a:r>
           </a:p>
         </p:txBody>
@@ -1040,7 +1075,7 @@
     </p:spTree>
     <p:extLst>
       <p:ext uri="{BB962C8B-B14F-4D97-AF65-F5344CB8AC3E}">
-        <p14:creationId xmlns:p14="http://schemas.microsoft.com/office/powerpoint/2010/main" val="2563405237"/>
+        <p14:creationId xmlns:p14="http://schemas.microsoft.com/office/powerpoint/2010/main" val="1930006501"/>
       </p:ext>
     </p:extLst>
   </p:cSld>
@@ -1096,84 +1131,17 @@
           <a:p>
             <a:r>
               <a:rPr lang="en-US" dirty="0"/>
-              <a:t>There is a special method in ASP.NET called </a:t>
-            </a:r>
-            <a:r>
-              <a:rPr lang="en-US" dirty="0" err="1"/>
-              <a:t>ConfigureServices</a:t>
-            </a:r>
+              <a:t>Here is an example of a simple, functional API in ASP.NET.</a:t>
+            </a:r>
+          </a:p>
+          <a:p>
+            <a:endParaRPr lang="en-US" dirty="0"/>
+          </a:p>
+          <a:p>
             <a:r>
               <a:rPr lang="en-US" dirty="0"/>
-              <a:t>, and it’s job is to set up dependency injection throughout ASP.NET.</a:t>
-            </a:r>
-          </a:p>
-          <a:p>
-            <a:endParaRPr lang="en-US" dirty="0"/>
-          </a:p>
-          <a:p>
-            <a:r>
-              <a:rPr lang="en-US" dirty="0"/>
-              <a:t>In this method, we can tell ASP.NET that whenever one of our controllers or other services ask for an </a:t>
-            </a:r>
-            <a:r>
-              <a:rPr lang="en-US" dirty="0" err="1"/>
-              <a:t>IProductRepository</a:t>
-            </a:r>
-            <a:r>
-              <a:rPr lang="en-US" dirty="0"/>
-              <a:t>, it should create a new instance of a </a:t>
-            </a:r>
-            <a:r>
-              <a:rPr lang="en-US" dirty="0" err="1"/>
-              <a:t>SqlProductRepository</a:t>
-            </a:r>
-            <a:r>
-              <a:rPr lang="en-US" dirty="0"/>
-              <a:t> and “inject” it into the constructor.</a:t>
-            </a:r>
-          </a:p>
-          <a:p>
-            <a:endParaRPr lang="en-US" dirty="0"/>
-          </a:p>
-          <a:p>
-            <a:r>
-              <a:rPr lang="en-US" dirty="0"/>
-              <a:t>A huge positive of this approach is that if you need to change the implementation of an </a:t>
-            </a:r>
-            <a:r>
-              <a:rPr lang="en-US" dirty="0" err="1"/>
-              <a:t>IProductRepository</a:t>
-            </a:r>
-            <a:r>
-              <a:rPr lang="en-US" dirty="0"/>
-              <a:t>, say you’ve moved to MongoDB from SQL Server, you just need to write a new implementation and change one line of code in your </a:t>
-            </a:r>
-            <a:r>
-              <a:rPr lang="en-US" dirty="0" err="1"/>
-              <a:t>ConfigureServices</a:t>
-            </a:r>
-            <a:r>
-              <a:rPr lang="en-US" dirty="0"/>
-              <a:t> method.  All your other code should still work without issue!</a:t>
-            </a:r>
-          </a:p>
-          <a:p>
-            <a:endParaRPr lang="en-US" dirty="0"/>
-          </a:p>
-          <a:p>
-            <a:r>
-              <a:rPr lang="en-US" dirty="0"/>
-              <a:t>Let’s walk through a demo to explain this concept a bit deeper.</a:t>
-            </a:r>
-          </a:p>
-          <a:p>
-            <a:endParaRPr lang="en-US" dirty="0"/>
-          </a:p>
-          <a:p>
-            <a:endParaRPr lang="en-US" dirty="0"/>
-          </a:p>
-          <a:p>
-            <a:endParaRPr lang="en-US" dirty="0"/>
+              <a:t>As you’ve probably noticed, it’s a simple class.  But let’s look at some of the pieces required for this class work as a “controller” in ASP.NET.</a:t>
+            </a:r>
           </a:p>
         </p:txBody>
       </p:sp>
@@ -1203,7 +1171,7 @@
     </p:spTree>
     <p:extLst>
       <p:ext uri="{BB962C8B-B14F-4D97-AF65-F5344CB8AC3E}">
-        <p14:creationId xmlns:p14="http://schemas.microsoft.com/office/powerpoint/2010/main" val="2282552267"/>
+        <p14:creationId xmlns:p14="http://schemas.microsoft.com/office/powerpoint/2010/main" val="3166561085"/>
       </p:ext>
     </p:extLst>
   </p:cSld>
@@ -1259,7 +1227,7 @@
           <a:p>
             <a:r>
               <a:rPr lang="en-US" dirty="0"/>
-              <a:t>In this section, we’ll build out a simple GET request with ASP.NET and walkthrough a couple of the moving parts.</a:t>
+              <a:t>ASP.NET identifies controllers in your application by looking for classes that implement the Controller class.  This implementation provides you with all the tools you need to handle multiple types of requests.</a:t>
             </a:r>
           </a:p>
         </p:txBody>
@@ -1290,7 +1258,7 @@
     </p:spTree>
     <p:extLst>
       <p:ext uri="{BB962C8B-B14F-4D97-AF65-F5344CB8AC3E}">
-        <p14:creationId xmlns:p14="http://schemas.microsoft.com/office/powerpoint/2010/main" val="1930006501"/>
+        <p14:creationId xmlns:p14="http://schemas.microsoft.com/office/powerpoint/2010/main" val="3684669708"/>
       </p:ext>
     </p:extLst>
   </p:cSld>
@@ -1345,8 +1313,28 @@
           <a:lstStyle/>
           <a:p>
             <a:r>
+              <a:rPr lang="en-US" dirty="0" err="1"/>
+              <a:t>Sidenote</a:t>
+            </a:r>
+            <a:r>
               <a:rPr lang="en-US" dirty="0"/>
-              <a:t>Here is an example of a simple, functional API in ASP.NET.</a:t>
+              <a:t>: You can also use “</a:t>
+            </a:r>
+            <a:r>
+              <a:rPr lang="en-US" dirty="0" err="1"/>
+              <a:t>ControllerBase</a:t>
+            </a:r>
+            <a:r>
+              <a:rPr lang="en-US" dirty="0"/>
+              <a:t>” for you implementation.  The big difference here is that Controller also contains logic for returning View logic – or Razors.  With API development, this isn’t something you need to worry about, so it’s a small optimization to implement </a:t>
+            </a:r>
+            <a:r>
+              <a:rPr lang="en-US" dirty="0" err="1"/>
+              <a:t>ControllerBase</a:t>
+            </a:r>
+            <a:r>
+              <a:rPr lang="en-US" dirty="0"/>
+              <a:t> instead of just Controller.</a:t>
             </a:r>
           </a:p>
           <a:p>
@@ -1355,7 +1343,7 @@
           <a:p>
             <a:r>
               <a:rPr lang="en-US" dirty="0"/>
-              <a:t>As you’ve probably noticed, it’s a simple class.  But let’s look at some of the pieces required for this class work as a “controller” in ASP.NET.</a:t>
+              <a:t>Either way works for any demos we do though.</a:t>
             </a:r>
           </a:p>
         </p:txBody>
@@ -1386,7 +1374,7 @@
     </p:spTree>
     <p:extLst>
       <p:ext uri="{BB962C8B-B14F-4D97-AF65-F5344CB8AC3E}">
-        <p14:creationId xmlns:p14="http://schemas.microsoft.com/office/powerpoint/2010/main" val="3166561085"/>
+        <p14:creationId xmlns:p14="http://schemas.microsoft.com/office/powerpoint/2010/main" val="1262393550"/>
       </p:ext>
     </p:extLst>
   </p:cSld>
@@ -1442,7 +1430,57 @@
           <a:p>
             <a:r>
               <a:rPr lang="en-US" dirty="0"/>
-              <a:t>ASP.NET identifies controllers in your application by looking for classes that implement the Controller class.  This implementation provides you with all the tools you need to handle multiple types of requests.</a:t>
+              <a:t>Your eye is probably also draw to the decorators on the class and on the Action itself.</a:t>
+            </a:r>
+          </a:p>
+          <a:p>
+            <a:endParaRPr lang="en-US" dirty="0"/>
+          </a:p>
+          <a:p>
+            <a:r>
+              <a:rPr lang="en-US" dirty="0"/>
+              <a:t>The </a:t>
+            </a:r>
+            <a:r>
+              <a:rPr lang="en-US" dirty="0" err="1"/>
+              <a:t>APIController</a:t>
+            </a:r>
+            <a:r>
+              <a:rPr lang="en-US" dirty="0"/>
+              <a:t> attribute is used to help ASP.NET give a heads up that you’re specifically building an API.  It’ll do things like:</a:t>
+            </a:r>
+          </a:p>
+          <a:p>
+            <a:endParaRPr lang="en-US" dirty="0"/>
+          </a:p>
+          <a:p>
+            <a:pPr marL="171450" indent="-171450">
+              <a:buFont typeface="Arial" panose="020B0604020202020204" pitchFamily="34" charset="0"/>
+              <a:buChar char="•"/>
+            </a:pPr>
+            <a:r>
+              <a:rPr lang="en-US" dirty="0"/>
+              <a:t>Enabling automatic 400 Bad Requests if your model binding isn’t valid.</a:t>
+            </a:r>
+          </a:p>
+          <a:p>
+            <a:pPr marL="171450" indent="-171450">
+              <a:buFont typeface="Arial" panose="020B0604020202020204" pitchFamily="34" charset="0"/>
+              <a:buChar char="•"/>
+            </a:pPr>
+            <a:r>
+              <a:rPr lang="en-US" dirty="0"/>
+              <a:t>Assisting you with binding data to models</a:t>
+            </a:r>
+          </a:p>
+          <a:p>
+            <a:pPr marL="171450" indent="-171450">
+              <a:buFont typeface="Arial" panose="020B0604020202020204" pitchFamily="34" charset="0"/>
+              <a:buChar char="•"/>
+            </a:pPr>
+            <a:r>
+              <a:rPr lang="en-US" dirty="0"/>
+              <a:t>And providing better error details</a:t>
             </a:r>
           </a:p>
         </p:txBody>
@@ -1473,7 +1511,7 @@
     </p:spTree>
     <p:extLst>
       <p:ext uri="{BB962C8B-B14F-4D97-AF65-F5344CB8AC3E}">
-        <p14:creationId xmlns:p14="http://schemas.microsoft.com/office/powerpoint/2010/main" val="3684669708"/>
+        <p14:creationId xmlns:p14="http://schemas.microsoft.com/office/powerpoint/2010/main" val="2912713381"/>
       </p:ext>
     </p:extLst>
   </p:cSld>
@@ -1528,28 +1566,41 @@
           <a:lstStyle/>
           <a:p>
             <a:r>
+              <a:rPr lang="en-US" dirty="0"/>
+              <a:t>The “Route” attribute and the “</a:t>
+            </a:r>
+            <a:r>
               <a:rPr lang="en-US" dirty="0" err="1"/>
-              <a:t>Sidenote</a:t>
+              <a:t>HttpGet</a:t>
             </a:r>
             <a:r>
               <a:rPr lang="en-US" dirty="0"/>
-              <a:t>: You can also use “</a:t>
+              <a:t>” attribute tell ASP.NET which paths and verbs should direct to this controller, and specifically which action.</a:t>
+            </a:r>
+          </a:p>
+          <a:p>
+            <a:endParaRPr lang="en-US" dirty="0"/>
+          </a:p>
+          <a:p>
+            <a:r>
+              <a:rPr lang="en-US" dirty="0"/>
+              <a:t>We have an entire section on routing, but this example says that the </a:t>
             </a:r>
             <a:r>
               <a:rPr lang="en-US" dirty="0" err="1"/>
-              <a:t>ControllerBase</a:t>
+              <a:t>ProductsController</a:t>
             </a:r>
             <a:r>
               <a:rPr lang="en-US" dirty="0"/>
-              <a:t>” for you implementation.  The big difference here is that Controller also contains logic for returning View logic – or Razors.  With API development, this isn’t something you need to worry about, so it’s a small optimization to implement </a:t>
+              <a:t> handles all requests that begin with </a:t>
             </a:r>
             <a:r>
               <a:rPr lang="en-US" dirty="0" err="1"/>
-              <a:t>ControllerBase</a:t>
+              <a:t>api</a:t>
             </a:r>
             <a:r>
               <a:rPr lang="en-US" dirty="0"/>
-              <a:t> instead of just Controller.</a:t>
+              <a:t>/products.  But it doesn’t specify any verbs!</a:t>
             </a:r>
           </a:p>
           <a:p>
@@ -1558,7 +1609,16 @@
           <a:p>
             <a:r>
               <a:rPr lang="en-US" dirty="0"/>
-              <a:t>Either way works for any demos we do though.</a:t>
+              <a:t>The Get() action does though, by adding an attribute saying that any GET request to this controller should go through the Get action.</a:t>
+            </a:r>
+          </a:p>
+          <a:p>
+            <a:endParaRPr lang="en-US" dirty="0"/>
+          </a:p>
+          <a:p>
+            <a:r>
+              <a:rPr lang="en-US" dirty="0"/>
+              <a:t>Note:  In most cases, the name of the method doesn’t matter.  But we’ll cover that more later.</a:t>
             </a:r>
           </a:p>
         </p:txBody>
@@ -1589,7 +1649,7 @@
     </p:spTree>
     <p:extLst>
       <p:ext uri="{BB962C8B-B14F-4D97-AF65-F5344CB8AC3E}">
-        <p14:creationId xmlns:p14="http://schemas.microsoft.com/office/powerpoint/2010/main" val="1262393550"/>
+        <p14:creationId xmlns:p14="http://schemas.microsoft.com/office/powerpoint/2010/main" val="3492296990"/>
       </p:ext>
     </p:extLst>
   </p:cSld>
@@ -1645,7 +1705,23 @@
           <a:p>
             <a:r>
               <a:rPr lang="en-US" dirty="0"/>
-              <a:t>Your eye is probably also draw to the decorators on the class and on the Action itself.</a:t>
+              <a:t>If someone were to make a GET request to </a:t>
+            </a:r>
+            <a:r>
+              <a:rPr lang="en-US" dirty="0" err="1"/>
+              <a:t>api</a:t>
+            </a:r>
+            <a:r>
+              <a:rPr lang="en-US" dirty="0"/>
+              <a:t>/products – ASP.NET will instantiate our </a:t>
+            </a:r>
+            <a:r>
+              <a:rPr lang="en-US" dirty="0" err="1"/>
+              <a:t>ProductsController</a:t>
+            </a:r>
+            <a:r>
+              <a:rPr lang="en-US" dirty="0"/>
+              <a:t> and call the GET action.  </a:t>
             </a:r>
           </a:p>
           <a:p>
@@ -1654,49 +1730,22 @@
           <a:p>
             <a:r>
               <a:rPr lang="en-US" dirty="0"/>
-              <a:t>The </a:t>
+              <a:t>This action will make a call to our </a:t>
             </a:r>
             <a:r>
               <a:rPr lang="en-US" dirty="0" err="1"/>
-              <a:t>APIController</a:t>
+              <a:t>ProductRepository</a:t>
             </a:r>
             <a:r>
               <a:rPr lang="en-US" dirty="0"/>
-              <a:t> attribute is used to help ASP.NET give a heads up that you’re specifically building an API.  It’ll do things like:</a:t>
+              <a:t>, and return the results.</a:t>
             </a:r>
           </a:p>
           <a:p>
             <a:endParaRPr lang="en-US" dirty="0"/>
           </a:p>
           <a:p>
-            <a:pPr marL="171450" indent="-171450">
-              <a:buFont typeface="Arial" panose="020B0604020202020204" pitchFamily="34" charset="0"/>
-              <a:buChar char="•"/>
-            </a:pPr>
-            <a:r>
-              <a:rPr lang="en-US" dirty="0"/>
-              <a:t>Enabling automatic 400 Bad Requests if your model binding isn’t valid.</a:t>
-            </a:r>
-          </a:p>
-          <a:p>
-            <a:pPr marL="171450" indent="-171450">
-              <a:buFont typeface="Arial" panose="020B0604020202020204" pitchFamily="34" charset="0"/>
-              <a:buChar char="•"/>
-            </a:pPr>
-            <a:r>
-              <a:rPr lang="en-US" dirty="0"/>
-              <a:t>Assisting you with binding data to models</a:t>
-            </a:r>
-          </a:p>
-          <a:p>
-            <a:pPr marL="171450" indent="-171450">
-              <a:buFont typeface="Arial" panose="020B0604020202020204" pitchFamily="34" charset="0"/>
-              <a:buChar char="•"/>
-            </a:pPr>
-            <a:r>
-              <a:rPr lang="en-US" dirty="0"/>
-              <a:t>And providing better error details</a:t>
-            </a:r>
+            <a:endParaRPr lang="en-US" dirty="0"/>
           </a:p>
         </p:txBody>
       </p:sp>
@@ -1726,7 +1775,7 @@
     </p:spTree>
     <p:extLst>
       <p:ext uri="{BB962C8B-B14F-4D97-AF65-F5344CB8AC3E}">
-        <p14:creationId xmlns:p14="http://schemas.microsoft.com/office/powerpoint/2010/main" val="2912713381"/>
+        <p14:creationId xmlns:p14="http://schemas.microsoft.com/office/powerpoint/2010/main" val="2818846197"/>
       </p:ext>
     </p:extLst>
   </p:cSld>
@@ -1887,15 +1936,16 @@
           <a:p>
             <a:r>
               <a:rPr lang="en-US" dirty="0"/>
-              <a:t>The “Route” attribute and the “</a:t>
-            </a:r>
-            <a:r>
-              <a:rPr lang="en-US" dirty="0" err="1"/>
-              <a:t>HttpGet</a:t>
-            </a:r>
+              <a:t>The return statement is special too!</a:t>
+            </a:r>
+          </a:p>
+          <a:p>
+            <a:endParaRPr lang="en-US" dirty="0"/>
+          </a:p>
+          <a:p>
             <a:r>
               <a:rPr lang="en-US" dirty="0"/>
-              <a:t>” attribute tell ASP.NET which paths and verbs should direct to this controller, and specifically which action.</a:t>
+              <a:t>Returning the OK method creates a 200 OK response, with the content of the products as the payload.  This list of products will be converted into JSON and sent to the client for use.</a:t>
             </a:r>
           </a:p>
           <a:p>
@@ -1904,41 +1954,7 @@
           <a:p>
             <a:r>
               <a:rPr lang="en-US" dirty="0"/>
-              <a:t>We have an entire section on routing, but this example says that the </a:t>
-            </a:r>
-            <a:r>
-              <a:rPr lang="en-US" dirty="0" err="1"/>
-              <a:t>ProductsController</a:t>
-            </a:r>
-            <a:r>
-              <a:rPr lang="en-US" dirty="0"/>
-              <a:t> handles all requests that begin with </a:t>
-            </a:r>
-            <a:r>
-              <a:rPr lang="en-US" dirty="0" err="1"/>
-              <a:t>api</a:t>
-            </a:r>
-            <a:r>
-              <a:rPr lang="en-US" dirty="0"/>
-              <a:t>/products.  But it doesn’t specify any verbs!</a:t>
-            </a:r>
-          </a:p>
-          <a:p>
-            <a:endParaRPr lang="en-US" dirty="0"/>
-          </a:p>
-          <a:p>
-            <a:r>
-              <a:rPr lang="en-US" dirty="0"/>
-              <a:t>The Get() action does though, by adding an attribute saying that any GET request to this controller should go through the Get action.</a:t>
-            </a:r>
-          </a:p>
-          <a:p>
-            <a:endParaRPr lang="en-US" dirty="0"/>
-          </a:p>
-          <a:p>
-            <a:r>
-              <a:rPr lang="en-US" dirty="0"/>
-              <a:t>Note:  In most cases, the name of the method doesn’t matter.  But we’ll cover that more later.</a:t>
+              <a:t>Let’s walk through this simple GET request with a demo.</a:t>
             </a:r>
           </a:p>
         </p:txBody>
@@ -1961,237 +1977,6 @@
             <a:fld id="{19E56CA5-A4C7-44F7-B25A-6562DA384307}" type="slidenum">
               <a:rPr lang="en-US" smtClean="0"/>
               <a:t>25</a:t>
-            </a:fld>
-            <a:endParaRPr lang="en-US"/>
-          </a:p>
-        </p:txBody>
-      </p:sp>
-    </p:spTree>
-    <p:extLst>
-      <p:ext uri="{BB962C8B-B14F-4D97-AF65-F5344CB8AC3E}">
-        <p14:creationId xmlns:p14="http://schemas.microsoft.com/office/powerpoint/2010/main" val="3492296990"/>
-      </p:ext>
-    </p:extLst>
-  </p:cSld>
-  <p:clrMapOvr>
-    <a:masterClrMapping/>
-  </p:clrMapOvr>
-</p:notes>
-</file>
-
-<file path=ppt/notesSlides/notesSlide21.xml><?xml version="1.0" encoding="utf-8"?>
-<p:notes xmlns:a="http://schemas.openxmlformats.org/drawingml/2006/main" xmlns:r="http://schemas.openxmlformats.org/officeDocument/2006/relationships" xmlns:p="http://schemas.openxmlformats.org/presentationml/2006/main">
-  <p:cSld>
-    <p:spTree>
-      <p:nvGrpSpPr>
-        <p:cNvPr id="1" name=""/>
-        <p:cNvGrpSpPr/>
-        <p:nvPr/>
-      </p:nvGrpSpPr>
-      <p:grpSpPr>
-        <a:xfrm>
-          <a:off x="0" y="0"/>
-          <a:ext cx="0" cy="0"/>
-          <a:chOff x="0" y="0"/>
-          <a:chExt cx="0" cy="0"/>
-        </a:xfrm>
-      </p:grpSpPr>
-      <p:sp>
-        <p:nvSpPr>
-          <p:cNvPr id="2" name="Slide Image Placeholder 1"/>
-          <p:cNvSpPr>
-            <a:spLocks noGrp="1" noRot="1" noChangeAspect="1"/>
-          </p:cNvSpPr>
-          <p:nvPr>
-            <p:ph type="sldImg"/>
-          </p:nvPr>
-        </p:nvSpPr>
-        <p:spPr/>
-      </p:sp>
-      <p:sp>
-        <p:nvSpPr>
-          <p:cNvPr id="3" name="Notes Placeholder 2"/>
-          <p:cNvSpPr>
-            <a:spLocks noGrp="1"/>
-          </p:cNvSpPr>
-          <p:nvPr>
-            <p:ph type="body" idx="1"/>
-          </p:nvPr>
-        </p:nvSpPr>
-        <p:spPr/>
-        <p:txBody>
-          <a:bodyPr/>
-          <a:lstStyle/>
-          <a:p>
-            <a:r>
-              <a:rPr lang="en-US" dirty="0"/>
-              <a:t>If someone were to make a GET request to </a:t>
-            </a:r>
-            <a:r>
-              <a:rPr lang="en-US" dirty="0" err="1"/>
-              <a:t>api</a:t>
-            </a:r>
-            <a:r>
-              <a:rPr lang="en-US" dirty="0"/>
-              <a:t>/products – ASP.NET will instantiate our </a:t>
-            </a:r>
-            <a:r>
-              <a:rPr lang="en-US" dirty="0" err="1"/>
-              <a:t>ProductsController</a:t>
-            </a:r>
-            <a:r>
-              <a:rPr lang="en-US" dirty="0"/>
-              <a:t> and call the GET action.  </a:t>
-            </a:r>
-          </a:p>
-          <a:p>
-            <a:endParaRPr lang="en-US" dirty="0"/>
-          </a:p>
-          <a:p>
-            <a:r>
-              <a:rPr lang="en-US" dirty="0"/>
-              <a:t>This action will make a call to our </a:t>
-            </a:r>
-            <a:r>
-              <a:rPr lang="en-US" dirty="0" err="1"/>
-              <a:t>ProductRepository</a:t>
-            </a:r>
-            <a:r>
-              <a:rPr lang="en-US" dirty="0"/>
-              <a:t>, and return the results.</a:t>
-            </a:r>
-          </a:p>
-          <a:p>
-            <a:endParaRPr lang="en-US" dirty="0"/>
-          </a:p>
-          <a:p>
-            <a:endParaRPr lang="en-US" dirty="0"/>
-          </a:p>
-        </p:txBody>
-      </p:sp>
-      <p:sp>
-        <p:nvSpPr>
-          <p:cNvPr id="4" name="Slide Number Placeholder 3"/>
-          <p:cNvSpPr>
-            <a:spLocks noGrp="1"/>
-          </p:cNvSpPr>
-          <p:nvPr>
-            <p:ph type="sldNum" sz="quarter" idx="5"/>
-          </p:nvPr>
-        </p:nvSpPr>
-        <p:spPr/>
-        <p:txBody>
-          <a:bodyPr/>
-          <a:lstStyle/>
-          <a:p>
-            <a:fld id="{19E56CA5-A4C7-44F7-B25A-6562DA384307}" type="slidenum">
-              <a:rPr lang="en-US" smtClean="0"/>
-              <a:t>26</a:t>
-            </a:fld>
-            <a:endParaRPr lang="en-US"/>
-          </a:p>
-        </p:txBody>
-      </p:sp>
-    </p:spTree>
-    <p:extLst>
-      <p:ext uri="{BB962C8B-B14F-4D97-AF65-F5344CB8AC3E}">
-        <p14:creationId xmlns:p14="http://schemas.microsoft.com/office/powerpoint/2010/main" val="2818846197"/>
-      </p:ext>
-    </p:extLst>
-  </p:cSld>
-  <p:clrMapOvr>
-    <a:masterClrMapping/>
-  </p:clrMapOvr>
-</p:notes>
-</file>
-
-<file path=ppt/notesSlides/notesSlide22.xml><?xml version="1.0" encoding="utf-8"?>
-<p:notes xmlns:a="http://schemas.openxmlformats.org/drawingml/2006/main" xmlns:r="http://schemas.openxmlformats.org/officeDocument/2006/relationships" xmlns:p="http://schemas.openxmlformats.org/presentationml/2006/main">
-  <p:cSld>
-    <p:spTree>
-      <p:nvGrpSpPr>
-        <p:cNvPr id="1" name=""/>
-        <p:cNvGrpSpPr/>
-        <p:nvPr/>
-      </p:nvGrpSpPr>
-      <p:grpSpPr>
-        <a:xfrm>
-          <a:off x="0" y="0"/>
-          <a:ext cx="0" cy="0"/>
-          <a:chOff x="0" y="0"/>
-          <a:chExt cx="0" cy="0"/>
-        </a:xfrm>
-      </p:grpSpPr>
-      <p:sp>
-        <p:nvSpPr>
-          <p:cNvPr id="2" name="Slide Image Placeholder 1"/>
-          <p:cNvSpPr>
-            <a:spLocks noGrp="1" noRot="1" noChangeAspect="1"/>
-          </p:cNvSpPr>
-          <p:nvPr>
-            <p:ph type="sldImg"/>
-          </p:nvPr>
-        </p:nvSpPr>
-        <p:spPr/>
-      </p:sp>
-      <p:sp>
-        <p:nvSpPr>
-          <p:cNvPr id="3" name="Notes Placeholder 2"/>
-          <p:cNvSpPr>
-            <a:spLocks noGrp="1"/>
-          </p:cNvSpPr>
-          <p:nvPr>
-            <p:ph type="body" idx="1"/>
-          </p:nvPr>
-        </p:nvSpPr>
-        <p:spPr/>
-        <p:txBody>
-          <a:bodyPr/>
-          <a:lstStyle/>
-          <a:p>
-            <a:r>
-              <a:rPr lang="en-US" dirty="0"/>
-              <a:t>The return statement is special too!</a:t>
-            </a:r>
-          </a:p>
-          <a:p>
-            <a:endParaRPr lang="en-US" dirty="0"/>
-          </a:p>
-          <a:p>
-            <a:r>
-              <a:rPr lang="en-US" dirty="0"/>
-              <a:t>Returning the OK method creates a 200 OK response, with the content of the products as the payload.  This list of products will be converted into JSON and sent to the client for use.</a:t>
-            </a:r>
-          </a:p>
-          <a:p>
-            <a:endParaRPr lang="en-US" dirty="0"/>
-          </a:p>
-          <a:p>
-            <a:r>
-              <a:rPr lang="en-US" dirty="0"/>
-              <a:t>Let’s walk through this simple GET request with a demo.</a:t>
-            </a:r>
-          </a:p>
-        </p:txBody>
-      </p:sp>
-      <p:sp>
-        <p:nvSpPr>
-          <p:cNvPr id="4" name="Slide Number Placeholder 3"/>
-          <p:cNvSpPr>
-            <a:spLocks noGrp="1"/>
-          </p:cNvSpPr>
-          <p:nvPr>
-            <p:ph type="sldNum" sz="quarter" idx="5"/>
-          </p:nvPr>
-        </p:nvSpPr>
-        <p:spPr/>
-        <p:txBody>
-          <a:bodyPr/>
-          <a:lstStyle/>
-          <a:p>
-            <a:fld id="{19E56CA5-A4C7-44F7-B25A-6562DA384307}" type="slidenum">
-              <a:rPr lang="en-US" smtClean="0"/>
-              <a:t>27</a:t>
             </a:fld>
             <a:endParaRPr lang="en-US"/>
           </a:p>
@@ -2687,7 +2472,7 @@
           <a:p>
             <a:r>
               <a:rPr lang="en-US" dirty="0"/>
-              <a:t>We’re going to spend a lot of time building and customizing controllers, but there are a couple keys to keep in mind </a:t>
+              <a:t>Controllers should validate access.</a:t>
             </a:r>
           </a:p>
           <a:p>
@@ -2696,7 +2481,7 @@
           <a:p>
             <a:r>
               <a:rPr lang="en-US" dirty="0"/>
-              <a:t>First – your controllers should be dumb.  There should be very little business logic in controllers.  If you’re API is designed to return a list of products, your controller shouldn’t know the database where the products are.  It shouldn’t know how to connect to the database. </a:t>
+              <a:t>Remember – never trust anything from the client.  That includes who they say they are.  If you need to protect your endpoints, it’s important that you ensure the requests coming in are able to perform the actions they’re requesting.  </a:t>
             </a:r>
           </a:p>
           <a:p>
@@ -2705,17 +2490,14 @@
           <a:p>
             <a:r>
               <a:rPr lang="en-US" dirty="0"/>
-              <a:t>Your controller should be able to ask a repository or a service to get a list of products and then the controller can return them.</a:t>
+              <a:t>Imagine you’re building a Users Controller, and you have a Delete action that can potentially delete one or more users from your systems.  You’d like to ensure that anyone that makes that call is authorized to do so!</a:t>
             </a:r>
           </a:p>
           <a:p>
             <a:endParaRPr lang="en-US" dirty="0"/>
           </a:p>
           <a:p>
-            <a:r>
-              <a:rPr lang="en-US" dirty="0"/>
-              <a:t>But your controller should rarely have business logic inside of it.  All the example we’ll do in this course practice this concept.</a:t>
-            </a:r>
+            <a:endParaRPr lang="en-US" dirty="0"/>
           </a:p>
         </p:txBody>
       </p:sp>
@@ -2745,7 +2527,7 @@
     </p:spTree>
     <p:extLst>
       <p:ext uri="{BB962C8B-B14F-4D97-AF65-F5344CB8AC3E}">
-        <p14:creationId xmlns:p14="http://schemas.microsoft.com/office/powerpoint/2010/main" val="4058249931"/>
+        <p14:creationId xmlns:p14="http://schemas.microsoft.com/office/powerpoint/2010/main" val="328453591"/>
       </p:ext>
     </p:extLst>
   </p:cSld>
@@ -2801,25 +2583,7 @@
           <a:p>
             <a:r>
               <a:rPr lang="en-US" dirty="0"/>
-              <a:t>Controllers should validate inputs.</a:t>
-            </a:r>
-          </a:p>
-          <a:p>
-            <a:endParaRPr lang="en-US" dirty="0"/>
-          </a:p>
-          <a:p>
-            <a:r>
-              <a:rPr lang="en-US" dirty="0"/>
-              <a:t>We’ll talk more about this in the future, but there is a simple rule in API design and that is you should never trust the client sending you data.  Validate EVERYTHING if it is critical to your application performing correctly.</a:t>
-            </a:r>
-          </a:p>
-          <a:p>
-            <a:endParaRPr lang="en-US" dirty="0"/>
-          </a:p>
-          <a:p>
-            <a:r>
-              <a:rPr lang="en-US" dirty="0"/>
-              <a:t>There are great tools built into ASP.NET to assist you with this process.</a:t>
+              <a:t>In this section, we’re going to cover dependency injection.  What is it, why you should use it, and how to take advantage of it in your APIs.</a:t>
             </a:r>
           </a:p>
         </p:txBody>
@@ -2850,7 +2614,7 @@
     </p:spTree>
     <p:extLst>
       <p:ext uri="{BB962C8B-B14F-4D97-AF65-F5344CB8AC3E}">
-        <p14:creationId xmlns:p14="http://schemas.microsoft.com/office/powerpoint/2010/main" val="1686043086"/>
+        <p14:creationId xmlns:p14="http://schemas.microsoft.com/office/powerpoint/2010/main" val="2157760823"/>
       </p:ext>
     </p:extLst>
   </p:cSld>
@@ -2906,7 +2670,7 @@
           <a:p>
             <a:r>
               <a:rPr lang="en-US" dirty="0"/>
-              <a:t>Controllers should validate access.</a:t>
+              <a:t>I know what you’re probably thinking.  Why is dependency injection a topic in a course on building APIs?</a:t>
             </a:r>
           </a:p>
           <a:p>
@@ -2915,7 +2679,7 @@
           <a:p>
             <a:r>
               <a:rPr lang="en-US" dirty="0"/>
-              <a:t>Remember – never trust anything from the client.  That includes who they say they are.  If you need to protect your endpoints, it’s important that you ensure the requests coming in are able to perform the actions they’re requesting.  </a:t>
+              <a:t>And that’s a great question.  The quick answer is because you’re going to use it EVERYWHERE.  </a:t>
             </a:r>
           </a:p>
           <a:p>
@@ -2924,11 +2688,26 @@
           <a:p>
             <a:r>
               <a:rPr lang="en-US" dirty="0"/>
-              <a:t>Imagine you’re building a Users Controller, and you have a Delete action that can potentially delete one or more users from your systems.  You’d like to ensure that anyone that makes that call is authorized to do so!</a:t>
+              <a:t>If you’re new to dependency injection, let’s discuss a little bit of what it is?</a:t>
             </a:r>
           </a:p>
           <a:p>
             <a:endParaRPr lang="en-US" dirty="0"/>
+          </a:p>
+          <a:p>
+            <a:r>
+              <a:rPr lang="en-US" dirty="0"/>
+              <a:t>We’ve previously talked about that Controllers in ASP.NET should be dumb – or not have much business logic in them.  But how do you go about telling your controllers where they can go to perform these actions?  </a:t>
+            </a:r>
+          </a:p>
+          <a:p>
+            <a:endParaRPr lang="en-US" dirty="0"/>
+          </a:p>
+          <a:p>
+            <a:r>
+              <a:rPr lang="en-US" dirty="0"/>
+              <a:t>It’s best practice for this to be done via dependency injection.</a:t>
+            </a:r>
           </a:p>
           <a:p>
             <a:endParaRPr lang="en-US" dirty="0"/>
@@ -2961,7 +2740,7 @@
     </p:spTree>
     <p:extLst>
       <p:ext uri="{BB962C8B-B14F-4D97-AF65-F5344CB8AC3E}">
-        <p14:creationId xmlns:p14="http://schemas.microsoft.com/office/powerpoint/2010/main" val="328453591"/>
+        <p14:creationId xmlns:p14="http://schemas.microsoft.com/office/powerpoint/2010/main" val="1343018909"/>
       </p:ext>
     </p:extLst>
   </p:cSld>
@@ -3118,7 +2897,7 @@
           <a:p>
             <a:fld id="{52B491D6-D58D-44B5-AD9D-0243D7ABB41E}" type="datetimeFigureOut">
               <a:rPr lang="en-US" smtClean="0"/>
-              <a:t>8/16/2021</a:t>
+              <a:t>8/17/2021</a:t>
             </a:fld>
             <a:endParaRPr lang="en-US"/>
           </a:p>
@@ -3316,7 +3095,7 @@
           <a:p>
             <a:fld id="{52B491D6-D58D-44B5-AD9D-0243D7ABB41E}" type="datetimeFigureOut">
               <a:rPr lang="en-US" smtClean="0"/>
-              <a:t>8/16/2021</a:t>
+              <a:t>8/17/2021</a:t>
             </a:fld>
             <a:endParaRPr lang="en-US"/>
           </a:p>
@@ -3524,7 +3303,7 @@
           <a:p>
             <a:fld id="{52B491D6-D58D-44B5-AD9D-0243D7ABB41E}" type="datetimeFigureOut">
               <a:rPr lang="en-US" smtClean="0"/>
-              <a:t>8/16/2021</a:t>
+              <a:t>8/17/2021</a:t>
             </a:fld>
             <a:endParaRPr lang="en-US"/>
           </a:p>
@@ -4719,7 +4498,7 @@
           <a:p>
             <a:fld id="{52B491D6-D58D-44B5-AD9D-0243D7ABB41E}" type="datetimeFigureOut">
               <a:rPr lang="en-US" smtClean="0"/>
-              <a:t>8/16/2021</a:t>
+              <a:t>8/17/2021</a:t>
             </a:fld>
             <a:endParaRPr lang="en-US"/>
           </a:p>
@@ -4994,7 +4773,7 @@
           <a:p>
             <a:fld id="{52B491D6-D58D-44B5-AD9D-0243D7ABB41E}" type="datetimeFigureOut">
               <a:rPr lang="en-US" smtClean="0"/>
-              <a:t>8/16/2021</a:t>
+              <a:t>8/17/2021</a:t>
             </a:fld>
             <a:endParaRPr lang="en-US"/>
           </a:p>
@@ -5259,7 +5038,7 @@
           <a:p>
             <a:fld id="{52B491D6-D58D-44B5-AD9D-0243D7ABB41E}" type="datetimeFigureOut">
               <a:rPr lang="en-US" smtClean="0"/>
-              <a:t>8/16/2021</a:t>
+              <a:t>8/17/2021</a:t>
             </a:fld>
             <a:endParaRPr lang="en-US"/>
           </a:p>
@@ -5671,7 +5450,7 @@
           <a:p>
             <a:fld id="{52B491D6-D58D-44B5-AD9D-0243D7ABB41E}" type="datetimeFigureOut">
               <a:rPr lang="en-US" smtClean="0"/>
-              <a:t>8/16/2021</a:t>
+              <a:t>8/17/2021</a:t>
             </a:fld>
             <a:endParaRPr lang="en-US"/>
           </a:p>
@@ -5812,7 +5591,7 @@
           <a:p>
             <a:fld id="{52B491D6-D58D-44B5-AD9D-0243D7ABB41E}" type="datetimeFigureOut">
               <a:rPr lang="en-US" smtClean="0"/>
-              <a:t>8/16/2021</a:t>
+              <a:t>8/17/2021</a:t>
             </a:fld>
             <a:endParaRPr lang="en-US"/>
           </a:p>
@@ -5925,7 +5704,7 @@
           <a:p>
             <a:fld id="{52B491D6-D58D-44B5-AD9D-0243D7ABB41E}" type="datetimeFigureOut">
               <a:rPr lang="en-US" smtClean="0"/>
-              <a:t>8/16/2021</a:t>
+              <a:t>8/17/2021</a:t>
             </a:fld>
             <a:endParaRPr lang="en-US"/>
           </a:p>
@@ -6236,7 +6015,7 @@
           <a:p>
             <a:fld id="{52B491D6-D58D-44B5-AD9D-0243D7ABB41E}" type="datetimeFigureOut">
               <a:rPr lang="en-US" smtClean="0"/>
-              <a:t>8/16/2021</a:t>
+              <a:t>8/17/2021</a:t>
             </a:fld>
             <a:endParaRPr lang="en-US"/>
           </a:p>
@@ -6524,7 +6303,7 @@
           <a:p>
             <a:fld id="{52B491D6-D58D-44B5-AD9D-0243D7ABB41E}" type="datetimeFigureOut">
               <a:rPr lang="en-US" smtClean="0"/>
-              <a:t>8/16/2021</a:t>
+              <a:t>8/17/2021</a:t>
             </a:fld>
             <a:endParaRPr lang="en-US"/>
           </a:p>
@@ -6765,7 +6544,7 @@
           <a:p>
             <a:fld id="{52B491D6-D58D-44B5-AD9D-0243D7ABB41E}" type="datetimeFigureOut">
               <a:rPr lang="en-US" smtClean="0"/>
-              <a:t>8/16/2021</a:t>
+              <a:t>8/17/2021</a:t>
             </a:fld>
             <a:endParaRPr lang="en-US"/>
           </a:p>
@@ -9083,12 +8862,24 @@
               <a:t>Controllers should be dumb</a:t>
             </a:r>
           </a:p>
+          <a:p>
+            <a:r>
+              <a:rPr lang="en-US" dirty="0"/>
+              <a:t>Controllers should validate inputs</a:t>
+            </a:r>
+          </a:p>
+          <a:p>
+            <a:r>
+              <a:rPr lang="en-US" dirty="0"/>
+              <a:t>Controllers should validate access</a:t>
+            </a:r>
+          </a:p>
         </p:txBody>
       </p:sp>
     </p:spTree>
     <p:extLst>
       <p:ext uri="{BB962C8B-B14F-4D97-AF65-F5344CB8AC3E}">
-        <p14:creationId xmlns:p14="http://schemas.microsoft.com/office/powerpoint/2010/main" val="3208252429"/>
+        <p14:creationId xmlns:p14="http://schemas.microsoft.com/office/powerpoint/2010/main" val="1731518143"/>
       </p:ext>
     </p:extLst>
   </p:cSld>
@@ -9117,200 +8908,6 @@
       </p:grpSpPr>
       <p:sp>
         <p:nvSpPr>
-          <p:cNvPr id="2" name="Title 1">
-            <a:extLst>
-              <a:ext uri="{FF2B5EF4-FFF2-40B4-BE49-F238E27FC236}">
-                <a16:creationId xmlns:a16="http://schemas.microsoft.com/office/drawing/2014/main" id="{BDD829F1-6718-410F-8461-AF2FF4D71BF5}"/>
-              </a:ext>
-            </a:extLst>
-          </p:cNvPr>
-          <p:cNvSpPr>
-            <a:spLocks noGrp="1"/>
-          </p:cNvSpPr>
-          <p:nvPr>
-            <p:ph type="title"/>
-          </p:nvPr>
-        </p:nvSpPr>
-        <p:spPr/>
-        <p:txBody>
-          <a:bodyPr>
-            <a:normAutofit/>
-          </a:bodyPr>
-          <a:lstStyle/>
-          <a:p>
-            <a:r>
-              <a:rPr lang="en-US" dirty="0"/>
-              <a:t>Simple Rules for Controllers</a:t>
-            </a:r>
-          </a:p>
-        </p:txBody>
-      </p:sp>
-      <p:sp>
-        <p:nvSpPr>
-          <p:cNvPr id="6" name="Text Placeholder 5">
-            <a:extLst>
-              <a:ext uri="{FF2B5EF4-FFF2-40B4-BE49-F238E27FC236}">
-                <a16:creationId xmlns:a16="http://schemas.microsoft.com/office/drawing/2014/main" id="{7D443984-18C1-48F7-9CE1-810FB76DAC75}"/>
-              </a:ext>
-            </a:extLst>
-          </p:cNvPr>
-          <p:cNvSpPr>
-            <a:spLocks noGrp="1"/>
-          </p:cNvSpPr>
-          <p:nvPr>
-            <p:ph idx="1"/>
-          </p:nvPr>
-        </p:nvSpPr>
-        <p:spPr/>
-        <p:txBody>
-          <a:bodyPr/>
-          <a:lstStyle/>
-          <a:p>
-            <a:r>
-              <a:rPr lang="en-US" dirty="0"/>
-              <a:t>Controllers should be dumb</a:t>
-            </a:r>
-          </a:p>
-          <a:p>
-            <a:r>
-              <a:rPr lang="en-US" dirty="0"/>
-              <a:t>Controllers should validate inputs</a:t>
-            </a:r>
-          </a:p>
-        </p:txBody>
-      </p:sp>
-    </p:spTree>
-    <p:extLst>
-      <p:ext uri="{BB962C8B-B14F-4D97-AF65-F5344CB8AC3E}">
-        <p14:creationId xmlns:p14="http://schemas.microsoft.com/office/powerpoint/2010/main" val="2964943869"/>
-      </p:ext>
-    </p:extLst>
-  </p:cSld>
-  <p:clrMapOvr>
-    <a:masterClrMapping/>
-  </p:clrMapOvr>
-</p:sld>
-</file>
-
-<file path=ppt/slides/slide14.xml><?xml version="1.0" encoding="utf-8"?>
-<p:sld xmlns:a="http://schemas.openxmlformats.org/drawingml/2006/main" xmlns:r="http://schemas.openxmlformats.org/officeDocument/2006/relationships" xmlns:p="http://schemas.openxmlformats.org/presentationml/2006/main">
-  <p:cSld>
-    <p:spTree>
-      <p:nvGrpSpPr>
-        <p:cNvPr id="1" name=""/>
-        <p:cNvGrpSpPr/>
-        <p:nvPr/>
-      </p:nvGrpSpPr>
-      <p:grpSpPr>
-        <a:xfrm>
-          <a:off x="0" y="0"/>
-          <a:ext cx="0" cy="0"/>
-          <a:chOff x="0" y="0"/>
-          <a:chExt cx="0" cy="0"/>
-        </a:xfrm>
-      </p:grpSpPr>
-      <p:sp>
-        <p:nvSpPr>
-          <p:cNvPr id="2" name="Title 1">
-            <a:extLst>
-              <a:ext uri="{FF2B5EF4-FFF2-40B4-BE49-F238E27FC236}">
-                <a16:creationId xmlns:a16="http://schemas.microsoft.com/office/drawing/2014/main" id="{BDD829F1-6718-410F-8461-AF2FF4D71BF5}"/>
-              </a:ext>
-            </a:extLst>
-          </p:cNvPr>
-          <p:cNvSpPr>
-            <a:spLocks noGrp="1"/>
-          </p:cNvSpPr>
-          <p:nvPr>
-            <p:ph type="title"/>
-          </p:nvPr>
-        </p:nvSpPr>
-        <p:spPr/>
-        <p:txBody>
-          <a:bodyPr>
-            <a:normAutofit/>
-          </a:bodyPr>
-          <a:lstStyle/>
-          <a:p>
-            <a:r>
-              <a:rPr lang="en-US" dirty="0"/>
-              <a:t>Simple Rules for Controllers</a:t>
-            </a:r>
-          </a:p>
-        </p:txBody>
-      </p:sp>
-      <p:sp>
-        <p:nvSpPr>
-          <p:cNvPr id="6" name="Text Placeholder 5">
-            <a:extLst>
-              <a:ext uri="{FF2B5EF4-FFF2-40B4-BE49-F238E27FC236}">
-                <a16:creationId xmlns:a16="http://schemas.microsoft.com/office/drawing/2014/main" id="{7D443984-18C1-48F7-9CE1-810FB76DAC75}"/>
-              </a:ext>
-            </a:extLst>
-          </p:cNvPr>
-          <p:cNvSpPr>
-            <a:spLocks noGrp="1"/>
-          </p:cNvSpPr>
-          <p:nvPr>
-            <p:ph idx="1"/>
-          </p:nvPr>
-        </p:nvSpPr>
-        <p:spPr/>
-        <p:txBody>
-          <a:bodyPr/>
-          <a:lstStyle/>
-          <a:p>
-            <a:r>
-              <a:rPr lang="en-US" dirty="0"/>
-              <a:t>Controllers should be dumb</a:t>
-            </a:r>
-          </a:p>
-          <a:p>
-            <a:r>
-              <a:rPr lang="en-US" dirty="0"/>
-              <a:t>Controllers should validate inputs</a:t>
-            </a:r>
-          </a:p>
-          <a:p>
-            <a:r>
-              <a:rPr lang="en-US" dirty="0"/>
-              <a:t>Controllers should validate access</a:t>
-            </a:r>
-          </a:p>
-        </p:txBody>
-      </p:sp>
-    </p:spTree>
-    <p:extLst>
-      <p:ext uri="{BB962C8B-B14F-4D97-AF65-F5344CB8AC3E}">
-        <p14:creationId xmlns:p14="http://schemas.microsoft.com/office/powerpoint/2010/main" val="1731518143"/>
-      </p:ext>
-    </p:extLst>
-  </p:cSld>
-  <p:clrMapOvr>
-    <a:masterClrMapping/>
-  </p:clrMapOvr>
-</p:sld>
-</file>
-
-<file path=ppt/slides/slide15.xml><?xml version="1.0" encoding="utf-8"?>
-<p:sld xmlns:a="http://schemas.openxmlformats.org/drawingml/2006/main" xmlns:r="http://schemas.openxmlformats.org/officeDocument/2006/relationships" xmlns:p="http://schemas.openxmlformats.org/presentationml/2006/main">
-  <p:cSld>
-    <p:spTree>
-      <p:nvGrpSpPr>
-        <p:cNvPr id="1" name=""/>
-        <p:cNvGrpSpPr/>
-        <p:nvPr/>
-      </p:nvGrpSpPr>
-      <p:grpSpPr>
-        <a:xfrm>
-          <a:off x="0" y="0"/>
-          <a:ext cx="0" cy="0"/>
-          <a:chOff x="0" y="0"/>
-          <a:chExt cx="0" cy="0"/>
-        </a:xfrm>
-      </p:grpSpPr>
-      <p:sp>
-        <p:nvSpPr>
           <p:cNvPr id="6" name="Title 5">
             <a:extLst>
               <a:ext uri="{FF2B5EF4-FFF2-40B4-BE49-F238E27FC236}">
@@ -9375,7 +8972,7 @@
 </p:sld>
 </file>
 
-<file path=ppt/slides/slide16.xml><?xml version="1.0" encoding="utf-8"?>
+<file path=ppt/slides/slide14.xml><?xml version="1.0" encoding="utf-8"?>
 <p:sld xmlns:a="http://schemas.openxmlformats.org/drawingml/2006/main" xmlns:r="http://schemas.openxmlformats.org/officeDocument/2006/relationships" xmlns:p="http://schemas.openxmlformats.org/presentationml/2006/main">
   <p:cSld>
     <p:spTree>
@@ -9490,7 +9087,7 @@
 </p:sld>
 </file>
 
-<file path=ppt/slides/slide17.xml><?xml version="1.0" encoding="utf-8"?>
+<file path=ppt/slides/slide15.xml><?xml version="1.0" encoding="utf-8"?>
 <p:sld xmlns:a="http://schemas.openxmlformats.org/drawingml/2006/main" xmlns:r="http://schemas.openxmlformats.org/officeDocument/2006/relationships" xmlns:p="http://schemas.openxmlformats.org/presentationml/2006/main">
   <p:cSld>
     <p:spTree>
@@ -9684,7 +9281,7 @@
 </p:sld>
 </file>
 
-<file path=ppt/slides/slide18.xml><?xml version="1.0" encoding="utf-8"?>
+<file path=ppt/slides/slide16.xml><?xml version="1.0" encoding="utf-8"?>
 <p:sld xmlns:a="http://schemas.openxmlformats.org/drawingml/2006/main" xmlns:r="http://schemas.openxmlformats.org/officeDocument/2006/relationships" xmlns:p="http://schemas.openxmlformats.org/presentationml/2006/main">
   <p:cSld>
     <p:spTree>
@@ -9829,7 +9426,7 @@
 </p:sld>
 </file>
 
-<file path=ppt/slides/slide19.xml><?xml version="1.0" encoding="utf-8"?>
+<file path=ppt/slides/slide17.xml><?xml version="1.0" encoding="utf-8"?>
 <p:sld xmlns:a="http://schemas.openxmlformats.org/drawingml/2006/main" xmlns:r="http://schemas.openxmlformats.org/officeDocument/2006/relationships" xmlns:p="http://schemas.openxmlformats.org/presentationml/2006/main">
   <p:cSld>
     <p:spTree>
@@ -10098,6 +9695,204 @@
     <p:extLst>
       <p:ext uri="{BB962C8B-B14F-4D97-AF65-F5344CB8AC3E}">
         <p14:creationId xmlns:p14="http://schemas.microsoft.com/office/powerpoint/2010/main" val="1274983896"/>
+      </p:ext>
+    </p:extLst>
+  </p:cSld>
+  <p:clrMapOvr>
+    <a:masterClrMapping/>
+  </p:clrMapOvr>
+</p:sld>
+</file>
+
+<file path=ppt/slides/slide18.xml><?xml version="1.0" encoding="utf-8"?>
+<p:sld xmlns:a="http://schemas.openxmlformats.org/drawingml/2006/main" xmlns:r="http://schemas.openxmlformats.org/officeDocument/2006/relationships" xmlns:p="http://schemas.openxmlformats.org/presentationml/2006/main">
+  <p:cSld>
+    <p:spTree>
+      <p:nvGrpSpPr>
+        <p:cNvPr id="1" name=""/>
+        <p:cNvGrpSpPr/>
+        <p:nvPr/>
+      </p:nvGrpSpPr>
+      <p:grpSpPr>
+        <a:xfrm>
+          <a:off x="0" y="0"/>
+          <a:ext cx="0" cy="0"/>
+          <a:chOff x="0" y="0"/>
+          <a:chExt cx="0" cy="0"/>
+        </a:xfrm>
+      </p:grpSpPr>
+      <p:sp>
+        <p:nvSpPr>
+          <p:cNvPr id="2" name="Title 1">
+            <a:extLst>
+              <a:ext uri="{FF2B5EF4-FFF2-40B4-BE49-F238E27FC236}">
+                <a16:creationId xmlns:a16="http://schemas.microsoft.com/office/drawing/2014/main" id="{73A1CA7C-947B-4E2B-9B85-23D3E4252C3B}"/>
+              </a:ext>
+            </a:extLst>
+          </p:cNvPr>
+          <p:cNvSpPr>
+            <a:spLocks noGrp="1"/>
+          </p:cNvSpPr>
+          <p:nvPr>
+            <p:ph type="title"/>
+          </p:nvPr>
+        </p:nvSpPr>
+        <p:spPr/>
+        <p:txBody>
+          <a:bodyPr/>
+          <a:lstStyle/>
+          <a:p>
+            <a:r>
+              <a:rPr lang="en-US" dirty="0"/>
+              <a:t>Building a Simple GET Request</a:t>
+            </a:r>
+          </a:p>
+        </p:txBody>
+      </p:sp>
+      <p:sp>
+        <p:nvSpPr>
+          <p:cNvPr id="3" name="Text Placeholder 2">
+            <a:extLst>
+              <a:ext uri="{FF2B5EF4-FFF2-40B4-BE49-F238E27FC236}">
+                <a16:creationId xmlns:a16="http://schemas.microsoft.com/office/drawing/2014/main" id="{7092F064-BF47-4DE4-BBD9-8116B2ECB93F}"/>
+              </a:ext>
+            </a:extLst>
+          </p:cNvPr>
+          <p:cNvSpPr>
+            <a:spLocks noGrp="1"/>
+          </p:cNvSpPr>
+          <p:nvPr>
+            <p:ph type="body" idx="1"/>
+          </p:nvPr>
+        </p:nvSpPr>
+        <p:spPr/>
+        <p:txBody>
+          <a:bodyPr/>
+          <a:lstStyle/>
+          <a:p>
+            <a:endParaRPr lang="en-US"/>
+          </a:p>
+        </p:txBody>
+      </p:sp>
+    </p:spTree>
+    <p:extLst>
+      <p:ext uri="{BB962C8B-B14F-4D97-AF65-F5344CB8AC3E}">
+        <p14:creationId xmlns:p14="http://schemas.microsoft.com/office/powerpoint/2010/main" val="2742601104"/>
+      </p:ext>
+    </p:extLst>
+  </p:cSld>
+  <p:clrMapOvr>
+    <a:masterClrMapping/>
+  </p:clrMapOvr>
+</p:sld>
+</file>
+
+<file path=ppt/slides/slide19.xml><?xml version="1.0" encoding="utf-8"?>
+<p:sld xmlns:a="http://schemas.openxmlformats.org/drawingml/2006/main" xmlns:r="http://schemas.openxmlformats.org/officeDocument/2006/relationships" xmlns:p="http://schemas.openxmlformats.org/presentationml/2006/main">
+  <p:cSld>
+    <p:spTree>
+      <p:nvGrpSpPr>
+        <p:cNvPr id="1" name=""/>
+        <p:cNvGrpSpPr/>
+        <p:nvPr/>
+      </p:nvGrpSpPr>
+      <p:grpSpPr>
+        <a:xfrm>
+          <a:off x="0" y="0"/>
+          <a:ext cx="0" cy="0"/>
+          <a:chOff x="0" y="0"/>
+          <a:chExt cx="0" cy="0"/>
+        </a:xfrm>
+      </p:grpSpPr>
+      <p:sp>
+        <p:nvSpPr>
+          <p:cNvPr id="4" name="Title 3">
+            <a:extLst>
+              <a:ext uri="{FF2B5EF4-FFF2-40B4-BE49-F238E27FC236}">
+                <a16:creationId xmlns:a16="http://schemas.microsoft.com/office/drawing/2014/main" id="{B731F0CD-0192-4873-B091-A8212BCE69D3}"/>
+              </a:ext>
+            </a:extLst>
+          </p:cNvPr>
+          <p:cNvSpPr>
+            <a:spLocks noGrp="1"/>
+          </p:cNvSpPr>
+          <p:nvPr>
+            <p:ph type="title"/>
+          </p:nvPr>
+        </p:nvSpPr>
+        <p:spPr/>
+        <p:txBody>
+          <a:bodyPr>
+            <a:normAutofit/>
+          </a:bodyPr>
+          <a:lstStyle/>
+          <a:p>
+            <a:r>
+              <a:rPr lang="en-US" dirty="0"/>
+              <a:t>A Simple GET Request</a:t>
+            </a:r>
+          </a:p>
+        </p:txBody>
+      </p:sp>
+      <p:sp>
+        <p:nvSpPr>
+          <p:cNvPr id="2" name="Content Placeholder 1">
+            <a:extLst>
+              <a:ext uri="{FF2B5EF4-FFF2-40B4-BE49-F238E27FC236}">
+                <a16:creationId xmlns:a16="http://schemas.microsoft.com/office/drawing/2014/main" id="{B7D491CE-9B01-4E9C-B05D-5A7DFAA4FBF1}"/>
+              </a:ext>
+            </a:extLst>
+          </p:cNvPr>
+          <p:cNvSpPr>
+            <a:spLocks noGrp="1"/>
+          </p:cNvSpPr>
+          <p:nvPr>
+            <p:ph idx="1"/>
+          </p:nvPr>
+        </p:nvSpPr>
+        <p:spPr/>
+        <p:txBody>
+          <a:bodyPr/>
+          <a:lstStyle/>
+          <a:p>
+            <a:endParaRPr lang="en-US"/>
+          </a:p>
+        </p:txBody>
+      </p:sp>
+      <p:pic>
+        <p:nvPicPr>
+          <p:cNvPr id="6" name="Picture 5">
+            <a:extLst>
+              <a:ext uri="{FF2B5EF4-FFF2-40B4-BE49-F238E27FC236}">
+                <a16:creationId xmlns:a16="http://schemas.microsoft.com/office/drawing/2014/main" id="{FF2A84A6-410D-4779-8299-29C055E1D0B7}"/>
+              </a:ext>
+            </a:extLst>
+          </p:cNvPr>
+          <p:cNvPicPr>
+            <a:picLocks noChangeAspect="1"/>
+          </p:cNvPicPr>
+          <p:nvPr/>
+        </p:nvPicPr>
+        <p:blipFill>
+          <a:blip r:embed="rId3"/>
+          <a:stretch>
+            <a:fillRect/>
+          </a:stretch>
+        </p:blipFill>
+        <p:spPr>
+          <a:xfrm>
+            <a:off x="2514691" y="1362628"/>
+            <a:ext cx="7162617" cy="4941374"/>
+          </a:xfrm>
+          <a:prstGeom prst="rect">
+            <a:avLst/>
+          </a:prstGeom>
+        </p:spPr>
+      </p:pic>
+    </p:spTree>
+    <p:extLst>
+      <p:ext uri="{BB962C8B-B14F-4D97-AF65-F5344CB8AC3E}">
+        <p14:creationId xmlns:p14="http://schemas.microsoft.com/office/powerpoint/2010/main" val="3904610133"/>
       </p:ext>
     </p:extLst>
   </p:cSld>
@@ -10186,204 +9981,6 @@
       </p:grpSpPr>
       <p:sp>
         <p:nvSpPr>
-          <p:cNvPr id="2" name="Title 1">
-            <a:extLst>
-              <a:ext uri="{FF2B5EF4-FFF2-40B4-BE49-F238E27FC236}">
-                <a16:creationId xmlns:a16="http://schemas.microsoft.com/office/drawing/2014/main" id="{73A1CA7C-947B-4E2B-9B85-23D3E4252C3B}"/>
-              </a:ext>
-            </a:extLst>
-          </p:cNvPr>
-          <p:cNvSpPr>
-            <a:spLocks noGrp="1"/>
-          </p:cNvSpPr>
-          <p:nvPr>
-            <p:ph type="title"/>
-          </p:nvPr>
-        </p:nvSpPr>
-        <p:spPr/>
-        <p:txBody>
-          <a:bodyPr/>
-          <a:lstStyle/>
-          <a:p>
-            <a:r>
-              <a:rPr lang="en-US" dirty="0"/>
-              <a:t>Building a Simple GET Request</a:t>
-            </a:r>
-          </a:p>
-        </p:txBody>
-      </p:sp>
-      <p:sp>
-        <p:nvSpPr>
-          <p:cNvPr id="3" name="Text Placeholder 2">
-            <a:extLst>
-              <a:ext uri="{FF2B5EF4-FFF2-40B4-BE49-F238E27FC236}">
-                <a16:creationId xmlns:a16="http://schemas.microsoft.com/office/drawing/2014/main" id="{7092F064-BF47-4DE4-BBD9-8116B2ECB93F}"/>
-              </a:ext>
-            </a:extLst>
-          </p:cNvPr>
-          <p:cNvSpPr>
-            <a:spLocks noGrp="1"/>
-          </p:cNvSpPr>
-          <p:nvPr>
-            <p:ph type="body" idx="1"/>
-          </p:nvPr>
-        </p:nvSpPr>
-        <p:spPr/>
-        <p:txBody>
-          <a:bodyPr/>
-          <a:lstStyle/>
-          <a:p>
-            <a:endParaRPr lang="en-US"/>
-          </a:p>
-        </p:txBody>
-      </p:sp>
-    </p:spTree>
-    <p:extLst>
-      <p:ext uri="{BB962C8B-B14F-4D97-AF65-F5344CB8AC3E}">
-        <p14:creationId xmlns:p14="http://schemas.microsoft.com/office/powerpoint/2010/main" val="2742601104"/>
-      </p:ext>
-    </p:extLst>
-  </p:cSld>
-  <p:clrMapOvr>
-    <a:masterClrMapping/>
-  </p:clrMapOvr>
-</p:sld>
-</file>
-
-<file path=ppt/slides/slide21.xml><?xml version="1.0" encoding="utf-8"?>
-<p:sld xmlns:a="http://schemas.openxmlformats.org/drawingml/2006/main" xmlns:r="http://schemas.openxmlformats.org/officeDocument/2006/relationships" xmlns:p="http://schemas.openxmlformats.org/presentationml/2006/main">
-  <p:cSld>
-    <p:spTree>
-      <p:nvGrpSpPr>
-        <p:cNvPr id="1" name=""/>
-        <p:cNvGrpSpPr/>
-        <p:nvPr/>
-      </p:nvGrpSpPr>
-      <p:grpSpPr>
-        <a:xfrm>
-          <a:off x="0" y="0"/>
-          <a:ext cx="0" cy="0"/>
-          <a:chOff x="0" y="0"/>
-          <a:chExt cx="0" cy="0"/>
-        </a:xfrm>
-      </p:grpSpPr>
-      <p:sp>
-        <p:nvSpPr>
-          <p:cNvPr id="4" name="Title 3">
-            <a:extLst>
-              <a:ext uri="{FF2B5EF4-FFF2-40B4-BE49-F238E27FC236}">
-                <a16:creationId xmlns:a16="http://schemas.microsoft.com/office/drawing/2014/main" id="{B731F0CD-0192-4873-B091-A8212BCE69D3}"/>
-              </a:ext>
-            </a:extLst>
-          </p:cNvPr>
-          <p:cNvSpPr>
-            <a:spLocks noGrp="1"/>
-          </p:cNvSpPr>
-          <p:nvPr>
-            <p:ph type="title"/>
-          </p:nvPr>
-        </p:nvSpPr>
-        <p:spPr/>
-        <p:txBody>
-          <a:bodyPr>
-            <a:normAutofit/>
-          </a:bodyPr>
-          <a:lstStyle/>
-          <a:p>
-            <a:r>
-              <a:rPr lang="en-US" dirty="0"/>
-              <a:t>A Simple GET Request</a:t>
-            </a:r>
-          </a:p>
-        </p:txBody>
-      </p:sp>
-      <p:sp>
-        <p:nvSpPr>
-          <p:cNvPr id="2" name="Content Placeholder 1">
-            <a:extLst>
-              <a:ext uri="{FF2B5EF4-FFF2-40B4-BE49-F238E27FC236}">
-                <a16:creationId xmlns:a16="http://schemas.microsoft.com/office/drawing/2014/main" id="{B7D491CE-9B01-4E9C-B05D-5A7DFAA4FBF1}"/>
-              </a:ext>
-            </a:extLst>
-          </p:cNvPr>
-          <p:cNvSpPr>
-            <a:spLocks noGrp="1"/>
-          </p:cNvSpPr>
-          <p:nvPr>
-            <p:ph idx="1"/>
-          </p:nvPr>
-        </p:nvSpPr>
-        <p:spPr/>
-        <p:txBody>
-          <a:bodyPr/>
-          <a:lstStyle/>
-          <a:p>
-            <a:endParaRPr lang="en-US"/>
-          </a:p>
-        </p:txBody>
-      </p:sp>
-      <p:pic>
-        <p:nvPicPr>
-          <p:cNvPr id="6" name="Picture 5">
-            <a:extLst>
-              <a:ext uri="{FF2B5EF4-FFF2-40B4-BE49-F238E27FC236}">
-                <a16:creationId xmlns:a16="http://schemas.microsoft.com/office/drawing/2014/main" id="{FF2A84A6-410D-4779-8299-29C055E1D0B7}"/>
-              </a:ext>
-            </a:extLst>
-          </p:cNvPr>
-          <p:cNvPicPr>
-            <a:picLocks noChangeAspect="1"/>
-          </p:cNvPicPr>
-          <p:nvPr/>
-        </p:nvPicPr>
-        <p:blipFill>
-          <a:blip r:embed="rId3"/>
-          <a:stretch>
-            <a:fillRect/>
-          </a:stretch>
-        </p:blipFill>
-        <p:spPr>
-          <a:xfrm>
-            <a:off x="2514691" y="1362628"/>
-            <a:ext cx="7162617" cy="4941374"/>
-          </a:xfrm>
-          <a:prstGeom prst="rect">
-            <a:avLst/>
-          </a:prstGeom>
-        </p:spPr>
-      </p:pic>
-    </p:spTree>
-    <p:extLst>
-      <p:ext uri="{BB962C8B-B14F-4D97-AF65-F5344CB8AC3E}">
-        <p14:creationId xmlns:p14="http://schemas.microsoft.com/office/powerpoint/2010/main" val="3904610133"/>
-      </p:ext>
-    </p:extLst>
-  </p:cSld>
-  <p:clrMapOvr>
-    <a:masterClrMapping/>
-  </p:clrMapOvr>
-</p:sld>
-</file>
-
-<file path=ppt/slides/slide22.xml><?xml version="1.0" encoding="utf-8"?>
-<p:sld xmlns:a="http://schemas.openxmlformats.org/drawingml/2006/main" xmlns:r="http://schemas.openxmlformats.org/officeDocument/2006/relationships" xmlns:p="http://schemas.openxmlformats.org/presentationml/2006/main">
-  <p:cSld>
-    <p:spTree>
-      <p:nvGrpSpPr>
-        <p:cNvPr id="1" name=""/>
-        <p:cNvGrpSpPr/>
-        <p:nvPr/>
-      </p:nvGrpSpPr>
-      <p:grpSpPr>
-        <a:xfrm>
-          <a:off x="0" y="0"/>
-          <a:ext cx="0" cy="0"/>
-          <a:chOff x="0" y="0"/>
-          <a:chExt cx="0" cy="0"/>
-        </a:xfrm>
-      </p:grpSpPr>
-      <p:sp>
-        <p:nvSpPr>
           <p:cNvPr id="4" name="Title 3">
             <a:extLst>
               <a:ext uri="{FF2B5EF4-FFF2-40B4-BE49-F238E27FC236}">
@@ -10525,7 +10122,7 @@
 </p:sld>
 </file>
 
-<file path=ppt/slides/slide23.xml><?xml version="1.0" encoding="utf-8"?>
+<file path=ppt/slides/slide21.xml><?xml version="1.0" encoding="utf-8"?>
 <p:sld xmlns:a="http://schemas.openxmlformats.org/drawingml/2006/main" xmlns:r="http://schemas.openxmlformats.org/officeDocument/2006/relationships" xmlns:p="http://schemas.openxmlformats.org/presentationml/2006/main">
   <p:cSld>
     <p:spTree>
@@ -10689,7 +10286,7 @@
 </p:sld>
 </file>
 
-<file path=ppt/slides/slide24.xml><?xml version="1.0" encoding="utf-8"?>
+<file path=ppt/slides/slide22.xml><?xml version="1.0" encoding="utf-8"?>
 <p:sld xmlns:a="http://schemas.openxmlformats.org/drawingml/2006/main" xmlns:r="http://schemas.openxmlformats.org/officeDocument/2006/relationships" xmlns:p="http://schemas.openxmlformats.org/presentationml/2006/main">
   <p:cSld>
     <p:spTree>
@@ -11095,7 +10692,7 @@
 </p:sld>
 </file>
 
-<file path=ppt/slides/slide25.xml><?xml version="1.0" encoding="utf-8"?>
+<file path=ppt/slides/slide23.xml><?xml version="1.0" encoding="utf-8"?>
 <p:sld xmlns:a="http://schemas.openxmlformats.org/drawingml/2006/main" xmlns:r="http://schemas.openxmlformats.org/officeDocument/2006/relationships" xmlns:p="http://schemas.openxmlformats.org/presentationml/2006/main">
   <p:cSld>
     <p:spTree>
@@ -11368,7 +10965,7 @@
 </p:sld>
 </file>
 
-<file path=ppt/slides/slide26.xml><?xml version="1.0" encoding="utf-8"?>
+<file path=ppt/slides/slide24.xml><?xml version="1.0" encoding="utf-8"?>
 <p:sld xmlns:a="http://schemas.openxmlformats.org/drawingml/2006/main" xmlns:r="http://schemas.openxmlformats.org/officeDocument/2006/relationships" xmlns:p="http://schemas.openxmlformats.org/presentationml/2006/main">
   <p:cSld>
     <p:spTree>
@@ -11563,7 +11160,7 @@
 </p:sld>
 </file>
 
-<file path=ppt/slides/slide27.xml><?xml version="1.0" encoding="utf-8"?>
+<file path=ppt/slides/slide25.xml><?xml version="1.0" encoding="utf-8"?>
 <p:sld xmlns:a="http://schemas.openxmlformats.org/drawingml/2006/main" xmlns:r="http://schemas.openxmlformats.org/officeDocument/2006/relationships" xmlns:p="http://schemas.openxmlformats.org/presentationml/2006/main">
   <p:cSld>
     <p:spTree>
@@ -11837,7 +11434,7 @@
 </p:sld>
 </file>
 
-<file path=ppt/slides/slide28.xml><?xml version="1.0" encoding="utf-8"?>
+<file path=ppt/slides/slide26.xml><?xml version="1.0" encoding="utf-8"?>
 <p:sld xmlns:a="http://schemas.openxmlformats.org/drawingml/2006/main" xmlns:r="http://schemas.openxmlformats.org/officeDocument/2006/relationships" xmlns:p="http://schemas.openxmlformats.org/presentationml/2006/main">
   <p:cSld>
     <p:spTree>
@@ -11923,7 +11520,7 @@
 </p:sld>
 </file>
 
-<file path=ppt/slides/slide29.xml><?xml version="1.0" encoding="utf-8"?>
+<file path=ppt/slides/slide27.xml><?xml version="1.0" encoding="utf-8"?>
 <p:sld xmlns:a="http://schemas.openxmlformats.org/drawingml/2006/main" xmlns:r="http://schemas.openxmlformats.org/officeDocument/2006/relationships" xmlns:p="http://schemas.openxmlformats.org/presentationml/2006/main">
   <p:cSld>
     <p:spTree>

--- a/Slides/6_ASPNET Core.pptx
+++ b/Slides/6_ASPNET Core.pptx
@@ -223,7 +223,7 @@
           <a:p>
             <a:fld id="{FE0698A4-8696-4B25-BC16-7D62971AF3FD}" type="datetimeFigureOut">
               <a:rPr lang="en-US" smtClean="0"/>
-              <a:t>8/17/2021</a:t>
+              <a:t>8/18/2021</a:t>
             </a:fld>
             <a:endParaRPr lang="en-US"/>
           </a:p>
@@ -2897,7 +2897,7 @@
           <a:p>
             <a:fld id="{52B491D6-D58D-44B5-AD9D-0243D7ABB41E}" type="datetimeFigureOut">
               <a:rPr lang="en-US" smtClean="0"/>
-              <a:t>8/17/2021</a:t>
+              <a:t>8/18/2021</a:t>
             </a:fld>
             <a:endParaRPr lang="en-US"/>
           </a:p>
@@ -3095,7 +3095,7 @@
           <a:p>
             <a:fld id="{52B491D6-D58D-44B5-AD9D-0243D7ABB41E}" type="datetimeFigureOut">
               <a:rPr lang="en-US" smtClean="0"/>
-              <a:t>8/17/2021</a:t>
+              <a:t>8/18/2021</a:t>
             </a:fld>
             <a:endParaRPr lang="en-US"/>
           </a:p>
@@ -3303,7 +3303,7 @@
           <a:p>
             <a:fld id="{52B491D6-D58D-44B5-AD9D-0243D7ABB41E}" type="datetimeFigureOut">
               <a:rPr lang="en-US" smtClean="0"/>
-              <a:t>8/17/2021</a:t>
+              <a:t>8/18/2021</a:t>
             </a:fld>
             <a:endParaRPr lang="en-US"/>
           </a:p>
@@ -4498,7 +4498,7 @@
           <a:p>
             <a:fld id="{52B491D6-D58D-44B5-AD9D-0243D7ABB41E}" type="datetimeFigureOut">
               <a:rPr lang="en-US" smtClean="0"/>
-              <a:t>8/17/2021</a:t>
+              <a:t>8/18/2021</a:t>
             </a:fld>
             <a:endParaRPr lang="en-US"/>
           </a:p>
@@ -4773,7 +4773,7 @@
           <a:p>
             <a:fld id="{52B491D6-D58D-44B5-AD9D-0243D7ABB41E}" type="datetimeFigureOut">
               <a:rPr lang="en-US" smtClean="0"/>
-              <a:t>8/17/2021</a:t>
+              <a:t>8/18/2021</a:t>
             </a:fld>
             <a:endParaRPr lang="en-US"/>
           </a:p>
@@ -5038,7 +5038,7 @@
           <a:p>
             <a:fld id="{52B491D6-D58D-44B5-AD9D-0243D7ABB41E}" type="datetimeFigureOut">
               <a:rPr lang="en-US" smtClean="0"/>
-              <a:t>8/17/2021</a:t>
+              <a:t>8/18/2021</a:t>
             </a:fld>
             <a:endParaRPr lang="en-US"/>
           </a:p>
@@ -5450,7 +5450,7 @@
           <a:p>
             <a:fld id="{52B491D6-D58D-44B5-AD9D-0243D7ABB41E}" type="datetimeFigureOut">
               <a:rPr lang="en-US" smtClean="0"/>
-              <a:t>8/17/2021</a:t>
+              <a:t>8/18/2021</a:t>
             </a:fld>
             <a:endParaRPr lang="en-US"/>
           </a:p>
@@ -5591,7 +5591,7 @@
           <a:p>
             <a:fld id="{52B491D6-D58D-44B5-AD9D-0243D7ABB41E}" type="datetimeFigureOut">
               <a:rPr lang="en-US" smtClean="0"/>
-              <a:t>8/17/2021</a:t>
+              <a:t>8/18/2021</a:t>
             </a:fld>
             <a:endParaRPr lang="en-US"/>
           </a:p>
@@ -5704,7 +5704,7 @@
           <a:p>
             <a:fld id="{52B491D6-D58D-44B5-AD9D-0243D7ABB41E}" type="datetimeFigureOut">
               <a:rPr lang="en-US" smtClean="0"/>
-              <a:t>8/17/2021</a:t>
+              <a:t>8/18/2021</a:t>
             </a:fld>
             <a:endParaRPr lang="en-US"/>
           </a:p>
@@ -6015,7 +6015,7 @@
           <a:p>
             <a:fld id="{52B491D6-D58D-44B5-AD9D-0243D7ABB41E}" type="datetimeFigureOut">
               <a:rPr lang="en-US" smtClean="0"/>
-              <a:t>8/17/2021</a:t>
+              <a:t>8/18/2021</a:t>
             </a:fld>
             <a:endParaRPr lang="en-US"/>
           </a:p>
@@ -6303,7 +6303,7 @@
           <a:p>
             <a:fld id="{52B491D6-D58D-44B5-AD9D-0243D7ABB41E}" type="datetimeFigureOut">
               <a:rPr lang="en-US" smtClean="0"/>
-              <a:t>8/17/2021</a:t>
+              <a:t>8/18/2021</a:t>
             </a:fld>
             <a:endParaRPr lang="en-US"/>
           </a:p>
@@ -6544,7 +6544,7 @@
           <a:p>
             <a:fld id="{52B491D6-D58D-44B5-AD9D-0243D7ABB41E}" type="datetimeFigureOut">
               <a:rPr lang="en-US" smtClean="0"/>
-              <a:t>8/17/2021</a:t>
+              <a:t>8/18/2021</a:t>
             </a:fld>
             <a:endParaRPr lang="en-US"/>
           </a:p>
@@ -11629,7 +11629,15 @@
             </a:pPr>
             <a:r>
               <a:rPr lang="en-US" dirty="0"/>
-              <a:t>Length: 20 minutes</a:t>
+              <a:t>Length</a:t>
+            </a:r>
+            <a:r>
+              <a:rPr lang="en-US"/>
+              <a:t>: 25 </a:t>
+            </a:r>
+            <a:r>
+              <a:rPr lang="en-US" dirty="0"/>
+              <a:t>minutes</a:t>
             </a:r>
           </a:p>
         </p:txBody>
